--- a/Poster.pptx
+++ b/Poster.pptx
@@ -3975,7 +3975,7 @@
           </a:ln>
           <a:extLst>
             <a:ext uri="{91240B29-F687-4f45-9708-019B960494DF}">
-              <a14:hiddenLine xmlns:a14="http://schemas.microsoft.com/office/drawing/2010/main" xmlns="" w="9525">
+              <a14:hiddenLine xmlns="" xmlns:a14="http://schemas.microsoft.com/office/drawing/2010/main" w="9525">
                 <a:solidFill>
                   <a:srgbClr val="000000"/>
                 </a:solidFill>
@@ -4018,14 +4018,14 @@
           </a:ln>
           <a:extLst>
             <a:ext uri="{909E8E84-426E-40dd-AFC4-6F175D3DCCD1}">
-              <a14:hiddenFill xmlns:a14="http://schemas.microsoft.com/office/drawing/2010/main" xmlns="">
+              <a14:hiddenFill xmlns="" xmlns:a14="http://schemas.microsoft.com/office/drawing/2010/main">
                 <a:solidFill>
                   <a:srgbClr val="FFFFFF"/>
                 </a:solidFill>
               </a14:hiddenFill>
             </a:ext>
             <a:ext uri="{91240B29-F687-4f45-9708-019B960494DF}">
-              <a14:hiddenLine xmlns:a14="http://schemas.microsoft.com/office/drawing/2010/main" xmlns="" w="9525">
+              <a14:hiddenLine xmlns="" xmlns:a14="http://schemas.microsoft.com/office/drawing/2010/main" w="9525">
                 <a:solidFill>
                   <a:srgbClr val="000000"/>
                 </a:solidFill>
@@ -4120,14 +4120,14 @@
           </a:ln>
           <a:extLst>
             <a:ext uri="{909E8E84-426E-40dd-AFC4-6F175D3DCCD1}">
-              <a14:hiddenFill xmlns:a14="http://schemas.microsoft.com/office/drawing/2010/main" xmlns="">
+              <a14:hiddenFill xmlns="" xmlns:a14="http://schemas.microsoft.com/office/drawing/2010/main">
                 <a:solidFill>
                   <a:srgbClr val="FFFFFF"/>
                 </a:solidFill>
               </a14:hiddenFill>
             </a:ext>
             <a:ext uri="{91240B29-F687-4f45-9708-019B960494DF}">
-              <a14:hiddenLine xmlns:a14="http://schemas.microsoft.com/office/drawing/2010/main" xmlns="" w="9525">
+              <a14:hiddenLine xmlns="" xmlns:a14="http://schemas.microsoft.com/office/drawing/2010/main" w="9525">
                 <a:solidFill>
                   <a:srgbClr val="000000"/>
                 </a:solidFill>
@@ -4288,7 +4288,7 @@
           </a:ln>
           <a:extLst>
             <a:ext uri="{91240B29-F687-4f45-9708-019B960494DF}">
-              <a14:hiddenLine xmlns:a14="http://schemas.microsoft.com/office/drawing/2010/main" xmlns="" w="9525">
+              <a14:hiddenLine xmlns="" xmlns:a14="http://schemas.microsoft.com/office/drawing/2010/main" w="9525">
                 <a:solidFill>
                   <a:srgbClr val="000000"/>
                 </a:solidFill>
@@ -4408,14 +4408,14 @@
           </a:ln>
           <a:extLst>
             <a:ext uri="{909E8E84-426E-40dd-AFC4-6F175D3DCCD1}">
-              <a14:hiddenFill xmlns:a14="http://schemas.microsoft.com/office/drawing/2010/main" xmlns="">
+              <a14:hiddenFill xmlns="" xmlns:a14="http://schemas.microsoft.com/office/drawing/2010/main">
                 <a:solidFill>
                   <a:srgbClr val="FFFFFF"/>
                 </a:solidFill>
               </a14:hiddenFill>
             </a:ext>
             <a:ext uri="{91240B29-F687-4f45-9708-019B960494DF}">
-              <a14:hiddenLine xmlns:a14="http://schemas.microsoft.com/office/drawing/2010/main" xmlns="" w="9525">
+              <a14:hiddenLine xmlns="" xmlns:a14="http://schemas.microsoft.com/office/drawing/2010/main" w="9525">
                 <a:solidFill>
                   <a:srgbClr val="000000"/>
                 </a:solidFill>
@@ -4589,14 +4589,14 @@
           </a:ln>
           <a:extLst>
             <a:ext uri="{909E8E84-426E-40dd-AFC4-6F175D3DCCD1}">
-              <a14:hiddenFill xmlns:a14="http://schemas.microsoft.com/office/drawing/2010/main" xmlns="">
+              <a14:hiddenFill xmlns="" xmlns:a14="http://schemas.microsoft.com/office/drawing/2010/main">
                 <a:solidFill>
                   <a:srgbClr val="FFFFFF"/>
                 </a:solidFill>
               </a14:hiddenFill>
             </a:ext>
             <a:ext uri="{91240B29-F687-4f45-9708-019B960494DF}">
-              <a14:hiddenLine xmlns:a14="http://schemas.microsoft.com/office/drawing/2010/main" xmlns="" w="9525">
+              <a14:hiddenLine xmlns="" xmlns:a14="http://schemas.microsoft.com/office/drawing/2010/main" w="9525">
                 <a:solidFill>
                   <a:srgbClr val="000000"/>
                 </a:solidFill>
@@ -4770,14 +4770,14 @@
           </a:ln>
           <a:extLst>
             <a:ext uri="{909E8E84-426E-40dd-AFC4-6F175D3DCCD1}">
-              <a14:hiddenFill xmlns:a14="http://schemas.microsoft.com/office/drawing/2010/main" xmlns="">
+              <a14:hiddenFill xmlns="" xmlns:a14="http://schemas.microsoft.com/office/drawing/2010/main">
                 <a:solidFill>
                   <a:srgbClr val="FFFFFF"/>
                 </a:solidFill>
               </a14:hiddenFill>
             </a:ext>
             <a:ext uri="{91240B29-F687-4f45-9708-019B960494DF}">
-              <a14:hiddenLine xmlns:a14="http://schemas.microsoft.com/office/drawing/2010/main" xmlns="" w="9525">
+              <a14:hiddenLine xmlns="" xmlns:a14="http://schemas.microsoft.com/office/drawing/2010/main" w="9525">
                 <a:solidFill>
                   <a:srgbClr val="000000"/>
                 </a:solidFill>
@@ -4989,7 +4989,7 @@
           </a:ln>
           <a:extLst>
             <a:ext uri="{91240B29-F687-4f45-9708-019B960494DF}">
-              <a14:hiddenLine xmlns:a14="http://schemas.microsoft.com/office/drawing/2010/main" xmlns="" w="9525">
+              <a14:hiddenLine xmlns="" xmlns:a14="http://schemas.microsoft.com/office/drawing/2010/main" w="9525">
                 <a:solidFill>
                   <a:srgbClr val="000000"/>
                 </a:solidFill>
@@ -5040,7 +5040,7 @@
           </a:ln>
           <a:extLst>
             <a:ext uri="{91240B29-F687-4f45-9708-019B960494DF}">
-              <a14:hiddenLine xmlns:a14="http://schemas.microsoft.com/office/drawing/2010/main" xmlns="" w="9525">
+              <a14:hiddenLine xmlns="" xmlns:a14="http://schemas.microsoft.com/office/drawing/2010/main" w="9525">
                 <a:solidFill>
                   <a:srgbClr val="000000"/>
                 </a:solidFill>
@@ -6157,7 +6157,7 @@
         <p:spPr>
           <a:xfrm>
             <a:off x="32430838" y="20949497"/>
-            <a:ext cx="8395001" cy="7971413"/>
+            <a:ext cx="8395001" cy="8340745"/>
           </a:xfrm>
           <a:prstGeom prst="rect">
             <a:avLst/>
@@ -6273,43 +6273,38 @@
               <a:t>[3] </a:t>
             </a:r>
             <a:r>
-              <a:rPr lang="en-US" sz="2400" b="1" dirty="0">
+              <a:rPr lang="en-US" sz="2400" dirty="0" smtClean="0">
                 <a:ea typeface="ＭＳ Ｐゴシック" pitchFamily="-108" charset="-128"/>
               </a:rPr>
-              <a:t>SDSS</a:t>
+              <a:t>Eisenstein, </a:t>
+            </a:r>
+            <a:r>
+              <a:rPr lang="en-US" sz="2400" i="1" dirty="0" smtClean="0">
+                <a:ea typeface="ＭＳ Ｐゴシック" pitchFamily="-108" charset="-128"/>
+              </a:rPr>
+              <a:t>et al</a:t>
             </a:r>
             <a:r>
               <a:rPr lang="en-US" sz="2400" dirty="0">
                 <a:ea typeface="ＭＳ Ｐゴシック" pitchFamily="-108" charset="-128"/>
               </a:rPr>
-              <a:t>, SDSS </a:t>
-            </a:r>
-            <a:r>
-              <a:rPr lang="en-US" sz="2400" dirty="0" err="1">
+              <a:t>, SDSS-III: Massive Spectroscopic Surveys of the Distant Universe, the Milky Way, and Extra-Solar Planetary </a:t>
+            </a:r>
+            <a:r>
+              <a:rPr lang="en-US" sz="2400" dirty="0" smtClean="0">
                 <a:ea typeface="ＭＳ Ｐゴシック" pitchFamily="-108" charset="-128"/>
               </a:rPr>
-              <a:t>skyserver</a:t>
-            </a:r>
-            <a:r>
-              <a:rPr lang="en-US" sz="2400" dirty="0">
+              <a:t>Systems, (</a:t>
+            </a:r>
+            <a:r>
+              <a:rPr lang="en-US" sz="2400" dirty="0" smtClean="0">
                 <a:ea typeface="ＭＳ Ｐゴシック" pitchFamily="-108" charset="-128"/>
               </a:rPr>
-              <a:t>,</a:t>
-            </a:r>
-          </a:p>
-          <a:p>
-            <a:r>
-              <a:rPr lang="en-US" sz="2400" u="sng" dirty="0">
-                <a:ea typeface="ＭＳ Ｐゴシック" pitchFamily="-108" charset="-128"/>
-              </a:rPr>
-              <a:t>http://skyserver.sdss.org/dr7/en/tools/search/sql.asp </a:t>
-            </a:r>
-            <a:r>
-              <a:rPr lang="en-US" sz="2400" dirty="0">
-                <a:ea typeface="ＭＳ Ｐゴシック" pitchFamily="-108" charset="-128"/>
-              </a:rPr>
-              <a:t>(2018)</a:t>
-            </a:r>
+              <a:t>2011)</a:t>
+            </a:r>
+            <a:endParaRPr lang="en-US" sz="2400" dirty="0">
+              <a:ea typeface="ＭＳ Ｐゴシック" pitchFamily="-108" charset="-128"/>
+            </a:endParaRPr>
           </a:p>
           <a:p>
             <a:endParaRPr lang="en-US" sz="2400" dirty="0">
@@ -8307,35 +8302,6 @@
           </a:prstGeom>
         </p:spPr>
       </p:pic>
-      <p:pic>
-        <p:nvPicPr>
-          <p:cNvPr id="96" name="Picture 95"/>
-          <p:cNvPicPr>
-            <a:picLocks noChangeAspect="1"/>
-          </p:cNvPicPr>
-          <p:nvPr/>
-        </p:nvPicPr>
-        <p:blipFill rotWithShape="1">
-          <a:blip r:embed="rId12">
-            <a:extLst>
-              <a:ext uri="{28A0092B-C50C-407E-A947-70E740481C1C}">
-                <a14:useLocalDpi xmlns:a14="http://schemas.microsoft.com/office/drawing/2010/main" val="0"/>
-              </a:ext>
-            </a:extLst>
-          </a:blip>
-          <a:srcRect b="54434"/>
-          <a:stretch/>
-        </p:blipFill>
-        <p:spPr>
-          <a:xfrm>
-            <a:off x="2099604" y="26903655"/>
-            <a:ext cx="8033236" cy="1835477"/>
-          </a:xfrm>
-          <a:prstGeom prst="rect">
-            <a:avLst/>
-          </a:prstGeom>
-        </p:spPr>
-      </p:pic>
       <p:sp>
         <p:nvSpPr>
           <p:cNvPr id="82" name="Rectangle 81">
@@ -9033,19 +8999,7 @@
               <a:rPr lang="en-US" sz="2800" dirty="0" smtClean="0">
                 <a:latin typeface="+mn-lt"/>
               </a:rPr>
-              <a:t>orphology </a:t>
-            </a:r>
-            <a:r>
-              <a:rPr lang="en-US" sz="2800" dirty="0" smtClean="0">
-                <a:latin typeface="+mn-lt"/>
-              </a:rPr>
-              <a:t>c</a:t>
-            </a:r>
-            <a:r>
-              <a:rPr lang="en-US" sz="2800" dirty="0" smtClean="0">
-                <a:latin typeface="+mn-lt"/>
-              </a:rPr>
-              <a:t>lassification tasks </a:t>
+              <a:t>orphology classification tasks </a:t>
             </a:r>
             <a:r>
               <a:rPr lang="en-US" sz="2800" dirty="0">
@@ -9159,36 +9113,6 @@
       </p:sp>
       <p:sp>
         <p:nvSpPr>
-          <p:cNvPr id="135" name="TextBox 134"/>
-          <p:cNvSpPr txBox="1"/>
-          <p:nvPr/>
-        </p:nvSpPr>
-        <p:spPr>
-          <a:xfrm>
-            <a:off x="33018883" y="15416991"/>
-            <a:ext cx="1464261" cy="400110"/>
-          </a:xfrm>
-          <a:prstGeom prst="rect">
-            <a:avLst/>
-          </a:prstGeom>
-          <a:noFill/>
-        </p:spPr>
-        <p:txBody>
-          <a:bodyPr wrap="square" rtlCol="0">
-            <a:spAutoFit/>
-          </a:bodyPr>
-          <a:lstStyle/>
-          <a:p>
-            <a:r>
-              <a:rPr lang="en-US" sz="2000" dirty="0" smtClean="0"/>
-              <a:t>[3]</a:t>
-            </a:r>
-            <a:endParaRPr lang="en-US" sz="2000" dirty="0"/>
-          </a:p>
-        </p:txBody>
-      </p:sp>
-      <p:sp>
-        <p:nvSpPr>
           <p:cNvPr id="79" name="TextBox 78">
             <a:extLst>
               <a:ext uri="{FF2B5EF4-FFF2-40B4-BE49-F238E27FC236}">
@@ -9336,6 +9260,136 @@
           </a:p>
         </p:txBody>
       </p:sp>
+      <p:sp>
+        <p:nvSpPr>
+          <p:cNvPr id="6" name="TextBox 5"/>
+          <p:cNvSpPr txBox="1"/>
+          <p:nvPr/>
+        </p:nvSpPr>
+        <p:spPr>
+          <a:xfrm>
+            <a:off x="30629280" y="19807200"/>
+            <a:ext cx="2499237" cy="369332"/>
+          </a:xfrm>
+          <a:prstGeom prst="rect">
+            <a:avLst/>
+          </a:prstGeom>
+          <a:noFill/>
+        </p:spPr>
+        <p:txBody>
+          <a:bodyPr wrap="square" rtlCol="0">
+            <a:spAutoFit/>
+          </a:bodyPr>
+          <a:lstStyle/>
+          <a:p>
+            <a:r>
+              <a:rPr lang="en-US" sz="1800" dirty="0"/>
+              <a:t>Eisenstein, et </a:t>
+            </a:r>
+            <a:r>
+              <a:rPr lang="en-US" sz="1800" dirty="0" smtClean="0"/>
+              <a:t>al, 2011</a:t>
+            </a:r>
+            <a:endParaRPr lang="en-US" sz="1800" dirty="0"/>
+          </a:p>
+        </p:txBody>
+      </p:sp>
+      <p:sp>
+        <p:nvSpPr>
+          <p:cNvPr id="9" name="Rectangle 8"/>
+          <p:cNvSpPr/>
+          <p:nvPr/>
+        </p:nvSpPr>
+        <p:spPr>
+          <a:xfrm>
+            <a:off x="29055401" y="15476660"/>
+            <a:ext cx="5718754" cy="310215"/>
+          </a:xfrm>
+          <a:prstGeom prst="rect">
+            <a:avLst/>
+          </a:prstGeom>
+          <a:ln>
+            <a:solidFill>
+              <a:schemeClr val="bg1"/>
+            </a:solidFill>
+          </a:ln>
+        </p:spPr>
+        <p:style>
+          <a:lnRef idx="2">
+            <a:schemeClr val="dk1"/>
+          </a:lnRef>
+          <a:fillRef idx="1">
+            <a:schemeClr val="lt1"/>
+          </a:fillRef>
+          <a:effectRef idx="0">
+            <a:schemeClr val="dk1"/>
+          </a:effectRef>
+          <a:fontRef idx="minor">
+            <a:schemeClr val="dk1"/>
+          </a:fontRef>
+        </p:style>
+        <p:txBody>
+          <a:bodyPr rtlCol="0" anchor="ctr"/>
+          <a:lstStyle/>
+          <a:p>
+            <a:pPr algn="ctr"/>
+            <a:r>
+              <a:rPr lang="fr-FR" sz="1800" dirty="0" err="1" smtClean="0"/>
+              <a:t>Literature</a:t>
+            </a:r>
+            <a:r>
+              <a:rPr lang="fr-FR" sz="1800" dirty="0" smtClean="0"/>
+              <a:t> </a:t>
+            </a:r>
+            <a:r>
+              <a:rPr lang="fr-FR" sz="1800" dirty="0"/>
+              <a:t>Performance: SDSS </a:t>
+            </a:r>
+            <a:r>
+              <a:rPr lang="fr-FR" sz="1800" dirty="0" err="1"/>
+              <a:t>PhotoZ</a:t>
+            </a:r>
+            <a:r>
+              <a:rPr lang="fr-FR" sz="1800" dirty="0"/>
+              <a:t> vs </a:t>
+            </a:r>
+            <a:r>
+              <a:rPr lang="fr-FR" sz="1800" dirty="0" err="1"/>
+              <a:t>SpectroZ</a:t>
+            </a:r>
+            <a:endParaRPr lang="fr-FR" sz="1800" dirty="0"/>
+          </a:p>
+        </p:txBody>
+      </p:sp>
+      <p:pic>
+        <p:nvPicPr>
+          <p:cNvPr id="11" name="Picture 10"/>
+          <p:cNvPicPr>
+            <a:picLocks noChangeAspect="1"/>
+          </p:cNvPicPr>
+          <p:nvPr/>
+        </p:nvPicPr>
+        <p:blipFill rotWithShape="1">
+          <a:blip r:embed="rId17">
+            <a:extLst>
+              <a:ext uri="{28A0092B-C50C-407E-A947-70E740481C1C}">
+                <a14:useLocalDpi xmlns:a14="http://schemas.microsoft.com/office/drawing/2010/main" val="0"/>
+              </a:ext>
+            </a:extLst>
+          </a:blip>
+          <a:srcRect l="773" t="5693" r="18016" b="8580"/>
+          <a:stretch/>
+        </p:blipFill>
+        <p:spPr>
+          <a:xfrm>
+            <a:off x="2154538" y="27048006"/>
+            <a:ext cx="7817556" cy="1669950"/>
+          </a:xfrm>
+          <a:prstGeom prst="rect">
+            <a:avLst/>
+          </a:prstGeom>
+        </p:spPr>
+      </p:pic>
     </p:spTree>
     <p:extLst>
       <p:ext uri="{BB962C8B-B14F-4D97-AF65-F5344CB8AC3E}">

--- a/Poster.pptx
+++ b/Poster.pptx
@@ -3975,7 +3975,7 @@
           </a:ln>
           <a:extLst>
             <a:ext uri="{91240B29-F687-4f45-9708-019B960494DF}">
-              <a14:hiddenLine xmlns="" xmlns:a14="http://schemas.microsoft.com/office/drawing/2010/main" w="9525">
+              <a14:hiddenLine xmlns:a14="http://schemas.microsoft.com/office/drawing/2010/main" xmlns="" w="9525">
                 <a:solidFill>
                   <a:srgbClr val="000000"/>
                 </a:solidFill>
@@ -4018,14 +4018,14 @@
           </a:ln>
           <a:extLst>
             <a:ext uri="{909E8E84-426E-40dd-AFC4-6F175D3DCCD1}">
-              <a14:hiddenFill xmlns="" xmlns:a14="http://schemas.microsoft.com/office/drawing/2010/main">
+              <a14:hiddenFill xmlns:a14="http://schemas.microsoft.com/office/drawing/2010/main" xmlns="">
                 <a:solidFill>
                   <a:srgbClr val="FFFFFF"/>
                 </a:solidFill>
               </a14:hiddenFill>
             </a:ext>
             <a:ext uri="{91240B29-F687-4f45-9708-019B960494DF}">
-              <a14:hiddenLine xmlns="" xmlns:a14="http://schemas.microsoft.com/office/drawing/2010/main" w="9525">
+              <a14:hiddenLine xmlns:a14="http://schemas.microsoft.com/office/drawing/2010/main" xmlns="" w="9525">
                 <a:solidFill>
                   <a:srgbClr val="000000"/>
                 </a:solidFill>
@@ -4066,21 +4066,7 @@
                 <a:latin typeface="+mn-lt"/>
                 <a:cs typeface="Georgia" charset="0"/>
               </a:rPr>
-              <a:t> </a:t>
-            </a:r>
-            <a:r>
-              <a:rPr lang="en-US" sz="4800" b="1" dirty="0" smtClean="0">
-                <a:latin typeface="+mn-lt"/>
-                <a:cs typeface="Georgia" charset="0"/>
-              </a:rPr>
-              <a:t>Narayan</a:t>
-            </a:r>
-            <a:r>
-              <a:rPr lang="en-US" sz="4800" b="1" dirty="0">
-                <a:latin typeface="+mn-lt"/>
-                <a:cs typeface="Georgia" charset="0"/>
-              </a:rPr>
-              <a:t/>
+              <a:t> Narayan</a:t>
             </a:r>
             <a:br>
               <a:rPr lang="en-US" sz="4800" b="1" dirty="0">
@@ -4120,14 +4106,14 @@
           </a:ln>
           <a:extLst>
             <a:ext uri="{909E8E84-426E-40dd-AFC4-6F175D3DCCD1}">
-              <a14:hiddenFill xmlns="" xmlns:a14="http://schemas.microsoft.com/office/drawing/2010/main">
+              <a14:hiddenFill xmlns:a14="http://schemas.microsoft.com/office/drawing/2010/main" xmlns="">
                 <a:solidFill>
                   <a:srgbClr val="FFFFFF"/>
                 </a:solidFill>
               </a14:hiddenFill>
             </a:ext>
             <a:ext uri="{91240B29-F687-4f45-9708-019B960494DF}">
-              <a14:hiddenLine xmlns="" xmlns:a14="http://schemas.microsoft.com/office/drawing/2010/main" w="9525">
+              <a14:hiddenLine xmlns:a14="http://schemas.microsoft.com/office/drawing/2010/main" xmlns="" w="9525">
                 <a:solidFill>
                   <a:srgbClr val="000000"/>
                 </a:solidFill>
@@ -4288,7 +4274,7 @@
           </a:ln>
           <a:extLst>
             <a:ext uri="{91240B29-F687-4f45-9708-019B960494DF}">
-              <a14:hiddenLine xmlns="" xmlns:a14="http://schemas.microsoft.com/office/drawing/2010/main" w="9525">
+              <a14:hiddenLine xmlns:a14="http://schemas.microsoft.com/office/drawing/2010/main" xmlns="" w="9525">
                 <a:solidFill>
                   <a:srgbClr val="000000"/>
                 </a:solidFill>
@@ -4331,52 +4317,40 @@
               <a:t>We are developing a new model for morphological classification and photometric redshift estimation of galaxies. Predicting morphology and redshift photometrically is critical to rapid follow-up of gravitational wave alerts and to time-domain studies without the benefit of detailed spectroscopic information. Our model makes use of advances in deep learning to sort galactic survey images into spiral and elliptical classes with the Galaxy Zoo 1 catalogue providing training targets. We present methods whereby adding more layers, mixing, and providing an additional channel of photometric magnitudes increased classification accuracy for greater redshifted spiral galaxies. Utilizing full image inputs, photometric magnitudes, and angular size, our model can classify Galaxy Zoo 1 high debiased confidence galaxies (</a:t>
             </a:r>
             <a:r>
-              <a:rPr lang="en-US" sz="2800" dirty="0" err="1" smtClean="0">
+              <a:rPr lang="en-US" sz="2800" dirty="0" err="1">
                 <a:latin typeface="+mn-lt"/>
               </a:rPr>
               <a:t>Z</a:t>
             </a:r>
             <a:r>
-              <a:rPr lang="en-US" sz="2800" baseline="-25000" dirty="0" err="1" smtClean="0">
+              <a:rPr lang="en-US" sz="2800" baseline="-25000" dirty="0" err="1">
                 <a:latin typeface="+mn-lt"/>
               </a:rPr>
               <a:t>avg</a:t>
             </a:r>
             <a:r>
-              <a:rPr lang="en-US" sz="2800" dirty="0" smtClean="0">
-                <a:latin typeface="+mn-lt"/>
-              </a:rPr>
-              <a:t> </a:t>
-            </a:r>
-            <a:r>
               <a:rPr lang="en-US" sz="2800" dirty="0">
                 <a:latin typeface="+mn-lt"/>
               </a:rPr>
-              <a:t>≈ 0.05) to 0.97 accuracy, and low debiased confidence galaxies (</a:t>
-            </a:r>
-            <a:r>
-              <a:rPr lang="en-US" sz="2800" dirty="0" err="1" smtClean="0">
+              <a:t> ≈ 0.05) to 0.97 accuracy, and low debiased confidence galaxies (</a:t>
+            </a:r>
+            <a:r>
+              <a:rPr lang="en-US" sz="2800" dirty="0" err="1">
                 <a:latin typeface="+mn-lt"/>
               </a:rPr>
               <a:t>Z</a:t>
             </a:r>
             <a:r>
-              <a:rPr lang="en-US" sz="2800" baseline="-25000" dirty="0" err="1" smtClean="0">
+              <a:rPr lang="en-US" sz="2800" baseline="-25000" dirty="0" err="1">
                 <a:latin typeface="+mn-lt"/>
               </a:rPr>
               <a:t>avg</a:t>
             </a:r>
             <a:r>
-              <a:rPr lang="en-US" sz="2800" dirty="0" smtClean="0">
-                <a:latin typeface="+mn-lt"/>
-              </a:rPr>
-              <a:t> </a:t>
-            </a:r>
-            <a:r>
               <a:rPr lang="en-US" sz="2800" dirty="0">
                 <a:latin typeface="+mn-lt"/>
               </a:rPr>
-              <a:t>≈ 0.15) to 0.80 accuracy. We will use our model to build a photometric redshift catalog for the northern sky using Pan-STARRS1, which we will incorporate into the ANTARES alert broker that is currently processing the ZTF alert stream.</a:t>
+              <a:t> ≈ 0.15) to 0.80 accuracy. We will use our model to build a photometric redshift catalog for the northern sky using Pan-STARRS1, which we will incorporate into the ANTARES alert broker that is currently processing the ZTF alert stream.</a:t>
             </a:r>
           </a:p>
           <a:p>
@@ -4408,14 +4382,14 @@
           </a:ln>
           <a:extLst>
             <a:ext uri="{909E8E84-426E-40dd-AFC4-6F175D3DCCD1}">
-              <a14:hiddenFill xmlns="" xmlns:a14="http://schemas.microsoft.com/office/drawing/2010/main">
+              <a14:hiddenFill xmlns:a14="http://schemas.microsoft.com/office/drawing/2010/main" xmlns="">
                 <a:solidFill>
                   <a:srgbClr val="FFFFFF"/>
                 </a:solidFill>
               </a14:hiddenFill>
             </a:ext>
             <a:ext uri="{91240B29-F687-4f45-9708-019B960494DF}">
-              <a14:hiddenLine xmlns="" xmlns:a14="http://schemas.microsoft.com/office/drawing/2010/main" w="9525">
+              <a14:hiddenLine xmlns:a14="http://schemas.microsoft.com/office/drawing/2010/main" xmlns="" w="9525">
                 <a:solidFill>
                   <a:srgbClr val="000000"/>
                 </a:solidFill>
@@ -4589,14 +4563,14 @@
           </a:ln>
           <a:extLst>
             <a:ext uri="{909E8E84-426E-40dd-AFC4-6F175D3DCCD1}">
-              <a14:hiddenFill xmlns="" xmlns:a14="http://schemas.microsoft.com/office/drawing/2010/main">
+              <a14:hiddenFill xmlns:a14="http://schemas.microsoft.com/office/drawing/2010/main" xmlns="">
                 <a:solidFill>
                   <a:srgbClr val="FFFFFF"/>
                 </a:solidFill>
               </a14:hiddenFill>
             </a:ext>
             <a:ext uri="{91240B29-F687-4f45-9708-019B960494DF}">
-              <a14:hiddenLine xmlns="" xmlns:a14="http://schemas.microsoft.com/office/drawing/2010/main" w="9525">
+              <a14:hiddenLine xmlns:a14="http://schemas.microsoft.com/office/drawing/2010/main" xmlns="" w="9525">
                 <a:solidFill>
                   <a:srgbClr val="000000"/>
                 </a:solidFill>
@@ -4770,14 +4744,14 @@
           </a:ln>
           <a:extLst>
             <a:ext uri="{909E8E84-426E-40dd-AFC4-6F175D3DCCD1}">
-              <a14:hiddenFill xmlns="" xmlns:a14="http://schemas.microsoft.com/office/drawing/2010/main">
+              <a14:hiddenFill xmlns:a14="http://schemas.microsoft.com/office/drawing/2010/main" xmlns="">
                 <a:solidFill>
                   <a:srgbClr val="FFFFFF"/>
                 </a:solidFill>
               </a14:hiddenFill>
             </a:ext>
             <a:ext uri="{91240B29-F687-4f45-9708-019B960494DF}">
-              <a14:hiddenLine xmlns="" xmlns:a14="http://schemas.microsoft.com/office/drawing/2010/main" w="9525">
+              <a14:hiddenLine xmlns:a14="http://schemas.microsoft.com/office/drawing/2010/main" xmlns="" w="9525">
                 <a:solidFill>
                   <a:srgbClr val="000000"/>
                 </a:solidFill>
@@ -4989,7 +4963,7 @@
           </a:ln>
           <a:extLst>
             <a:ext uri="{91240B29-F687-4f45-9708-019B960494DF}">
-              <a14:hiddenLine xmlns="" xmlns:a14="http://schemas.microsoft.com/office/drawing/2010/main" w="9525">
+              <a14:hiddenLine xmlns:a14="http://schemas.microsoft.com/office/drawing/2010/main" xmlns="" w="9525">
                 <a:solidFill>
                   <a:srgbClr val="000000"/>
                 </a:solidFill>
@@ -5040,7 +5014,7 @@
           </a:ln>
           <a:extLst>
             <a:ext uri="{91240B29-F687-4f45-9708-019B960494DF}">
-              <a14:hiddenLine xmlns="" xmlns:a14="http://schemas.microsoft.com/office/drawing/2010/main" w="9525">
+              <a14:hiddenLine xmlns:a14="http://schemas.microsoft.com/office/drawing/2010/main" xmlns="" w="9525">
                 <a:solidFill>
                   <a:srgbClr val="000000"/>
                 </a:solidFill>
@@ -5235,22 +5209,16 @@
           <a:lstStyle/>
           <a:p>
             <a:r>
-              <a:rPr lang="en-US" sz="2800" b="1" dirty="0" smtClean="0">
+              <a:rPr lang="en-US" sz="2800" b="1" dirty="0">
                 <a:latin typeface="+mn-lt"/>
               </a:rPr>
               <a:t>Left: </a:t>
             </a:r>
             <a:r>
-              <a:rPr lang="en-US" sz="2800" dirty="0" smtClean="0">
-                <a:latin typeface="+mn-lt"/>
-              </a:rPr>
-              <a:t>Confusion </a:t>
-            </a:r>
-            <a:r>
               <a:rPr lang="en-US" sz="2800" dirty="0">
                 <a:latin typeface="+mn-lt"/>
               </a:rPr>
-              <a:t>matrices of each dataset: top left is an old model’s confusion matrix depicting the performance on the</a:t>
+              <a:t>Confusion matrices of each dataset: top left is an old model’s confusion matrix depicting the performance on the</a:t>
             </a:r>
             <a:r>
               <a:rPr lang="en-US" sz="2800" dirty="0">
@@ -5265,31 +5233,7 @@
               <a:rPr lang="en-US" sz="2800" dirty="0">
                 <a:latin typeface="+mn-lt"/>
               </a:rPr>
-              <a:t>dataset before ‘mixing,’ increasing model depth, and adding sixth </a:t>
-            </a:r>
-            <a:r>
-              <a:rPr lang="en-US" sz="2800" dirty="0" smtClean="0">
-                <a:latin typeface="+mn-lt"/>
-              </a:rPr>
-              <a:t>channel. Performance </a:t>
-            </a:r>
-            <a:r>
-              <a:rPr lang="en-US" sz="2800" dirty="0">
-                <a:latin typeface="+mn-lt"/>
-              </a:rPr>
-              <a:t>in general degrades as human accuracy </a:t>
-            </a:r>
-            <a:r>
-              <a:rPr lang="en-US" sz="2800" dirty="0" smtClean="0">
-                <a:latin typeface="+mn-lt"/>
-              </a:rPr>
-              <a:t>degrades. Improvements </a:t>
-            </a:r>
-            <a:r>
-              <a:rPr lang="en-US" sz="2800" dirty="0">
-                <a:latin typeface="+mn-lt"/>
-              </a:rPr>
-              <a:t>increased </a:t>
+              <a:t>dataset before ‘mixing,’ increasing model depth, and adding sixth channel. Performance in general degrades as human accuracy degrades. Improvements increased </a:t>
             </a:r>
             <a:r>
               <a:rPr lang="en-US" sz="2800" dirty="0">
@@ -5879,7 +5823,7 @@
             </a:r>
             <a:r>
               <a:rPr lang="en-US" sz="2800" dirty="0"/>
-              <a:t>Receiver Operating Characteristic curve for the </a:t>
+              <a:t>Receiver operating characteristic curve for the </a:t>
             </a:r>
             <a:r>
               <a:rPr lang="en-US" sz="2800" dirty="0">
@@ -5899,7 +5843,7 @@
             </a:r>
             <a:r>
               <a:rPr lang="en-US" sz="2800" dirty="0"/>
-              <a:t>validation dataset after training, A perfect performing model would have an area under the curve = 1.0</a:t>
+              <a:t>validation dataset after training, a perfect performing model would have an area under the curve = 1.0</a:t>
             </a:r>
             <a:endParaRPr lang="en-US" sz="2800" b="1" dirty="0"/>
           </a:p>
@@ -5913,7 +5857,7 @@
             </a:r>
             <a:r>
               <a:rPr lang="en-US" sz="2800" dirty="0"/>
-              <a:t> Model’s Class Confidence against GZ’s Class Confidence. Notice: a band around 0.5 indicates there are some layers which remain un-trained yet, though our model did converge.</a:t>
+              <a:t> Model’s class confidence against GZ’s class confidence. Notice: a band around 0.5 indicates there are some layers which remain un-trained yet, though our model did converge.</a:t>
             </a:r>
           </a:p>
           <a:p>
@@ -6183,11 +6127,7 @@
           <a:p>
             <a:r>
               <a:rPr lang="en-US" sz="2400" dirty="0"/>
-              <a:t>[2] </a:t>
-            </a:r>
-            <a:r>
-              <a:rPr lang="en-US" sz="2400" dirty="0" smtClean="0"/>
-              <a:t>K. </a:t>
+              <a:t>[2] K. </a:t>
             </a:r>
             <a:r>
               <a:rPr lang="en-US" sz="2400" dirty="0" err="1"/>
@@ -6195,15 +6135,7 @@
             </a:r>
             <a:r>
               <a:rPr lang="en-US" sz="2400" dirty="0"/>
-              <a:t>, </a:t>
-            </a:r>
-            <a:r>
-              <a:rPr lang="en-US" sz="2400" dirty="0" smtClean="0"/>
-              <a:t>E. </a:t>
-            </a:r>
-            <a:r>
-              <a:rPr lang="en-US" sz="2400" dirty="0"/>
-              <a:t>Huerta, </a:t>
+              <a:t>, E. Huerta, </a:t>
             </a:r>
             <a:r>
               <a:rPr lang="en-US" sz="2400" i="1" dirty="0"/>
@@ -6270,16 +6202,10 @@
               <a:rPr lang="en-US" sz="2400" dirty="0">
                 <a:ea typeface="ＭＳ Ｐゴシック" pitchFamily="-108" charset="-128"/>
               </a:rPr>
-              <a:t>[3] </a:t>
-            </a:r>
-            <a:r>
-              <a:rPr lang="en-US" sz="2400" dirty="0" smtClean="0">
-                <a:ea typeface="ＭＳ Ｐゴシック" pitchFamily="-108" charset="-128"/>
-              </a:rPr>
-              <a:t>Eisenstein, </a:t>
-            </a:r>
-            <a:r>
-              <a:rPr lang="en-US" sz="2400" i="1" dirty="0" smtClean="0">
+              <a:t>[3] Eisenstein, </a:t>
+            </a:r>
+            <a:r>
+              <a:rPr lang="en-US" sz="2400" i="1" dirty="0">
                 <a:ea typeface="ＭＳ Ｐゴシック" pitchFamily="-108" charset="-128"/>
               </a:rPr>
               <a:t>et al</a:t>
@@ -6288,23 +6214,8 @@
               <a:rPr lang="en-US" sz="2400" dirty="0">
                 <a:ea typeface="ＭＳ Ｐゴシック" pitchFamily="-108" charset="-128"/>
               </a:rPr>
-              <a:t>, SDSS-III: Massive Spectroscopic Surveys of the Distant Universe, the Milky Way, and Extra-Solar Planetary </a:t>
-            </a:r>
-            <a:r>
-              <a:rPr lang="en-US" sz="2400" dirty="0" smtClean="0">
-                <a:ea typeface="ＭＳ Ｐゴシック" pitchFamily="-108" charset="-128"/>
-              </a:rPr>
-              <a:t>Systems, (</a:t>
-            </a:r>
-            <a:r>
-              <a:rPr lang="en-US" sz="2400" dirty="0" smtClean="0">
-                <a:ea typeface="ＭＳ Ｐゴシック" pitchFamily="-108" charset="-128"/>
-              </a:rPr>
-              <a:t>2011)</a:t>
-            </a:r>
-            <a:endParaRPr lang="en-US" sz="2400" dirty="0">
-              <a:ea typeface="ＭＳ Ｐゴシック" pitchFamily="-108" charset="-128"/>
-            </a:endParaRPr>
+              <a:t>, SDSS-III: Massive Spectroscopic Surveys of the Distant Universe, the Milky Way, and Extra-Solar Planetary Systems, (2011)</a:t>
+            </a:r>
           </a:p>
           <a:p>
             <a:endParaRPr lang="en-US" sz="2400" dirty="0">
@@ -6363,11 +6274,7 @@
             </a:r>
             <a:r>
               <a:rPr lang="en-US" sz="2400" dirty="0"/>
-              <a:t> </a:t>
-            </a:r>
-            <a:r>
-              <a:rPr lang="en-US" sz="2400" dirty="0" smtClean="0"/>
-              <a:t>G. </a:t>
+              <a:t> G. </a:t>
             </a:r>
             <a:r>
               <a:rPr lang="en-US" sz="2400" dirty="0" err="1"/>
@@ -6375,11 +6282,7 @@
             </a:r>
             <a:r>
               <a:rPr lang="en-US" sz="2400" dirty="0"/>
-              <a:t>, </a:t>
-            </a:r>
-            <a:r>
-              <a:rPr lang="en-US" sz="2400" dirty="0" smtClean="0"/>
-              <a:t>G. </a:t>
+              <a:t>, G. </a:t>
             </a:r>
             <a:r>
               <a:rPr lang="en-US" sz="2400" dirty="0" err="1"/>
@@ -6484,7 +6387,7 @@
                   </a:avLst>
                 </a:prstGeom>
                 <a:solidFill>
-                  <a:srgbClr val="FF0000"/>
+                  <a:srgbClr val="1B46A5"/>
                 </a:solidFill>
               </p:spPr>
               <p:style>
@@ -6538,7 +6441,7 @@
                   </a:avLst>
                 </a:prstGeom>
                 <a:solidFill>
-                  <a:srgbClr val="1B46A5"/>
+                  <a:srgbClr val="FF0000"/>
                 </a:solidFill>
               </p:spPr>
               <p:style>
@@ -6560,7 +6463,7 @@
                 <a:lstStyle/>
                 <a:p>
                   <a:pPr algn="ctr"/>
-                  <a:endParaRPr lang="en-US">
+                  <a:endParaRPr lang="en-US" dirty="0">
                     <a:solidFill>
                       <a:schemeClr val="tx1"/>
                     </a:solidFill>
@@ -6866,7 +6769,7 @@
                   </a:avLst>
                 </a:prstGeom>
                 <a:solidFill>
-                  <a:srgbClr val="FF0000"/>
+                  <a:srgbClr val="1B46A5"/>
                 </a:solidFill>
               </p:spPr>
               <p:style>
@@ -6920,7 +6823,7 @@
                   </a:avLst>
                 </a:prstGeom>
                 <a:solidFill>
-                  <a:srgbClr val="1B46A5"/>
+                  <a:srgbClr val="FF0000"/>
                 </a:solidFill>
               </p:spPr>
               <p:style>
@@ -6942,7 +6845,7 @@
                 <a:lstStyle/>
                 <a:p>
                   <a:pPr algn="ctr"/>
-                  <a:endParaRPr lang="en-US">
+                  <a:endParaRPr lang="en-US" dirty="0">
                     <a:solidFill>
                       <a:schemeClr val="tx1"/>
                     </a:solidFill>
@@ -7243,7 +7146,7 @@
                   </a:avLst>
                 </a:prstGeom>
                 <a:solidFill>
-                  <a:srgbClr val="FF0000"/>
+                  <a:srgbClr val="1B46A5"/>
                 </a:solidFill>
               </p:spPr>
               <p:style>
@@ -7297,7 +7200,7 @@
                   </a:avLst>
                 </a:prstGeom>
                 <a:solidFill>
-                  <a:srgbClr val="1B46A5"/>
+                  <a:srgbClr val="FF0000"/>
                 </a:solidFill>
               </p:spPr>
               <p:style>
@@ -7319,7 +7222,7 @@
                 <a:lstStyle/>
                 <a:p>
                   <a:pPr algn="ctr"/>
-                  <a:endParaRPr lang="en-US">
+                  <a:endParaRPr lang="en-US" dirty="0">
                     <a:solidFill>
                       <a:schemeClr val="tx1"/>
                     </a:solidFill>
@@ -7620,7 +7523,7 @@
                   </a:avLst>
                 </a:prstGeom>
                 <a:solidFill>
-                  <a:srgbClr val="FF0000"/>
+                  <a:srgbClr val="1B46A5"/>
                 </a:solidFill>
               </p:spPr>
               <p:style>
@@ -7674,7 +7577,7 @@
                   </a:avLst>
                 </a:prstGeom>
                 <a:solidFill>
-                  <a:srgbClr val="1B46A5"/>
+                  <a:srgbClr val="FF0000"/>
                 </a:solidFill>
               </p:spPr>
               <p:style>
@@ -7696,7 +7599,7 @@
                 <a:lstStyle/>
                 <a:p>
                   <a:pPr algn="ctr"/>
-                  <a:endParaRPr lang="en-US">
+                  <a:endParaRPr lang="en-US" dirty="0">
                     <a:solidFill>
                       <a:schemeClr val="tx1"/>
                     </a:solidFill>
@@ -8000,16 +7903,10 @@
               <a:buChar char="•"/>
             </a:pPr>
             <a:r>
-              <a:rPr lang="en-US" sz="2800" dirty="0" smtClean="0">
-                <a:latin typeface="+mn-lt"/>
-              </a:rPr>
-              <a:t>Therefore, photometric </a:t>
-            </a:r>
-            <a:r>
               <a:rPr lang="en-US" sz="2800" dirty="0">
                 <a:latin typeface="+mn-lt"/>
               </a:rPr>
-              <a:t>redshifts are used to match the time scale and field of view of modern surveys</a:t>
+              <a:t>Therefore, photometric redshifts are used to match the time scale and field of view of modern surveys</a:t>
             </a:r>
           </a:p>
           <a:p>
@@ -8021,19 +7918,7 @@
               <a:rPr lang="en-US" sz="2800" dirty="0">
                 <a:latin typeface="+mn-lt"/>
               </a:rPr>
-              <a:t>However, </a:t>
-            </a:r>
-            <a:r>
-              <a:rPr lang="en-US" sz="2800" dirty="0" smtClean="0">
-                <a:latin typeface="+mn-lt"/>
-              </a:rPr>
-              <a:t>photometric </a:t>
-            </a:r>
-            <a:r>
-              <a:rPr lang="en-US" sz="2800" dirty="0">
-                <a:latin typeface="+mn-lt"/>
-              </a:rPr>
-              <a:t>redshifts are biased by morphological effects like edge-on-disk reddening</a:t>
+              <a:t>However, photometric redshifts are biased by morphological effects like edge-on-disk reddening</a:t>
             </a:r>
           </a:p>
           <a:p>
@@ -8101,7 +7986,7 @@
         </p:blipFill>
         <p:spPr>
           <a:xfrm>
-            <a:off x="39954262" y="3276784"/>
+            <a:off x="39954262" y="2225618"/>
             <a:ext cx="3238500" cy="2815880"/>
           </a:xfrm>
           <a:prstGeom prst="rect">
@@ -8132,10 +8017,9 @@
           <a:lstStyle/>
           <a:p>
             <a:r>
-              <a:rPr lang="en-US" sz="2800" dirty="0" smtClean="0"/>
+              <a:rPr lang="en-US" sz="2800" dirty="0"/>
               <a:t>[5]</a:t>
             </a:r>
-            <a:endParaRPr lang="en-US" sz="2800" dirty="0"/>
           </a:p>
         </p:txBody>
       </p:sp>
@@ -8185,10 +8069,9 @@
                     <a:lstStyle/>
                     <a:p>
                       <a:r>
-                        <a:rPr lang="en-US" sz="2800" b="0" dirty="0" smtClean="0"/>
+                        <a:rPr lang="en-US" sz="2800" b="0" dirty="0"/>
                         <a:t>HP</a:t>
                       </a:r>
-                      <a:endParaRPr lang="en-US" sz="2800" b="0" dirty="0"/>
                     </a:p>
                   </a:txBody>
                   <a:tcPr>
@@ -8210,18 +8093,13 @@
                     <a:lstStyle/>
                     <a:p>
                       <a:r>
-                        <a:rPr lang="en-US" sz="2800" b="0" dirty="0" smtClean="0">
+                        <a:rPr lang="en-US" sz="2800" b="0" dirty="0">
                           <a:solidFill>
                             <a:schemeClr val="bg1"/>
                           </a:solidFill>
                         </a:rPr>
                         <a:t>MP</a:t>
                       </a:r>
-                      <a:endParaRPr lang="en-US" sz="2800" b="0" dirty="0">
-                        <a:solidFill>
-                          <a:schemeClr val="bg1"/>
-                        </a:solidFill>
-                      </a:endParaRPr>
                     </a:p>
                   </a:txBody>
                   <a:tcPr>
@@ -8243,18 +8121,13 @@
                     <a:lstStyle/>
                     <a:p>
                       <a:r>
-                        <a:rPr lang="en-US" sz="2800" b="0" dirty="0" smtClean="0">
+                        <a:rPr lang="en-US" sz="2800" b="0" dirty="0">
                           <a:solidFill>
                             <a:schemeClr val="bg1"/>
                           </a:solidFill>
                         </a:rPr>
                         <a:t>LP</a:t>
                       </a:r>
-                      <a:endParaRPr lang="en-US" sz="2800" b="0" dirty="0">
-                        <a:solidFill>
-                          <a:schemeClr val="bg1"/>
-                        </a:solidFill>
-                      </a:endParaRPr>
                     </a:p>
                   </a:txBody>
                   <a:tcPr>
@@ -8704,18 +8577,13 @@
           <a:lstStyle/>
           <a:p>
             <a:r>
-              <a:rPr lang="en-US" sz="3600" dirty="0" smtClean="0">
+              <a:rPr lang="en-US" sz="3600" dirty="0">
                 <a:solidFill>
                   <a:srgbClr val="1B46A5"/>
                 </a:solidFill>
               </a:rPr>
               <a:t>HP</a:t>
             </a:r>
-            <a:endParaRPr lang="en-US" sz="3600" dirty="0">
-              <a:solidFill>
-                <a:srgbClr val="1B46A5"/>
-              </a:solidFill>
-            </a:endParaRPr>
           </a:p>
         </p:txBody>
       </p:sp>
@@ -8742,18 +8610,13 @@
           <a:lstStyle/>
           <a:p>
             <a:r>
-              <a:rPr lang="en-US" sz="3600" dirty="0" smtClean="0">
+              <a:rPr lang="en-US" sz="3600" dirty="0">
                 <a:solidFill>
                   <a:srgbClr val="0D7517"/>
                 </a:solidFill>
               </a:rPr>
               <a:t>MP</a:t>
             </a:r>
-            <a:endParaRPr lang="en-US" sz="3600" dirty="0">
-              <a:solidFill>
-                <a:srgbClr val="0D7517"/>
-              </a:solidFill>
-            </a:endParaRPr>
           </a:p>
         </p:txBody>
       </p:sp>
@@ -8780,18 +8643,13 @@
           <a:lstStyle/>
           <a:p>
             <a:r>
-              <a:rPr lang="en-US" sz="3600" dirty="0" smtClean="0">
+              <a:rPr lang="en-US" sz="3600" dirty="0">
                 <a:solidFill>
                   <a:srgbClr val="FF0000"/>
                 </a:solidFill>
               </a:rPr>
               <a:t>LP</a:t>
             </a:r>
-            <a:endParaRPr lang="en-US" sz="3600" dirty="0">
-              <a:solidFill>
-                <a:srgbClr val="FF0000"/>
-              </a:solidFill>
-            </a:endParaRPr>
           </a:p>
         </p:txBody>
       </p:sp>
@@ -8933,19 +8791,7 @@
               <a:rPr lang="en-US" sz="2800" dirty="0">
                 <a:latin typeface="+mn-lt"/>
               </a:rPr>
-              <a:t>NN </a:t>
-            </a:r>
-            <a:r>
-              <a:rPr lang="en-US" sz="2800" dirty="0" smtClean="0">
-                <a:latin typeface="+mn-lt"/>
-              </a:rPr>
-              <a:t>are </a:t>
-            </a:r>
-            <a:r>
-              <a:rPr lang="en-US" sz="2800" dirty="0">
-                <a:latin typeface="+mn-lt"/>
-              </a:rPr>
-              <a:t>scalable, versatile, and benefit from advancements in GPUs</a:t>
+              <a:t>NN are scalable, versatile, and benefit from advancements in GPUs</a:t>
             </a:r>
           </a:p>
           <a:p>
@@ -8969,43 +8815,7 @@
               <a:rPr lang="en-US" sz="2800" dirty="0">
                 <a:latin typeface="+mn-lt"/>
               </a:rPr>
-              <a:t>NN also have been used </a:t>
-            </a:r>
-            <a:r>
-              <a:rPr lang="en-US" sz="2800" dirty="0" smtClean="0">
-                <a:latin typeface="+mn-lt"/>
-              </a:rPr>
-              <a:t>for similar </a:t>
-            </a:r>
-            <a:r>
-              <a:rPr lang="en-US" sz="2800" dirty="0">
-                <a:latin typeface="+mn-lt"/>
-              </a:rPr>
-              <a:t>g</a:t>
-            </a:r>
-            <a:r>
-              <a:rPr lang="en-US" sz="2800" dirty="0" smtClean="0">
-                <a:latin typeface="+mn-lt"/>
-              </a:rPr>
-              <a:t>alaxy </a:t>
-            </a:r>
-            <a:r>
-              <a:rPr lang="en-US" sz="2800" dirty="0">
-                <a:latin typeface="+mn-lt"/>
-              </a:rPr>
-              <a:t>m</a:t>
-            </a:r>
-            <a:r>
-              <a:rPr lang="en-US" sz="2800" dirty="0" smtClean="0">
-                <a:latin typeface="+mn-lt"/>
-              </a:rPr>
-              <a:t>orphology classification tasks </a:t>
-            </a:r>
-            <a:r>
-              <a:rPr lang="en-US" sz="2800" dirty="0">
-                <a:latin typeface="+mn-lt"/>
-              </a:rPr>
-              <a:t>[1][2]</a:t>
+              <a:t>NN also have been used for similar galaxy morphology classification tasks [1][2]</a:t>
             </a:r>
           </a:p>
         </p:txBody>
@@ -9216,19 +9026,7 @@
               <a:rPr lang="en-US" sz="2800" dirty="0">
                 <a:latin typeface="+mn-lt"/>
               </a:rPr>
-              <a:t>), along GZ debiased class confidence </a:t>
-            </a:r>
-            <a:r>
-              <a:rPr lang="en-US" sz="2800" dirty="0" smtClean="0">
-                <a:latin typeface="+mn-lt"/>
-              </a:rPr>
-              <a:t>scores (C) </a:t>
-            </a:r>
-            <a:r>
-              <a:rPr lang="en-US" sz="2800" dirty="0">
-                <a:latin typeface="+mn-lt"/>
-              </a:rPr>
-              <a:t>for ease of exploration</a:t>
+              <a:t>), along GZ debiased class confidence scores (C) for ease of exploration</a:t>
             </a:r>
           </a:p>
           <a:p>
@@ -9237,26 +9035,23 @@
               <a:buChar char="•"/>
             </a:pPr>
             <a:r>
-              <a:rPr lang="en-US" sz="2800" dirty="0" smtClean="0">
+              <a:rPr lang="en-US" sz="2800" dirty="0">
                 <a:latin typeface="+mn-lt"/>
               </a:rPr>
               <a:t>Later, added sixth channel of magnitudes, </a:t>
             </a:r>
             <a:r>
-              <a:rPr lang="en-US" sz="2800" dirty="0" err="1" smtClean="0">
+              <a:rPr lang="en-US" sz="2800" dirty="0" err="1">
                 <a:latin typeface="+mn-lt"/>
               </a:rPr>
               <a:t>petrosian</a:t>
             </a:r>
             <a:r>
-              <a:rPr lang="en-US" sz="2800" dirty="0" smtClean="0">
+              <a:rPr lang="en-US" sz="2800" dirty="0">
                 <a:latin typeface="+mn-lt"/>
               </a:rPr>
               <a:t> magnitudes, and angular size, boosting performance</a:t>
             </a:r>
-            <a:endParaRPr lang="en-US" sz="2800" dirty="0">
-              <a:latin typeface="+mn-lt"/>
-            </a:endParaRPr>
           </a:p>
         </p:txBody>
       </p:sp>
@@ -9284,13 +9079,8 @@
           <a:p>
             <a:r>
               <a:rPr lang="en-US" sz="1800" dirty="0"/>
-              <a:t>Eisenstein, et </a:t>
-            </a:r>
-            <a:r>
-              <a:rPr lang="en-US" sz="1800" dirty="0" smtClean="0"/>
-              <a:t>al, 2011</a:t>
-            </a:r>
-            <a:endParaRPr lang="en-US" sz="1800" dirty="0"/>
+              <a:t>Eisenstein, et al, 2011</a:t>
+            </a:r>
           </a:p>
         </p:txBody>
       </p:sp>
@@ -9334,16 +9124,12 @@
           <a:p>
             <a:pPr algn="ctr"/>
             <a:r>
-              <a:rPr lang="fr-FR" sz="1800" dirty="0" err="1" smtClean="0"/>
+              <a:rPr lang="fr-FR" sz="1800" dirty="0" err="1"/>
               <a:t>Literature</a:t>
             </a:r>
             <a:r>
-              <a:rPr lang="fr-FR" sz="1800" dirty="0" smtClean="0"/>
-              <a:t> </a:t>
-            </a:r>
-            <a:r>
               <a:rPr lang="fr-FR" sz="1800" dirty="0"/>
-              <a:t>Performance: SDSS </a:t>
+              <a:t> Performance: SDSS </a:t>
             </a:r>
             <a:r>
               <a:rPr lang="fr-FR" sz="1800" dirty="0" err="1"/>
@@ -9390,6 +9176,72 @@
           </a:prstGeom>
         </p:spPr>
       </p:pic>
+      <p:sp>
+        <p:nvSpPr>
+          <p:cNvPr id="135" name="TextBox 134">
+            <a:extLst>
+              <a:ext uri="{FF2B5EF4-FFF2-40B4-BE49-F238E27FC236}">
+                <a16:creationId xmlns:a16="http://schemas.microsoft.com/office/drawing/2014/main" id="{E8A8AD80-1860-43FD-B5A4-0CD2C563205F}"/>
+              </a:ext>
+            </a:extLst>
+          </p:cNvPr>
+          <p:cNvSpPr txBox="1"/>
+          <p:nvPr/>
+        </p:nvSpPr>
+        <p:spPr>
+          <a:xfrm>
+            <a:off x="2412771" y="14582245"/>
+            <a:ext cx="5512270" cy="400110"/>
+          </a:xfrm>
+          <a:prstGeom prst="rect">
+            <a:avLst/>
+          </a:prstGeom>
+          <a:noFill/>
+        </p:spPr>
+        <p:txBody>
+          <a:bodyPr wrap="square" rtlCol="0">
+            <a:spAutoFit/>
+          </a:bodyPr>
+          <a:lstStyle/>
+          <a:p>
+            <a:pPr algn="ctr"/>
+            <a:r>
+              <a:rPr lang="en-US" sz="2000" dirty="0"/>
+              <a:t>G. </a:t>
+            </a:r>
+            <a:r>
+              <a:rPr lang="en-US" sz="2000" dirty="0" err="1"/>
+              <a:t>Dálya</a:t>
+            </a:r>
+            <a:r>
+              <a:rPr lang="en-US" sz="2000" dirty="0"/>
+              <a:t>, G. </a:t>
+            </a:r>
+            <a:r>
+              <a:rPr lang="en-US" sz="2000" dirty="0" err="1"/>
+              <a:t>Galgóczi</a:t>
+            </a:r>
+            <a:r>
+              <a:rPr lang="en-US" sz="2000" dirty="0"/>
+              <a:t>, </a:t>
+            </a:r>
+            <a:r>
+              <a:rPr lang="en-US" sz="2000" i="1" dirty="0"/>
+              <a:t>et </a:t>
+            </a:r>
+            <a:r>
+              <a:rPr lang="en-US" sz="2000" dirty="0"/>
+              <a:t>al, (2018)</a:t>
+            </a:r>
+            <a:endParaRPr lang="en-US" sz="2000" b="1" dirty="0">
+              <a:solidFill>
+                <a:schemeClr val="tx2"/>
+              </a:solidFill>
+              <a:latin typeface="+mn-lt"/>
+            </a:endParaRPr>
+          </a:p>
+        </p:txBody>
+      </p:sp>
     </p:spTree>
     <p:extLst>
       <p:ext uri="{BB962C8B-B14F-4D97-AF65-F5344CB8AC3E}">
@@ -9400,13 +9252,6 @@
   <p:clrMapOvr>
     <a:masterClrMapping/>
   </p:clrMapOvr>
-  <p:timing>
-    <p:tnLst>
-      <p:par>
-        <p:cTn id="1" dur="indefinite" restart="never" nodeType="tmRoot"/>
-      </p:par>
-    </p:tnLst>
-  </p:timing>
 </p:sld>
 </file>
 

--- a/Poster.pptx
+++ b/Poster.pptx
@@ -3947,6 +3947,57 @@
       </p:grpSpPr>
       <p:sp>
         <p:nvSpPr>
+          <p:cNvPr id="155" name="Rectangle 49">
+            <a:extLst>
+              <a:ext uri="{FF2B5EF4-FFF2-40B4-BE49-F238E27FC236}">
+                <a16:creationId xmlns:a16="http://schemas.microsoft.com/office/drawing/2014/main" id="{880AC124-71DB-4C87-9AF2-E9DFAA49CEE1}"/>
+              </a:ext>
+            </a:extLst>
+          </p:cNvPr>
+          <p:cNvSpPr>
+            <a:spLocks noChangeArrowheads="1"/>
+          </p:cNvSpPr>
+          <p:nvPr/>
+        </p:nvSpPr>
+        <p:spPr bwMode="auto">
+          <a:xfrm>
+            <a:off x="30663265" y="21020825"/>
+            <a:ext cx="11386320" cy="9240186"/>
+          </a:xfrm>
+          <a:prstGeom prst="rect">
+            <a:avLst/>
+          </a:prstGeom>
+          <a:solidFill>
+            <a:schemeClr val="bg1"/>
+          </a:solidFill>
+          <a:ln>
+            <a:noFill/>
+          </a:ln>
+          <a:extLst>
+            <a:ext uri="{91240B29-F687-4f45-9708-019B960494DF}">
+              <a14:hiddenLine xmlns:a14="http://schemas.microsoft.com/office/drawing/2010/main" xmlns="" w="9525">
+                <a:solidFill>
+                  <a:srgbClr val="000000"/>
+                </a:solidFill>
+                <a:miter lim="800000"/>
+                <a:headEnd/>
+                <a:tailEnd/>
+              </a14:hiddenLine>
+            </a:ext>
+          </a:extLst>
+        </p:spPr>
+        <p:txBody>
+          <a:bodyPr lIns="360000" tIns="360000" rIns="360000" bIns="360000"/>
+          <a:lstStyle/>
+          <a:p>
+            <a:endParaRPr lang="en-US" sz="2800" dirty="0">
+              <a:latin typeface="+mn-lt"/>
+            </a:endParaRPr>
+          </a:p>
+        </p:txBody>
+      </p:sp>
+      <p:sp>
+        <p:nvSpPr>
           <p:cNvPr id="28" name="Rectangle 49">
             <a:extLst>
               <a:ext uri="{FF2B5EF4-FFF2-40B4-BE49-F238E27FC236}">
@@ -3961,8 +4012,8 @@
         </p:nvSpPr>
         <p:spPr bwMode="auto">
           <a:xfrm>
-            <a:off x="30736489" y="9331683"/>
-            <a:ext cx="11321448" cy="20835898"/>
+            <a:off x="30671617" y="8478239"/>
+            <a:ext cx="11386320" cy="12163666"/>
           </a:xfrm>
           <a:prstGeom prst="rect">
             <a:avLst/>
@@ -4095,7 +4146,7 @@
         <p:spPr bwMode="auto">
           <a:xfrm>
             <a:off x="1109663" y="709881"/>
-            <a:ext cx="41605200" cy="1323439"/>
+            <a:ext cx="41605200" cy="1200329"/>
           </a:xfrm>
           <a:prstGeom prst="rect">
             <a:avLst/>
@@ -4239,7 +4290,7 @@
           <a:p>
             <a:pPr eaLnBrk="1" hangingPunct="1"/>
             <a:r>
-              <a:rPr lang="en-US" sz="8000" dirty="0">
+              <a:rPr lang="en-US" sz="7200" dirty="0">
                 <a:solidFill>
                   <a:schemeClr val="tx2"/>
                 </a:solidFill>
@@ -4260,8 +4311,8 @@
         </p:nvSpPr>
         <p:spPr bwMode="auto">
           <a:xfrm>
-            <a:off x="1947863" y="4619624"/>
-            <a:ext cx="39928800" cy="4214813"/>
+            <a:off x="2062659" y="4619624"/>
+            <a:ext cx="39995277" cy="3561439"/>
           </a:xfrm>
           <a:prstGeom prst="rect">
             <a:avLst/>
@@ -4295,7 +4346,7 @@
               </a:spcBef>
             </a:pPr>
             <a:r>
-              <a:rPr lang="en-US" sz="8000" dirty="0">
+              <a:rPr lang="en-US" sz="4000" dirty="0">
                 <a:solidFill>
                   <a:schemeClr val="tx2"/>
                 </a:solidFill>
@@ -4355,187 +4406,6 @@
           </a:p>
           <a:p>
             <a:endParaRPr lang="en-US" sz="2800" dirty="0">
-              <a:latin typeface="+mn-lt"/>
-            </a:endParaRPr>
-          </a:p>
-        </p:txBody>
-      </p:sp>
-      <p:sp>
-        <p:nvSpPr>
-          <p:cNvPr id="14348" name="Text Box 14"/>
-          <p:cNvSpPr txBox="1">
-            <a:spLocks noChangeArrowheads="1"/>
-          </p:cNvSpPr>
-          <p:nvPr/>
-        </p:nvSpPr>
-        <p:spPr bwMode="auto">
-          <a:xfrm>
-            <a:off x="22783800" y="29994225"/>
-            <a:ext cx="8915400" cy="1323975"/>
-          </a:xfrm>
-          <a:prstGeom prst="rect">
-            <a:avLst/>
-          </a:prstGeom>
-          <a:noFill/>
-          <a:ln>
-            <a:noFill/>
-          </a:ln>
-          <a:extLst>
-            <a:ext uri="{909E8E84-426E-40dd-AFC4-6F175D3DCCD1}">
-              <a14:hiddenFill xmlns:a14="http://schemas.microsoft.com/office/drawing/2010/main" xmlns="">
-                <a:solidFill>
-                  <a:srgbClr val="FFFFFF"/>
-                </a:solidFill>
-              </a14:hiddenFill>
-            </a:ext>
-            <a:ext uri="{91240B29-F687-4f45-9708-019B960494DF}">
-              <a14:hiddenLine xmlns:a14="http://schemas.microsoft.com/office/drawing/2010/main" xmlns="" w="9525">
-                <a:solidFill>
-                  <a:srgbClr val="000000"/>
-                </a:solidFill>
-                <a:miter lim="800000"/>
-                <a:headEnd/>
-                <a:tailEnd/>
-              </a14:hiddenLine>
-            </a:ext>
-          </a:extLst>
-        </p:spPr>
-        <p:txBody>
-          <a:bodyPr lIns="0" rIns="0">
-            <a:spAutoFit/>
-          </a:bodyPr>
-          <a:lstStyle>
-            <a:lvl1pPr eaLnBrk="0" hangingPunct="0">
-              <a:defRPr sz="8600">
-                <a:solidFill>
-                  <a:schemeClr val="tx1"/>
-                </a:solidFill>
-                <a:latin typeface="Arial" charset="0"/>
-                <a:ea typeface="ＭＳ Ｐゴシック" charset="0"/>
-                <a:cs typeface="ＭＳ Ｐゴシック" charset="0"/>
-              </a:defRPr>
-            </a:lvl1pPr>
-            <a:lvl2pPr marL="742950" indent="-285750" eaLnBrk="0" hangingPunct="0">
-              <a:defRPr sz="8600">
-                <a:solidFill>
-                  <a:schemeClr val="tx1"/>
-                </a:solidFill>
-                <a:latin typeface="Arial" charset="0"/>
-                <a:ea typeface="ＭＳ Ｐゴシック" charset="0"/>
-              </a:defRPr>
-            </a:lvl2pPr>
-            <a:lvl3pPr marL="1143000" indent="-228600" eaLnBrk="0" hangingPunct="0">
-              <a:defRPr sz="8600">
-                <a:solidFill>
-                  <a:schemeClr val="tx1"/>
-                </a:solidFill>
-                <a:latin typeface="Arial" charset="0"/>
-                <a:ea typeface="ＭＳ Ｐゴシック" charset="0"/>
-              </a:defRPr>
-            </a:lvl3pPr>
-            <a:lvl4pPr marL="1600200" indent="-228600" eaLnBrk="0" hangingPunct="0">
-              <a:defRPr sz="8600">
-                <a:solidFill>
-                  <a:schemeClr val="tx1"/>
-                </a:solidFill>
-                <a:latin typeface="Arial" charset="0"/>
-                <a:ea typeface="ＭＳ Ｐゴシック" charset="0"/>
-              </a:defRPr>
-            </a:lvl4pPr>
-            <a:lvl5pPr marL="2057400" indent="-228600" eaLnBrk="0" hangingPunct="0">
-              <a:defRPr sz="8600">
-                <a:solidFill>
-                  <a:schemeClr val="tx1"/>
-                </a:solidFill>
-                <a:latin typeface="Arial" charset="0"/>
-                <a:ea typeface="ＭＳ Ｐゴシック" charset="0"/>
-              </a:defRPr>
-            </a:lvl5pPr>
-            <a:lvl6pPr marL="2514600" indent="-228600" defTabSz="2193925" eaLnBrk="0" fontAlgn="base" hangingPunct="0">
-              <a:spcBef>
-                <a:spcPct val="0"/>
-              </a:spcBef>
-              <a:spcAft>
-                <a:spcPct val="0"/>
-              </a:spcAft>
-              <a:defRPr sz="8600">
-                <a:solidFill>
-                  <a:schemeClr val="tx1"/>
-                </a:solidFill>
-                <a:latin typeface="Arial" charset="0"/>
-                <a:ea typeface="ＭＳ Ｐゴシック" charset="0"/>
-              </a:defRPr>
-            </a:lvl6pPr>
-            <a:lvl7pPr marL="2971800" indent="-228600" defTabSz="2193925" eaLnBrk="0" fontAlgn="base" hangingPunct="0">
-              <a:spcBef>
-                <a:spcPct val="0"/>
-              </a:spcBef>
-              <a:spcAft>
-                <a:spcPct val="0"/>
-              </a:spcAft>
-              <a:defRPr sz="8600">
-                <a:solidFill>
-                  <a:schemeClr val="tx1"/>
-                </a:solidFill>
-                <a:latin typeface="Arial" charset="0"/>
-                <a:ea typeface="ＭＳ Ｐゴシック" charset="0"/>
-              </a:defRPr>
-            </a:lvl7pPr>
-            <a:lvl8pPr marL="3429000" indent="-228600" defTabSz="2193925" eaLnBrk="0" fontAlgn="base" hangingPunct="0">
-              <a:spcBef>
-                <a:spcPct val="0"/>
-              </a:spcBef>
-              <a:spcAft>
-                <a:spcPct val="0"/>
-              </a:spcAft>
-              <a:defRPr sz="8600">
-                <a:solidFill>
-                  <a:schemeClr val="tx1"/>
-                </a:solidFill>
-                <a:latin typeface="Arial" charset="0"/>
-                <a:ea typeface="ＭＳ Ｐゴシック" charset="0"/>
-              </a:defRPr>
-            </a:lvl8pPr>
-            <a:lvl9pPr marL="3886200" indent="-228600" defTabSz="2193925" eaLnBrk="0" fontAlgn="base" hangingPunct="0">
-              <a:spcBef>
-                <a:spcPct val="0"/>
-              </a:spcBef>
-              <a:spcAft>
-                <a:spcPct val="0"/>
-              </a:spcAft>
-              <a:defRPr sz="8600">
-                <a:solidFill>
-                  <a:schemeClr val="tx1"/>
-                </a:solidFill>
-                <a:latin typeface="Arial" charset="0"/>
-                <a:ea typeface="ＭＳ Ｐゴシック" charset="0"/>
-              </a:defRPr>
-            </a:lvl9pPr>
-          </a:lstStyle>
-          <a:p>
-            <a:pPr eaLnBrk="1" hangingPunct="1"/>
-            <a:r>
-              <a:rPr lang="en-AU" sz="2000" i="1">
-                <a:latin typeface="+mn-lt"/>
-              </a:rPr>
-              <a:t>Captions set in a serif style font such as Times, 18 to 24 size, italic style. </a:t>
-            </a:r>
-          </a:p>
-          <a:p>
-            <a:pPr eaLnBrk="1" hangingPunct="1"/>
-            <a:endParaRPr lang="en-AU" sz="2000" i="1">
-              <a:latin typeface="+mn-lt"/>
-            </a:endParaRPr>
-          </a:p>
-          <a:p>
-            <a:pPr eaLnBrk="1" hangingPunct="1"/>
-            <a:r>
-              <a:rPr lang="en-US" sz="2000" i="1">
-                <a:latin typeface="+mn-lt"/>
-              </a:rPr>
-              <a:t>Duis autem vel eum iriure dolor in hendrerit in vulputate velit esse molestie consequat.</a:t>
-            </a:r>
-            <a:endParaRPr lang="en-AU" sz="2000" i="1">
               <a:latin typeface="+mn-lt"/>
             </a:endParaRPr>
           </a:p>
@@ -4925,7 +4795,7 @@
         </p:blipFill>
         <p:spPr>
           <a:xfrm>
-            <a:off x="34825402" y="31210416"/>
+            <a:off x="33780131" y="31112325"/>
             <a:ext cx="5739956" cy="996314"/>
           </a:xfrm>
           <a:prstGeom prst="rect">
@@ -4949,8 +4819,8 @@
         </p:nvSpPr>
         <p:spPr bwMode="auto">
           <a:xfrm>
-            <a:off x="2073295" y="9331682"/>
-            <a:ext cx="12326342" cy="23235630"/>
+            <a:off x="2073294" y="8478238"/>
+            <a:ext cx="13183863" cy="24089074"/>
           </a:xfrm>
           <a:prstGeom prst="rect">
             <a:avLst/>
@@ -5000,8 +4870,8 @@
         </p:nvSpPr>
         <p:spPr bwMode="auto">
           <a:xfrm>
-            <a:off x="13996310" y="9331682"/>
-            <a:ext cx="16812369" cy="23235630"/>
+            <a:off x="15690457" y="8458201"/>
+            <a:ext cx="14508464" cy="24109112"/>
           </a:xfrm>
           <a:prstGeom prst="rect">
             <a:avLst/>
@@ -5112,8 +4982,8 @@
         </p:nvSpPr>
         <p:spPr>
           <a:xfrm>
-            <a:off x="2688396" y="9363716"/>
-            <a:ext cx="5512270" cy="584775"/>
+            <a:off x="5572002" y="8882246"/>
+            <a:ext cx="5512270" cy="707886"/>
           </a:xfrm>
           <a:prstGeom prst="rect">
             <a:avLst/>
@@ -5128,54 +4998,13 @@
           <a:p>
             <a:pPr algn="ctr"/>
             <a:r>
-              <a:rPr lang="en-US" sz="3200" b="1" dirty="0">
+              <a:rPr lang="en-US" sz="4000" b="1" dirty="0">
                 <a:solidFill>
                   <a:schemeClr val="tx2"/>
                 </a:solidFill>
                 <a:latin typeface="+mn-lt"/>
               </a:rPr>
               <a:t>PROBLEM</a:t>
-            </a:r>
-          </a:p>
-        </p:txBody>
-      </p:sp>
-      <p:sp>
-        <p:nvSpPr>
-          <p:cNvPr id="77" name="TextBox 76">
-            <a:extLst>
-              <a:ext uri="{FF2B5EF4-FFF2-40B4-BE49-F238E27FC236}">
-                <a16:creationId xmlns:a16="http://schemas.microsoft.com/office/drawing/2014/main" id="{E9350B83-1067-415B-858A-8A7740FB95AD}"/>
-              </a:ext>
-            </a:extLst>
-          </p:cNvPr>
-          <p:cNvSpPr txBox="1"/>
-          <p:nvPr/>
-        </p:nvSpPr>
-        <p:spPr>
-          <a:xfrm>
-            <a:off x="2693248" y="15509107"/>
-            <a:ext cx="5512270" cy="584775"/>
-          </a:xfrm>
-          <a:prstGeom prst="rect">
-            <a:avLst/>
-          </a:prstGeom>
-          <a:noFill/>
-        </p:spPr>
-        <p:txBody>
-          <a:bodyPr wrap="square" rtlCol="0">
-            <a:spAutoFit/>
-          </a:bodyPr>
-          <a:lstStyle/>
-          <a:p>
-            <a:pPr algn="ctr"/>
-            <a:r>
-              <a:rPr lang="en-US" sz="3200" b="1" dirty="0">
-                <a:solidFill>
-                  <a:schemeClr val="tx2"/>
-                </a:solidFill>
-                <a:latin typeface="+mn-lt"/>
-              </a:rPr>
-              <a:t>OUR APPROACH</a:t>
             </a:r>
           </a:p>
         </p:txBody>
@@ -5194,8 +5023,8 @@
         </p:nvSpPr>
         <p:spPr>
           <a:xfrm>
-            <a:off x="21305436" y="9531282"/>
-            <a:ext cx="5973549" cy="4401205"/>
+            <a:off x="17843878" y="10005409"/>
+            <a:ext cx="9970963" cy="1938992"/>
           </a:xfrm>
           <a:prstGeom prst="rect">
             <a:avLst/>
@@ -5209,19 +5038,31 @@
           <a:lstStyle/>
           <a:p>
             <a:r>
-              <a:rPr lang="en-US" sz="2800" b="1" dirty="0">
+              <a:rPr lang="en-US" sz="2400" b="1" dirty="0">
                 <a:latin typeface="+mn-lt"/>
               </a:rPr>
-              <a:t>Left: </a:t>
-            </a:r>
-            <a:r>
-              <a:rPr lang="en-US" sz="2800" dirty="0">
+              <a:t>Below, Right: </a:t>
+            </a:r>
+            <a:r>
+              <a:rPr lang="en-US" sz="2400" dirty="0">
                 <a:latin typeface="+mn-lt"/>
               </a:rPr>
-              <a:t>Confusion matrices of each dataset: top left is an old model’s confusion matrix depicting the performance on the</a:t>
-            </a:r>
-            <a:r>
-              <a:rPr lang="en-US" sz="2800" dirty="0">
+              <a:t>Confusion matrices of each dataset: </a:t>
+            </a:r>
+            <a:r>
+              <a:rPr lang="en-US" sz="2400" b="1" dirty="0">
+                <a:latin typeface="+mn-lt"/>
+              </a:rPr>
+              <a:t>below, left</a:t>
+            </a:r>
+            <a:r>
+              <a:rPr lang="en-US" sz="2400" dirty="0">
+                <a:latin typeface="+mn-lt"/>
+              </a:rPr>
+              <a:t>, is an old model’s confusion matrix depicting the performance on the</a:t>
+            </a:r>
+            <a:r>
+              <a:rPr lang="en-US" sz="2400" dirty="0">
                 <a:solidFill>
                   <a:srgbClr val="FF0000"/>
                 </a:solidFill>
@@ -5230,13 +5071,13 @@
               <a:t> LP </a:t>
             </a:r>
             <a:r>
-              <a:rPr lang="en-US" sz="2800" dirty="0">
+              <a:rPr lang="en-US" sz="2400" dirty="0">
                 <a:latin typeface="+mn-lt"/>
               </a:rPr>
               <a:t>dataset before ‘mixing,’ increasing model depth, and adding sixth channel. Performance in general degrades as human accuracy degrades. Improvements increased </a:t>
             </a:r>
             <a:r>
-              <a:rPr lang="en-US" sz="2800" dirty="0">
+              <a:rPr lang="en-US" sz="2400" dirty="0">
                 <a:solidFill>
                   <a:srgbClr val="FF0000"/>
                 </a:solidFill>
@@ -5245,165 +5086,11 @@
               <a:t>LP </a:t>
             </a:r>
             <a:r>
-              <a:rPr lang="en-US" sz="2800" dirty="0">
+              <a:rPr lang="en-US" sz="2400" dirty="0">
                 <a:latin typeface="+mn-lt"/>
               </a:rPr>
               <a:t>spiral performance by ~20%</a:t>
             </a:r>
-          </a:p>
-        </p:txBody>
-      </p:sp>
-      <p:sp>
-        <p:nvSpPr>
-          <p:cNvPr id="14364" name="TextBox 14363">
-            <a:extLst>
-              <a:ext uri="{FF2B5EF4-FFF2-40B4-BE49-F238E27FC236}">
-                <a16:creationId xmlns:a16="http://schemas.microsoft.com/office/drawing/2014/main" id="{DCD60D2D-4C8D-4C59-8295-9B96AC94D625}"/>
-              </a:ext>
-            </a:extLst>
-          </p:cNvPr>
-          <p:cNvSpPr txBox="1"/>
-          <p:nvPr/>
-        </p:nvSpPr>
-        <p:spPr>
-          <a:xfrm>
-            <a:off x="31223073" y="9486849"/>
-            <a:ext cx="10350439" cy="1323439"/>
-          </a:xfrm>
-          <a:prstGeom prst="rect">
-            <a:avLst/>
-          </a:prstGeom>
-          <a:noFill/>
-        </p:spPr>
-        <p:txBody>
-          <a:bodyPr wrap="square" rtlCol="0">
-            <a:spAutoFit/>
-          </a:bodyPr>
-          <a:lstStyle/>
-          <a:p>
-            <a:pPr algn="ctr"/>
-            <a:r>
-              <a:rPr lang="en-US" sz="4000" b="1" dirty="0">
-                <a:solidFill>
-                  <a:srgbClr val="D74520"/>
-                </a:solidFill>
-                <a:latin typeface="+mn-lt"/>
-              </a:rPr>
-              <a:t>Preliminary Results for Photometric </a:t>
-            </a:r>
-            <a:r>
-              <a:rPr lang="en-US" sz="4000" b="1" dirty="0">
-                <a:solidFill>
-                  <a:srgbClr val="D74520"/>
-                </a:solidFill>
-                <a:latin typeface="+mj-lt"/>
-              </a:rPr>
-              <a:t>Redshift Estimation</a:t>
-            </a:r>
-          </a:p>
-        </p:txBody>
-      </p:sp>
-      <p:sp>
-        <p:nvSpPr>
-          <p:cNvPr id="33" name="TextBox 32">
-            <a:extLst>
-              <a:ext uri="{FF2B5EF4-FFF2-40B4-BE49-F238E27FC236}">
-                <a16:creationId xmlns:a16="http://schemas.microsoft.com/office/drawing/2014/main" id="{E403062F-6ED7-4F19-8980-6E7CBA7BBEC0}"/>
-              </a:ext>
-            </a:extLst>
-          </p:cNvPr>
-          <p:cNvSpPr txBox="1"/>
-          <p:nvPr/>
-        </p:nvSpPr>
-        <p:spPr>
-          <a:xfrm>
-            <a:off x="34999145" y="11380016"/>
-            <a:ext cx="6877518" cy="8340745"/>
-          </a:xfrm>
-          <a:prstGeom prst="rect">
-            <a:avLst/>
-          </a:prstGeom>
-          <a:noFill/>
-        </p:spPr>
-        <p:txBody>
-          <a:bodyPr wrap="square" rtlCol="0">
-            <a:spAutoFit/>
-          </a:bodyPr>
-          <a:lstStyle/>
-          <a:p>
-            <a:pPr marL="457200" indent="-457200">
-              <a:buFont typeface="Arial" panose="020B0604020202020204" pitchFamily="34" charset="0"/>
-              <a:buChar char="•"/>
-            </a:pPr>
-            <a:r>
-              <a:rPr lang="en-US" sz="2800" dirty="0">
-                <a:latin typeface="+mn-lt"/>
-              </a:rPr>
-              <a:t>With a morphological classifier, we can utilize our output to inform a photometric Z estimator</a:t>
-            </a:r>
-          </a:p>
-          <a:p>
-            <a:pPr marL="457200" indent="-457200">
-              <a:buFont typeface="Arial" panose="020B0604020202020204" pitchFamily="34" charset="0"/>
-              <a:buChar char="•"/>
-            </a:pPr>
-            <a:r>
-              <a:rPr lang="en-US" sz="2800" dirty="0">
-                <a:latin typeface="+mn-lt"/>
-              </a:rPr>
-              <a:t>New sixth channel will be implemented with angular size of galaxies, extinction coefficients, and morphological class from this model</a:t>
-            </a:r>
-          </a:p>
-          <a:p>
-            <a:pPr marL="457200" indent="-457200">
-              <a:buFont typeface="Arial" panose="020B0604020202020204" pitchFamily="34" charset="0"/>
-              <a:buChar char="•"/>
-            </a:pPr>
-            <a:r>
-              <a:rPr lang="en-US" sz="2800" dirty="0">
-                <a:latin typeface="+mn-lt"/>
-              </a:rPr>
-              <a:t>Shown </a:t>
-            </a:r>
-            <a:r>
-              <a:rPr lang="en-US" sz="2800" err="1">
-                <a:latin typeface="+mn-lt"/>
-              </a:rPr>
-              <a:t>left</a:t>
-            </a:r>
-            <a:r>
-              <a:rPr lang="en-US" sz="2800">
-                <a:latin typeface="+mn-lt"/>
-              </a:rPr>
-              <a:t>, top </a:t>
-            </a:r>
-            <a:r>
-              <a:rPr lang="en-US" sz="2800" dirty="0">
-                <a:latin typeface="+mn-lt"/>
-              </a:rPr>
-              <a:t>is the output of a model trained on dereddened magnitudes, colors, angular size. Shown left, bottom, is the performance of SDSS DR7 Photo-Z algorithm on the same dataset.</a:t>
-            </a:r>
-          </a:p>
-          <a:p>
-            <a:pPr marL="457200" indent="-457200">
-              <a:buFont typeface="Arial" panose="020B0604020202020204" pitchFamily="34" charset="0"/>
-              <a:buChar char="•"/>
-            </a:pPr>
-            <a:r>
-              <a:rPr lang="en-US" sz="2800" dirty="0">
-                <a:latin typeface="+mn-lt"/>
-              </a:rPr>
-              <a:t>With a proof of concept complete, in the future we will see how performance changes with a morphological input, and upgrade to a full CNN with galactic images as inputs.</a:t>
-            </a:r>
-          </a:p>
-          <a:p>
-            <a:pPr marL="457200" indent="-457200">
-              <a:buFont typeface="Arial" panose="020B0604020202020204" pitchFamily="34" charset="0"/>
-              <a:buChar char="•"/>
-            </a:pPr>
-            <a:endParaRPr lang="en-US" sz="3200" dirty="0">
-              <a:latin typeface="+mn-lt"/>
-            </a:endParaRPr>
           </a:p>
         </p:txBody>
       </p:sp>
@@ -5416,13 +5103,15 @@
               </a:ext>
             </a:extLst>
           </p:cNvPr>
-          <p:cNvGrpSpPr/>
+          <p:cNvGrpSpPr>
+            <a:grpSpLocks noChangeAspect="1"/>
+          </p:cNvGrpSpPr>
           <p:nvPr/>
         </p:nvGrpSpPr>
         <p:grpSpPr>
           <a:xfrm>
-            <a:off x="14230055" y="8858611"/>
-            <a:ext cx="4744677" cy="2832601"/>
+            <a:off x="16003973" y="12763216"/>
+            <a:ext cx="6220368" cy="3842524"/>
             <a:chOff x="30773317" y="12973500"/>
             <a:chExt cx="5406672" cy="3963086"/>
           </a:xfrm>
@@ -5800,8 +5489,8 @@
         </p:nvSpPr>
         <p:spPr>
           <a:xfrm>
-            <a:off x="21632434" y="14835766"/>
-            <a:ext cx="5985605" cy="9140964"/>
+            <a:off x="23567855" y="18052497"/>
+            <a:ext cx="5985605" cy="4585871"/>
           </a:xfrm>
           <a:prstGeom prst="rect">
             <a:avLst/>
@@ -5814,19 +5503,19 @@
           </a:bodyPr>
           <a:lstStyle/>
           <a:p>
-            <a:endParaRPr lang="en-US" sz="2800" b="1" dirty="0"/>
-          </a:p>
-          <a:p>
-            <a:r>
-              <a:rPr lang="en-US" sz="2800" b="1" dirty="0"/>
+            <a:endParaRPr lang="en-US" sz="2400" b="1" dirty="0"/>
+          </a:p>
+          <a:p>
+            <a:r>
+              <a:rPr lang="en-US" sz="2400" b="1" dirty="0"/>
               <a:t>Left: </a:t>
             </a:r>
             <a:r>
-              <a:rPr lang="en-US" sz="2800" dirty="0"/>
+              <a:rPr lang="en-US" sz="2400" dirty="0"/>
               <a:t>Receiver operating characteristic curve for the </a:t>
             </a:r>
             <a:r>
-              <a:rPr lang="en-US" sz="2800" dirty="0">
+              <a:rPr lang="en-US" sz="2400" dirty="0">
                 <a:solidFill>
                   <a:srgbClr val="1B46A5"/>
                 </a:solidFill>
@@ -5834,7 +5523,7 @@
               <a:t>HP</a:t>
             </a:r>
             <a:r>
-              <a:rPr lang="en-US" sz="2800" dirty="0">
+              <a:rPr lang="en-US" sz="2400" dirty="0">
                 <a:solidFill>
                   <a:srgbClr val="FF0000"/>
                 </a:solidFill>
@@ -5842,35 +5531,22 @@
               <a:t> </a:t>
             </a:r>
             <a:r>
-              <a:rPr lang="en-US" sz="2800" dirty="0"/>
+              <a:rPr lang="en-US" sz="2400" dirty="0"/>
               <a:t>validation dataset after training, a perfect performing model would have an area under the curve = 1.0</a:t>
             </a:r>
-            <a:endParaRPr lang="en-US" sz="2800" b="1" dirty="0"/>
-          </a:p>
-          <a:p>
-            <a:endParaRPr lang="en-US" sz="2800" b="1" dirty="0"/>
-          </a:p>
-          <a:p>
-            <a:r>
-              <a:rPr lang="en-US" sz="2800" b="1" dirty="0"/>
+            <a:endParaRPr lang="en-US" sz="2400" b="1" dirty="0"/>
+          </a:p>
+          <a:p>
+            <a:endParaRPr lang="en-US" sz="2400" b="1" dirty="0"/>
+          </a:p>
+          <a:p>
+            <a:r>
+              <a:rPr lang="en-US" sz="2400" b="1" dirty="0"/>
               <a:t>Left:</a:t>
             </a:r>
             <a:r>
-              <a:rPr lang="en-US" sz="2800" dirty="0"/>
+              <a:rPr lang="en-US" sz="2400" dirty="0"/>
               <a:t> Model’s class confidence against GZ’s class confidence. Notice: a band around 0.5 indicates there are some layers which remain un-trained yet, though our model did converge.</a:t>
-            </a:r>
-          </a:p>
-          <a:p>
-            <a:endParaRPr lang="en-US" sz="2800" dirty="0"/>
-          </a:p>
-          <a:p>
-            <a:r>
-              <a:rPr lang="en-US" sz="2800" b="1" dirty="0"/>
-              <a:t>Below</a:t>
-            </a:r>
-            <a:r>
-              <a:rPr lang="en-US" sz="2800" dirty="0"/>
-              <a:t>: Representative outputs of our model, with cases of both spiral (‘s’) and elliptical (‘e’). Our model continues to have trouble classifying spiral galaxies with low disk visibility, despite significant improvements. </a:t>
             </a:r>
           </a:p>
           <a:p>
@@ -5930,7 +5606,7 @@
         </p:blipFill>
         <p:spPr>
           <a:xfrm>
-            <a:off x="32003287" y="30802235"/>
+            <a:off x="30671617" y="30746528"/>
             <a:ext cx="2146375" cy="1812675"/>
           </a:xfrm>
           <a:prstGeom prst="rect">
@@ -5976,116 +5652,6 @@
           </a:p>
         </p:txBody>
       </p:sp>
-      <p:grpSp>
-        <p:nvGrpSpPr>
-          <p:cNvPr id="26" name="Group 25">
-            <a:extLst>
-              <a:ext uri="{FF2B5EF4-FFF2-40B4-BE49-F238E27FC236}">
-                <a16:creationId xmlns:a16="http://schemas.microsoft.com/office/drawing/2014/main" id="{8A84BC5F-D58D-462F-9287-DEC67C045FFB}"/>
-              </a:ext>
-            </a:extLst>
-          </p:cNvPr>
-          <p:cNvGrpSpPr/>
-          <p:nvPr/>
-        </p:nvGrpSpPr>
-        <p:grpSpPr>
-          <a:xfrm>
-            <a:off x="14182183" y="21493628"/>
-            <a:ext cx="6840034" cy="4784666"/>
-            <a:chOff x="18007322" y="15776546"/>
-            <a:chExt cx="6972272" cy="5064511"/>
-          </a:xfrm>
-        </p:grpSpPr>
-        <p:pic>
-          <p:nvPicPr>
-            <p:cNvPr id="4" name="Picture 3" descr="A close up of text on a white background&#10;&#10;Description automatically generated">
-              <a:extLst>
-                <a:ext uri="{FF2B5EF4-FFF2-40B4-BE49-F238E27FC236}">
-                  <a16:creationId xmlns:a16="http://schemas.microsoft.com/office/drawing/2014/main" id="{7C11170B-C840-423C-84B0-05486F942D9C}"/>
-                </a:ext>
-              </a:extLst>
-            </p:cNvPr>
-            <p:cNvPicPr>
-              <a:picLocks noChangeAspect="1"/>
-            </p:cNvPicPr>
-            <p:nvPr/>
-          </p:nvPicPr>
-          <p:blipFill>
-            <a:blip r:embed="rId7"/>
-            <a:stretch>
-              <a:fillRect/>
-            </a:stretch>
-          </p:blipFill>
-          <p:spPr>
-            <a:xfrm>
-              <a:off x="18007322" y="15776546"/>
-              <a:ext cx="6972272" cy="4648181"/>
-            </a:xfrm>
-            <a:prstGeom prst="rect">
-              <a:avLst/>
-            </a:prstGeom>
-          </p:spPr>
-        </p:pic>
-        <p:sp>
-          <p:nvSpPr>
-            <p:cNvPr id="7" name="Rectangle 6">
-              <a:extLst>
-                <a:ext uri="{FF2B5EF4-FFF2-40B4-BE49-F238E27FC236}">
-                  <a16:creationId xmlns:a16="http://schemas.microsoft.com/office/drawing/2014/main" id="{185CA34C-8C22-4094-B33B-B97E7852A9E0}"/>
-                </a:ext>
-              </a:extLst>
-            </p:cNvPr>
-            <p:cNvSpPr/>
-            <p:nvPr/>
-          </p:nvSpPr>
-          <p:spPr>
-            <a:xfrm>
-              <a:off x="19068196" y="20191100"/>
-              <a:ext cx="5091641" cy="649957"/>
-            </a:xfrm>
-            <a:prstGeom prst="rect">
-              <a:avLst/>
-            </a:prstGeom>
-            <a:solidFill>
-              <a:schemeClr val="bg1"/>
-            </a:solidFill>
-            <a:ln>
-              <a:solidFill>
-                <a:schemeClr val="bg1"/>
-              </a:solidFill>
-            </a:ln>
-          </p:spPr>
-          <p:style>
-            <a:lnRef idx="2">
-              <a:schemeClr val="dk1"/>
-            </a:lnRef>
-            <a:fillRef idx="1">
-              <a:schemeClr val="lt1"/>
-            </a:fillRef>
-            <a:effectRef idx="0">
-              <a:schemeClr val="dk1"/>
-            </a:effectRef>
-            <a:fontRef idx="minor">
-              <a:schemeClr val="dk1"/>
-            </a:fontRef>
-          </p:style>
-          <p:txBody>
-            <a:bodyPr rtlCol="0" anchor="ctr"/>
-            <a:lstStyle/>
-            <a:p>
-              <a:pPr algn="ctr"/>
-              <a:r>
-                <a:rPr lang="en-US" sz="2000" dirty="0">
-                  <a:solidFill>
-                    <a:schemeClr val="tx1"/>
-                  </a:solidFill>
-                </a:rPr>
-                <a:t>Galaxy zoo debiased class confidence</a:t>
-              </a:r>
-            </a:p>
-          </p:txBody>
-        </p:sp>
-      </p:grpSp>
       <p:sp>
         <p:nvSpPr>
           <p:cNvPr id="14345" name="TextBox 14344">
@@ -6100,8 +5666,8 @@
         </p:nvSpPr>
         <p:spPr>
           <a:xfrm>
-            <a:off x="32430838" y="20949497"/>
-            <a:ext cx="8395001" cy="8340745"/>
+            <a:off x="32452609" y="21325911"/>
+            <a:ext cx="8395001" cy="8463855"/>
           </a:xfrm>
           <a:prstGeom prst="rect">
             <a:avLst/>
@@ -6116,7 +5682,11 @@
           <a:p>
             <a:pPr algn="ctr"/>
             <a:r>
-              <a:rPr lang="en-US" sz="3200" b="1" dirty="0"/>
+              <a:rPr lang="en-US" sz="4000" b="1" dirty="0">
+                <a:solidFill>
+                  <a:schemeClr val="tx2"/>
+                </a:solidFill>
+              </a:rPr>
               <a:t>References:</a:t>
             </a:r>
           </a:p>
@@ -6185,7 +5755,7 @@
             </a:r>
             <a:r>
               <a:rPr lang="en-US" sz="2400" u="sng" dirty="0">
-                <a:hlinkClick r:id="rId8"/>
+                <a:hlinkClick r:id="rId7"/>
               </a:rPr>
               <a:t>arXiv:1807.00807 [astro-ph.GA]</a:t>
             </a:r>
@@ -6305,30 +5875,32 @@
       </p:sp>
       <p:grpSp>
         <p:nvGrpSpPr>
-          <p:cNvPr id="14353" name="Group 14352">
+          <p:cNvPr id="14336" name="Group 14335">
             <a:extLst>
               <a:ext uri="{FF2B5EF4-FFF2-40B4-BE49-F238E27FC236}">
-                <a16:creationId xmlns:a16="http://schemas.microsoft.com/office/drawing/2014/main" id="{D43A3279-A4A0-4D47-AF99-EFA903D2044A}"/>
+                <a16:creationId xmlns:a16="http://schemas.microsoft.com/office/drawing/2014/main" id="{C3CF2477-3269-4228-B176-860192DF207E}"/>
               </a:ext>
             </a:extLst>
           </p:cNvPr>
-          <p:cNvGrpSpPr/>
+          <p:cNvGrpSpPr>
+            <a:grpSpLocks noChangeAspect="1"/>
+          </p:cNvGrpSpPr>
           <p:nvPr/>
         </p:nvGrpSpPr>
         <p:grpSpPr>
           <a:xfrm>
-            <a:off x="15832319" y="11757741"/>
-            <a:ext cx="2078437" cy="2417171"/>
-            <a:chOff x="14755842" y="11959087"/>
-            <a:chExt cx="2078437" cy="2417171"/>
+            <a:off x="23727658" y="12188654"/>
+            <a:ext cx="5164381" cy="5355804"/>
+            <a:chOff x="17437103" y="11562326"/>
+            <a:chExt cx="4797497" cy="5069355"/>
           </a:xfrm>
         </p:grpSpPr>
         <p:grpSp>
           <p:nvGrpSpPr>
-            <p:cNvPr id="14352" name="Group 14351">
+            <p:cNvPr id="14353" name="Group 14352">
               <a:extLst>
                 <a:ext uri="{FF2B5EF4-FFF2-40B4-BE49-F238E27FC236}">
-                  <a16:creationId xmlns:a16="http://schemas.microsoft.com/office/drawing/2014/main" id="{AE6E7637-37FC-40B0-8468-AFB6615CB20F}"/>
+                  <a16:creationId xmlns:a16="http://schemas.microsoft.com/office/drawing/2014/main" id="{D43A3279-A4A0-4D47-AF99-EFA903D2044A}"/>
                 </a:ext>
               </a:extLst>
             </p:cNvPr>
@@ -6337,18 +5909,18 @@
           </p:nvGrpSpPr>
           <p:grpSpPr>
             <a:xfrm>
-              <a:off x="14755842" y="11959087"/>
+              <a:off x="17437103" y="11562326"/>
               <a:ext cx="2078437" cy="2417171"/>
-              <a:chOff x="14576746" y="11349725"/>
+              <a:chOff x="14755842" y="11959087"/>
               <a:chExt cx="2078437" cy="2417171"/>
             </a:xfrm>
           </p:grpSpPr>
           <p:grpSp>
             <p:nvGrpSpPr>
-              <p:cNvPr id="14349" name="Group 14348">
+              <p:cNvPr id="14352" name="Group 14351">
                 <a:extLst>
                   <a:ext uri="{FF2B5EF4-FFF2-40B4-BE49-F238E27FC236}">
-                    <a16:creationId xmlns:a16="http://schemas.microsoft.com/office/drawing/2014/main" id="{1126335B-00A1-438A-9E18-C200848E5612}"/>
+                    <a16:creationId xmlns:a16="http://schemas.microsoft.com/office/drawing/2014/main" id="{AE6E7637-37FC-40B0-8468-AFB6615CB20F}"/>
                   </a:ext>
                 </a:extLst>
               </p:cNvPr>
@@ -6357,61 +5929,269 @@
             </p:nvGrpSpPr>
             <p:grpSpPr>
               <a:xfrm>
-                <a:off x="14576746" y="11699067"/>
-                <a:ext cx="2078437" cy="2067829"/>
-                <a:chOff x="14208807" y="13699743"/>
-                <a:chExt cx="2799254" cy="2779979"/>
+                <a:off x="14755842" y="11959087"/>
+                <a:ext cx="2078437" cy="2417171"/>
+                <a:chOff x="14576746" y="11349725"/>
+                <a:chExt cx="2078437" cy="2417171"/>
               </a:xfrm>
             </p:grpSpPr>
-            <p:sp>
-              <p:nvSpPr>
-                <p:cNvPr id="14347" name="Partial Circle 14346">
+            <p:grpSp>
+              <p:nvGrpSpPr>
+                <p:cNvPr id="14349" name="Group 14348">
                   <a:extLst>
                     <a:ext uri="{FF2B5EF4-FFF2-40B4-BE49-F238E27FC236}">
-                      <a16:creationId xmlns:a16="http://schemas.microsoft.com/office/drawing/2014/main" id="{29F04952-2250-4547-AD7E-FE928F2BCE1B}"/>
+                      <a16:creationId xmlns:a16="http://schemas.microsoft.com/office/drawing/2014/main" id="{1126335B-00A1-438A-9E18-C200848E5612}"/>
                     </a:ext>
                   </a:extLst>
                 </p:cNvPr>
-                <p:cNvSpPr/>
+                <p:cNvGrpSpPr/>
+                <p:nvPr/>
+              </p:nvGrpSpPr>
+              <p:grpSpPr>
+                <a:xfrm>
+                  <a:off x="14576746" y="11699067"/>
+                  <a:ext cx="2078437" cy="2067829"/>
+                  <a:chOff x="14208807" y="13699743"/>
+                  <a:chExt cx="2799254" cy="2779979"/>
+                </a:xfrm>
+              </p:grpSpPr>
+              <p:sp>
+                <p:nvSpPr>
+                  <p:cNvPr id="14347" name="Partial Circle 14346">
+                    <a:extLst>
+                      <a:ext uri="{FF2B5EF4-FFF2-40B4-BE49-F238E27FC236}">
+                        <a16:creationId xmlns:a16="http://schemas.microsoft.com/office/drawing/2014/main" id="{29F04952-2250-4547-AD7E-FE928F2BCE1B}"/>
+                      </a:ext>
+                    </a:extLst>
+                  </p:cNvPr>
+                  <p:cNvSpPr/>
+                  <p:nvPr/>
+                </p:nvSpPr>
+                <p:spPr>
+                  <a:xfrm>
+                    <a:off x="14208807" y="13748023"/>
+                    <a:ext cx="2779979" cy="2677011"/>
+                  </a:xfrm>
+                  <a:prstGeom prst="pie">
+                    <a:avLst>
+                      <a:gd name="adj1" fmla="val 8875730"/>
+                      <a:gd name="adj2" fmla="val 16200000"/>
+                    </a:avLst>
+                  </a:prstGeom>
+                  <a:solidFill>
+                    <a:srgbClr val="1B46A5"/>
+                  </a:solidFill>
+                </p:spPr>
+                <p:style>
+                  <a:lnRef idx="1">
+                    <a:schemeClr val="accent2"/>
+                  </a:lnRef>
+                  <a:fillRef idx="2">
+                    <a:schemeClr val="accent2"/>
+                  </a:fillRef>
+                  <a:effectRef idx="1">
+                    <a:schemeClr val="accent2"/>
+                  </a:effectRef>
+                  <a:fontRef idx="minor">
+                    <a:schemeClr val="dk1"/>
+                  </a:fontRef>
+                </p:style>
+                <p:txBody>
+                  <a:bodyPr rtlCol="0" anchor="ctr"/>
+                  <a:lstStyle/>
+                  <a:p>
+                    <a:pPr algn="ctr"/>
+                    <a:endParaRPr lang="en-US" sz="2400" dirty="0">
+                      <a:solidFill>
+                        <a:schemeClr val="tx1"/>
+                      </a:solidFill>
+                    </a:endParaRPr>
+                  </a:p>
+                </p:txBody>
+              </p:sp>
+              <p:sp>
+                <p:nvSpPr>
+                  <p:cNvPr id="88" name="Partial Circle 87">
+                    <a:extLst>
+                      <a:ext uri="{FF2B5EF4-FFF2-40B4-BE49-F238E27FC236}">
+                        <a16:creationId xmlns:a16="http://schemas.microsoft.com/office/drawing/2014/main" id="{06CD3CC5-771F-4BDB-AA7A-3B75A3A625A9}"/>
+                      </a:ext>
+                    </a:extLst>
+                  </p:cNvPr>
+                  <p:cNvSpPr/>
+                  <p:nvPr/>
+                </p:nvSpPr>
+                <p:spPr>
+                  <a:xfrm rot="8579192">
+                    <a:off x="14228082" y="13760892"/>
+                    <a:ext cx="2779979" cy="2677011"/>
+                  </a:xfrm>
+                  <a:prstGeom prst="pie">
+                    <a:avLst>
+                      <a:gd name="adj1" fmla="val 7520100"/>
+                      <a:gd name="adj2" fmla="val 14986375"/>
+                    </a:avLst>
+                  </a:prstGeom>
+                  <a:solidFill>
+                    <a:srgbClr val="FF0000"/>
+                  </a:solidFill>
+                </p:spPr>
+                <p:style>
+                  <a:lnRef idx="1">
+                    <a:schemeClr val="accent5"/>
+                  </a:lnRef>
+                  <a:fillRef idx="2">
+                    <a:schemeClr val="accent5"/>
+                  </a:fillRef>
+                  <a:effectRef idx="1">
+                    <a:schemeClr val="accent5"/>
+                  </a:effectRef>
+                  <a:fontRef idx="minor">
+                    <a:schemeClr val="dk1"/>
+                  </a:fontRef>
+                </p:style>
+                <p:txBody>
+                  <a:bodyPr rtlCol="0" anchor="ctr"/>
+                  <a:lstStyle/>
+                  <a:p>
+                    <a:pPr algn="ctr"/>
+                    <a:endParaRPr lang="en-US" dirty="0">
+                      <a:solidFill>
+                        <a:schemeClr val="tx1"/>
+                      </a:solidFill>
+                    </a:endParaRPr>
+                  </a:p>
+                </p:txBody>
+              </p:sp>
+              <p:sp>
+                <p:nvSpPr>
+                  <p:cNvPr id="89" name="Partial Circle 88">
+                    <a:extLst>
+                      <a:ext uri="{FF2B5EF4-FFF2-40B4-BE49-F238E27FC236}">
+                        <a16:creationId xmlns:a16="http://schemas.microsoft.com/office/drawing/2014/main" id="{F7036846-D4AA-4FD0-B9D1-6D3618BEAA8E}"/>
+                      </a:ext>
+                    </a:extLst>
+                  </p:cNvPr>
+                  <p:cNvSpPr/>
+                  <p:nvPr/>
+                </p:nvSpPr>
+                <p:spPr>
+                  <a:xfrm rot="15746399">
+                    <a:off x="14211545" y="13751227"/>
+                    <a:ext cx="2779979" cy="2677011"/>
+                  </a:xfrm>
+                  <a:prstGeom prst="pie">
+                    <a:avLst>
+                      <a:gd name="adj1" fmla="val 7740183"/>
+                      <a:gd name="adj2" fmla="val 14786473"/>
+                    </a:avLst>
+                  </a:prstGeom>
+                  <a:solidFill>
+                    <a:srgbClr val="0D7517"/>
+                  </a:solidFill>
+                </p:spPr>
+                <p:style>
+                  <a:lnRef idx="1">
+                    <a:schemeClr val="dk1"/>
+                  </a:lnRef>
+                  <a:fillRef idx="2">
+                    <a:schemeClr val="dk1"/>
+                  </a:fillRef>
+                  <a:effectRef idx="1">
+                    <a:schemeClr val="dk1"/>
+                  </a:effectRef>
+                  <a:fontRef idx="minor">
+                    <a:schemeClr val="dk1"/>
+                  </a:fontRef>
+                </p:style>
+                <p:txBody>
+                  <a:bodyPr rtlCol="0" anchor="ctr"/>
+                  <a:lstStyle/>
+                  <a:p>
+                    <a:pPr algn="ctr"/>
+                    <a:endParaRPr lang="en-US" dirty="0">
+                      <a:solidFill>
+                        <a:schemeClr val="tx1"/>
+                      </a:solidFill>
+                    </a:endParaRPr>
+                  </a:p>
+                </p:txBody>
+              </p:sp>
+            </p:grpSp>
+            <p:sp>
+              <p:nvSpPr>
+                <p:cNvPr id="14350" name="TextBox 14349">
+                  <a:extLst>
+                    <a:ext uri="{FF2B5EF4-FFF2-40B4-BE49-F238E27FC236}">
+                      <a16:creationId xmlns:a16="http://schemas.microsoft.com/office/drawing/2014/main" id="{27E48412-6C78-4EA7-8B9F-723C24D11A48}"/>
+                    </a:ext>
+                  </a:extLst>
+                </p:cNvPr>
+                <p:cNvSpPr txBox="1"/>
                 <p:nvPr/>
               </p:nvSpPr>
               <p:spPr>
                 <a:xfrm>
-                  <a:off x="14208807" y="13748023"/>
-                  <a:ext cx="2779979" cy="2677011"/>
+                  <a:off x="14857202" y="11349725"/>
+                  <a:ext cx="1513633" cy="338554"/>
                 </a:xfrm>
-                <a:prstGeom prst="pie">
-                  <a:avLst>
-                    <a:gd name="adj1" fmla="val 8875730"/>
-                    <a:gd name="adj2" fmla="val 16200000"/>
-                  </a:avLst>
+                <a:prstGeom prst="rect">
+                  <a:avLst/>
                 </a:prstGeom>
-                <a:solidFill>
-                  <a:srgbClr val="1B46A5"/>
-                </a:solidFill>
+                <a:noFill/>
               </p:spPr>
-              <p:style>
-                <a:lnRef idx="1">
-                  <a:schemeClr val="accent2"/>
-                </a:lnRef>
-                <a:fillRef idx="2">
-                  <a:schemeClr val="accent2"/>
-                </a:fillRef>
-                <a:effectRef idx="1">
-                  <a:schemeClr val="accent2"/>
-                </a:effectRef>
-                <a:fontRef idx="minor">
-                  <a:schemeClr val="dk1"/>
-                </a:fontRef>
-              </p:style>
               <p:txBody>
-                <a:bodyPr rtlCol="0" anchor="ctr"/>
+                <a:bodyPr wrap="square" rtlCol="0">
+                  <a:spAutoFit/>
+                </a:bodyPr>
                 <a:lstStyle/>
                 <a:p>
-                  <a:pPr algn="ctr"/>
+                  <a:r>
+                    <a:rPr lang="en-US" sz="1600" b="1" dirty="0"/>
+                    <a:t>True Elliptical</a:t>
+                  </a:r>
+                </a:p>
+              </p:txBody>
+            </p:sp>
+            <p:sp>
+              <p:nvSpPr>
+                <p:cNvPr id="94" name="TextBox 93">
+                  <a:extLst>
+                    <a:ext uri="{FF2B5EF4-FFF2-40B4-BE49-F238E27FC236}">
+                      <a16:creationId xmlns:a16="http://schemas.microsoft.com/office/drawing/2014/main" id="{0C8820CA-3B23-4F98-A795-B1C76E0D6612}"/>
+                    </a:ext>
+                  </a:extLst>
+                </p:cNvPr>
+                <p:cNvSpPr txBox="1"/>
+                <p:nvPr/>
+              </p:nvSpPr>
+              <p:spPr>
+                <a:xfrm>
+                  <a:off x="15696895" y="12268730"/>
+                  <a:ext cx="828899" cy="400110"/>
+                </a:xfrm>
+                <a:prstGeom prst="rect">
+                  <a:avLst/>
+                </a:prstGeom>
+                <a:noFill/>
+              </p:spPr>
+              <p:txBody>
+                <a:bodyPr wrap="square" rtlCol="0">
+                  <a:spAutoFit/>
+                </a:bodyPr>
+                <a:lstStyle/>
+                <a:p>
+                  <a:r>
+                    <a:rPr lang="en-US" sz="2000" dirty="0">
+                      <a:solidFill>
+                        <a:schemeClr val="bg1"/>
+                      </a:solidFill>
+                    </a:rPr>
+                    <a:t>0.89</a:t>
+                  </a:r>
                   <a:endParaRPr lang="en-US" sz="2400" dirty="0">
                     <a:solidFill>
-                      <a:schemeClr val="tx1"/>
+                      <a:schemeClr val="bg1"/>
                     </a:solidFill>
                   </a:endParaRPr>
                 </a:p>
@@ -6419,119 +6199,50 @@
             </p:sp>
             <p:sp>
               <p:nvSpPr>
-                <p:cNvPr id="88" name="Partial Circle 87">
+                <p:cNvPr id="95" name="TextBox 94">
                   <a:extLst>
                     <a:ext uri="{FF2B5EF4-FFF2-40B4-BE49-F238E27FC236}">
-                      <a16:creationId xmlns:a16="http://schemas.microsoft.com/office/drawing/2014/main" id="{06CD3CC5-771F-4BDB-AA7A-3B75A3A625A9}"/>
+                      <a16:creationId xmlns:a16="http://schemas.microsoft.com/office/drawing/2014/main" id="{FCCA71E2-4D1B-4FB1-808F-6FE257830005}"/>
                     </a:ext>
                   </a:extLst>
                 </p:cNvPr>
-                <p:cNvSpPr/>
+                <p:cNvSpPr txBox="1"/>
                 <p:nvPr/>
               </p:nvSpPr>
               <p:spPr>
-                <a:xfrm rot="8579192">
-                  <a:off x="14228082" y="13760892"/>
-                  <a:ext cx="2779979" cy="2677011"/>
+                <a:xfrm>
+                  <a:off x="15253753" y="13007160"/>
+                  <a:ext cx="703529" cy="400110"/>
                 </a:xfrm>
-                <a:prstGeom prst="pie">
-                  <a:avLst>
-                    <a:gd name="adj1" fmla="val 7520100"/>
-                    <a:gd name="adj2" fmla="val 14986375"/>
-                  </a:avLst>
+                <a:prstGeom prst="rect">
+                  <a:avLst/>
                 </a:prstGeom>
-                <a:solidFill>
-                  <a:srgbClr val="FF0000"/>
-                </a:solidFill>
+                <a:noFill/>
               </p:spPr>
-              <p:style>
-                <a:lnRef idx="1">
-                  <a:schemeClr val="accent5"/>
-                </a:lnRef>
-                <a:fillRef idx="2">
-                  <a:schemeClr val="accent5"/>
-                </a:fillRef>
-                <a:effectRef idx="1">
-                  <a:schemeClr val="accent5"/>
-                </a:effectRef>
-                <a:fontRef idx="minor">
-                  <a:schemeClr val="dk1"/>
-                </a:fontRef>
-              </p:style>
               <p:txBody>
-                <a:bodyPr rtlCol="0" anchor="ctr"/>
+                <a:bodyPr wrap="square" rtlCol="0">
+                  <a:spAutoFit/>
+                </a:bodyPr>
                 <a:lstStyle/>
                 <a:p>
-                  <a:pPr algn="ctr"/>
-                  <a:endParaRPr lang="en-US" dirty="0">
-                    <a:solidFill>
-                      <a:schemeClr val="tx1"/>
-                    </a:solidFill>
-                  </a:endParaRPr>
-                </a:p>
-              </p:txBody>
-            </p:sp>
-            <p:sp>
-              <p:nvSpPr>
-                <p:cNvPr id="89" name="Partial Circle 88">
-                  <a:extLst>
-                    <a:ext uri="{FF2B5EF4-FFF2-40B4-BE49-F238E27FC236}">
-                      <a16:creationId xmlns:a16="http://schemas.microsoft.com/office/drawing/2014/main" id="{F7036846-D4AA-4FD0-B9D1-6D3618BEAA8E}"/>
-                    </a:ext>
-                  </a:extLst>
-                </p:cNvPr>
-                <p:cNvSpPr/>
-                <p:nvPr/>
-              </p:nvSpPr>
-              <p:spPr>
-                <a:xfrm rot="15746399">
-                  <a:off x="14211545" y="13751227"/>
-                  <a:ext cx="2779979" cy="2677011"/>
-                </a:xfrm>
-                <a:prstGeom prst="pie">
-                  <a:avLst>
-                    <a:gd name="adj1" fmla="val 7740183"/>
-                    <a:gd name="adj2" fmla="val 14786473"/>
-                  </a:avLst>
-                </a:prstGeom>
-                <a:solidFill>
-                  <a:srgbClr val="0D7517"/>
-                </a:solidFill>
-              </p:spPr>
-              <p:style>
-                <a:lnRef idx="1">
-                  <a:schemeClr val="dk1"/>
-                </a:lnRef>
-                <a:fillRef idx="2">
-                  <a:schemeClr val="dk1"/>
-                </a:fillRef>
-                <a:effectRef idx="1">
-                  <a:schemeClr val="dk1"/>
-                </a:effectRef>
-                <a:fontRef idx="minor">
-                  <a:schemeClr val="dk1"/>
-                </a:fontRef>
-              </p:style>
-              <p:txBody>
-                <a:bodyPr rtlCol="0" anchor="ctr"/>
-                <a:lstStyle/>
-                <a:p>
-                  <a:pPr algn="ctr"/>
-                  <a:endParaRPr lang="en-US" dirty="0">
-                    <a:solidFill>
-                      <a:schemeClr val="tx1"/>
-                    </a:solidFill>
-                  </a:endParaRPr>
+                  <a:r>
+                    <a:rPr lang="en-US" sz="2000" dirty="0">
+                      <a:solidFill>
+                        <a:schemeClr val="bg1"/>
+                      </a:solidFill>
+                    </a:rPr>
+                    <a:t>0.93</a:t>
+                  </a:r>
                 </a:p>
               </p:txBody>
             </p:sp>
           </p:grpSp>
           <p:sp>
             <p:nvSpPr>
-              <p:cNvPr id="14350" name="TextBox 14349">
+              <p:cNvPr id="93" name="TextBox 92">
                 <a:extLst>
                   <a:ext uri="{FF2B5EF4-FFF2-40B4-BE49-F238E27FC236}">
-                    <a16:creationId xmlns:a16="http://schemas.microsoft.com/office/drawing/2014/main" id="{27E48412-6C78-4EA7-8B9F-723C24D11A48}"/>
+                    <a16:creationId xmlns:a16="http://schemas.microsoft.com/office/drawing/2014/main" id="{7A0B4347-6F04-4893-A15D-6E2A19606671}"/>
                   </a:ext>
                 </a:extLst>
               </p:cNvPr>
@@ -6540,43 +6251,8 @@
             </p:nvSpPr>
             <p:spPr>
               <a:xfrm>
-                <a:off x="14857202" y="11349725"/>
-                <a:ext cx="1513633" cy="338554"/>
-              </a:xfrm>
-              <a:prstGeom prst="rect">
-                <a:avLst/>
-              </a:prstGeom>
-              <a:noFill/>
-            </p:spPr>
-            <p:txBody>
-              <a:bodyPr wrap="square" rtlCol="0">
-                <a:spAutoFit/>
-              </a:bodyPr>
-              <a:lstStyle/>
-              <a:p>
-                <a:r>
-                  <a:rPr lang="en-US" sz="1600" b="1" dirty="0"/>
-                  <a:t>True Elliptical</a:t>
-                </a:r>
-              </a:p>
-            </p:txBody>
-          </p:sp>
-          <p:sp>
-            <p:nvSpPr>
-              <p:cNvPr id="94" name="TextBox 93">
-                <a:extLst>
-                  <a:ext uri="{FF2B5EF4-FFF2-40B4-BE49-F238E27FC236}">
-                    <a16:creationId xmlns:a16="http://schemas.microsoft.com/office/drawing/2014/main" id="{0C8820CA-3B23-4F98-A795-B1C76E0D6612}"/>
-                  </a:ext>
-                </a:extLst>
-              </p:cNvPr>
-              <p:cNvSpPr txBox="1"/>
-              <p:nvPr/>
-            </p:nvSpPr>
-            <p:spPr>
-              <a:xfrm>
-                <a:off x="15696895" y="12268730"/>
-                <a:ext cx="828899" cy="400110"/>
+                <a:off x="14922425" y="12848936"/>
+                <a:ext cx="833276" cy="400110"/>
               </a:xfrm>
               <a:prstGeom prst="rect">
                 <a:avLst/>
@@ -6595,22 +6271,355 @@
                       <a:schemeClr val="bg1"/>
                     </a:solidFill>
                   </a:rPr>
-                  <a:t>0.89</a:t>
+                  <a:t>0.97</a:t>
                 </a:r>
-                <a:endParaRPr lang="en-US" sz="2400" dirty="0">
-                  <a:solidFill>
-                    <a:schemeClr val="bg1"/>
-                  </a:solidFill>
-                </a:endParaRPr>
               </a:p>
             </p:txBody>
           </p:sp>
+        </p:grpSp>
+        <p:grpSp>
+          <p:nvGrpSpPr>
+            <p:cNvPr id="98" name="Group 97">
+              <a:extLst>
+                <a:ext uri="{FF2B5EF4-FFF2-40B4-BE49-F238E27FC236}">
+                  <a16:creationId xmlns:a16="http://schemas.microsoft.com/office/drawing/2014/main" id="{8927DF22-DB44-4991-8EAD-ACF5A75FD60C}"/>
+                </a:ext>
+              </a:extLst>
+            </p:cNvPr>
+            <p:cNvGrpSpPr/>
+            <p:nvPr/>
+          </p:nvGrpSpPr>
+          <p:grpSpPr>
+            <a:xfrm>
+              <a:off x="20111493" y="14234993"/>
+              <a:ext cx="2078437" cy="2390381"/>
+              <a:chOff x="14755842" y="11985877"/>
+              <a:chExt cx="2078437" cy="2390381"/>
+            </a:xfrm>
+          </p:grpSpPr>
+          <p:grpSp>
+            <p:nvGrpSpPr>
+              <p:cNvPr id="99" name="Group 98">
+                <a:extLst>
+                  <a:ext uri="{FF2B5EF4-FFF2-40B4-BE49-F238E27FC236}">
+                    <a16:creationId xmlns:a16="http://schemas.microsoft.com/office/drawing/2014/main" id="{3D38597B-05E5-4B6E-9D0A-E7248B68C63D}"/>
+                  </a:ext>
+                </a:extLst>
+              </p:cNvPr>
+              <p:cNvGrpSpPr/>
+              <p:nvPr/>
+            </p:nvGrpSpPr>
+            <p:grpSpPr>
+              <a:xfrm>
+                <a:off x="14755842" y="11985877"/>
+                <a:ext cx="2078437" cy="2390381"/>
+                <a:chOff x="14576746" y="11376515"/>
+                <a:chExt cx="2078437" cy="2390381"/>
+              </a:xfrm>
+            </p:grpSpPr>
+            <p:grpSp>
+              <p:nvGrpSpPr>
+                <p:cNvPr id="101" name="Group 100">
+                  <a:extLst>
+                    <a:ext uri="{FF2B5EF4-FFF2-40B4-BE49-F238E27FC236}">
+                      <a16:creationId xmlns:a16="http://schemas.microsoft.com/office/drawing/2014/main" id="{D6EC3473-8294-4862-B98B-BAD20A9D350B}"/>
+                    </a:ext>
+                  </a:extLst>
+                </p:cNvPr>
+                <p:cNvGrpSpPr/>
+                <p:nvPr/>
+              </p:nvGrpSpPr>
+              <p:grpSpPr>
+                <a:xfrm>
+                  <a:off x="14576746" y="11699067"/>
+                  <a:ext cx="2078437" cy="2067829"/>
+                  <a:chOff x="14208807" y="13699743"/>
+                  <a:chExt cx="2799254" cy="2779979"/>
+                </a:xfrm>
+              </p:grpSpPr>
+              <p:sp>
+                <p:nvSpPr>
+                  <p:cNvPr id="105" name="Partial Circle 104">
+                    <a:extLst>
+                      <a:ext uri="{FF2B5EF4-FFF2-40B4-BE49-F238E27FC236}">
+                        <a16:creationId xmlns:a16="http://schemas.microsoft.com/office/drawing/2014/main" id="{7C37422E-47CF-4B2F-B8FC-FE58EFD80063}"/>
+                      </a:ext>
+                    </a:extLst>
+                  </p:cNvPr>
+                  <p:cNvSpPr/>
+                  <p:nvPr/>
+                </p:nvSpPr>
+                <p:spPr>
+                  <a:xfrm>
+                    <a:off x="14208807" y="13748023"/>
+                    <a:ext cx="2779979" cy="2677011"/>
+                  </a:xfrm>
+                  <a:prstGeom prst="pie">
+                    <a:avLst>
+                      <a:gd name="adj1" fmla="val 8875730"/>
+                      <a:gd name="adj2" fmla="val 16200000"/>
+                    </a:avLst>
+                  </a:prstGeom>
+                  <a:solidFill>
+                    <a:srgbClr val="1B46A5"/>
+                  </a:solidFill>
+                </p:spPr>
+                <p:style>
+                  <a:lnRef idx="1">
+                    <a:schemeClr val="accent2"/>
+                  </a:lnRef>
+                  <a:fillRef idx="2">
+                    <a:schemeClr val="accent2"/>
+                  </a:fillRef>
+                  <a:effectRef idx="1">
+                    <a:schemeClr val="accent2"/>
+                  </a:effectRef>
+                  <a:fontRef idx="minor">
+                    <a:schemeClr val="dk1"/>
+                  </a:fontRef>
+                </p:style>
+                <p:txBody>
+                  <a:bodyPr rtlCol="0" anchor="ctr"/>
+                  <a:lstStyle/>
+                  <a:p>
+                    <a:pPr algn="ctr"/>
+                    <a:endParaRPr lang="en-US" sz="2400" dirty="0">
+                      <a:solidFill>
+                        <a:schemeClr val="tx1"/>
+                      </a:solidFill>
+                    </a:endParaRPr>
+                  </a:p>
+                </p:txBody>
+              </p:sp>
+              <p:sp>
+                <p:nvSpPr>
+                  <p:cNvPr id="106" name="Partial Circle 105">
+                    <a:extLst>
+                      <a:ext uri="{FF2B5EF4-FFF2-40B4-BE49-F238E27FC236}">
+                        <a16:creationId xmlns:a16="http://schemas.microsoft.com/office/drawing/2014/main" id="{EF16E5B6-C4F9-48C9-A525-0480CEF7A52C}"/>
+                      </a:ext>
+                    </a:extLst>
+                  </p:cNvPr>
+                  <p:cNvSpPr/>
+                  <p:nvPr/>
+                </p:nvSpPr>
+                <p:spPr>
+                  <a:xfrm rot="8579192">
+                    <a:off x="14228082" y="13760892"/>
+                    <a:ext cx="2779979" cy="2677011"/>
+                  </a:xfrm>
+                  <a:prstGeom prst="pie">
+                    <a:avLst>
+                      <a:gd name="adj1" fmla="val 7520100"/>
+                      <a:gd name="adj2" fmla="val 14986375"/>
+                    </a:avLst>
+                  </a:prstGeom>
+                  <a:solidFill>
+                    <a:srgbClr val="FF0000"/>
+                  </a:solidFill>
+                </p:spPr>
+                <p:style>
+                  <a:lnRef idx="1">
+                    <a:schemeClr val="accent5"/>
+                  </a:lnRef>
+                  <a:fillRef idx="2">
+                    <a:schemeClr val="accent5"/>
+                  </a:fillRef>
+                  <a:effectRef idx="1">
+                    <a:schemeClr val="accent5"/>
+                  </a:effectRef>
+                  <a:fontRef idx="minor">
+                    <a:schemeClr val="dk1"/>
+                  </a:fontRef>
+                </p:style>
+                <p:txBody>
+                  <a:bodyPr rtlCol="0" anchor="ctr"/>
+                  <a:lstStyle/>
+                  <a:p>
+                    <a:pPr algn="ctr"/>
+                    <a:endParaRPr lang="en-US" dirty="0">
+                      <a:solidFill>
+                        <a:schemeClr val="tx1"/>
+                      </a:solidFill>
+                    </a:endParaRPr>
+                  </a:p>
+                </p:txBody>
+              </p:sp>
+              <p:sp>
+                <p:nvSpPr>
+                  <p:cNvPr id="107" name="Partial Circle 106">
+                    <a:extLst>
+                      <a:ext uri="{FF2B5EF4-FFF2-40B4-BE49-F238E27FC236}">
+                        <a16:creationId xmlns:a16="http://schemas.microsoft.com/office/drawing/2014/main" id="{5FD3FD16-970F-4D6B-81F0-7E01AE3BC9A7}"/>
+                      </a:ext>
+                    </a:extLst>
+                  </p:cNvPr>
+                  <p:cNvSpPr/>
+                  <p:nvPr/>
+                </p:nvSpPr>
+                <p:spPr>
+                  <a:xfrm rot="15746399">
+                    <a:off x="14211545" y="13751227"/>
+                    <a:ext cx="2779979" cy="2677011"/>
+                  </a:xfrm>
+                  <a:prstGeom prst="pie">
+                    <a:avLst>
+                      <a:gd name="adj1" fmla="val 7740183"/>
+                      <a:gd name="adj2" fmla="val 14786473"/>
+                    </a:avLst>
+                  </a:prstGeom>
+                  <a:solidFill>
+                    <a:srgbClr val="0D7517"/>
+                  </a:solidFill>
+                </p:spPr>
+                <p:style>
+                  <a:lnRef idx="1">
+                    <a:schemeClr val="dk1"/>
+                  </a:lnRef>
+                  <a:fillRef idx="2">
+                    <a:schemeClr val="dk1"/>
+                  </a:fillRef>
+                  <a:effectRef idx="1">
+                    <a:schemeClr val="dk1"/>
+                  </a:effectRef>
+                  <a:fontRef idx="minor">
+                    <a:schemeClr val="dk1"/>
+                  </a:fontRef>
+                </p:style>
+                <p:txBody>
+                  <a:bodyPr rtlCol="0" anchor="ctr"/>
+                  <a:lstStyle/>
+                  <a:p>
+                    <a:pPr algn="ctr"/>
+                    <a:endParaRPr lang="en-US" dirty="0">
+                      <a:solidFill>
+                        <a:schemeClr val="tx1"/>
+                      </a:solidFill>
+                    </a:endParaRPr>
+                  </a:p>
+                </p:txBody>
+              </p:sp>
+            </p:grpSp>
+            <p:sp>
+              <p:nvSpPr>
+                <p:cNvPr id="102" name="TextBox 101">
+                  <a:extLst>
+                    <a:ext uri="{FF2B5EF4-FFF2-40B4-BE49-F238E27FC236}">
+                      <a16:creationId xmlns:a16="http://schemas.microsoft.com/office/drawing/2014/main" id="{5C7F4206-8DFF-441E-98FF-9481FB7B3AA9}"/>
+                    </a:ext>
+                  </a:extLst>
+                </p:cNvPr>
+                <p:cNvSpPr txBox="1"/>
+                <p:nvPr/>
+              </p:nvSpPr>
+              <p:spPr>
+                <a:xfrm>
+                  <a:off x="15011834" y="11376515"/>
+                  <a:ext cx="1242333" cy="338554"/>
+                </a:xfrm>
+                <a:prstGeom prst="rect">
+                  <a:avLst/>
+                </a:prstGeom>
+                <a:noFill/>
+              </p:spPr>
+              <p:txBody>
+                <a:bodyPr wrap="square" rtlCol="0">
+                  <a:spAutoFit/>
+                </a:bodyPr>
+                <a:lstStyle/>
+                <a:p>
+                  <a:r>
+                    <a:rPr lang="en-US" sz="1600" b="1" dirty="0"/>
+                    <a:t>True Spiral</a:t>
+                  </a:r>
+                </a:p>
+              </p:txBody>
+            </p:sp>
+            <p:sp>
+              <p:nvSpPr>
+                <p:cNvPr id="103" name="TextBox 102">
+                  <a:extLst>
+                    <a:ext uri="{FF2B5EF4-FFF2-40B4-BE49-F238E27FC236}">
+                      <a16:creationId xmlns:a16="http://schemas.microsoft.com/office/drawing/2014/main" id="{B9C0B572-DF16-47DE-910B-3A91EEBA0887}"/>
+                    </a:ext>
+                  </a:extLst>
+                </p:cNvPr>
+                <p:cNvSpPr txBox="1"/>
+                <p:nvPr/>
+              </p:nvSpPr>
+              <p:spPr>
+                <a:xfrm>
+                  <a:off x="15744532" y="12330469"/>
+                  <a:ext cx="798151" cy="400110"/>
+                </a:xfrm>
+                <a:prstGeom prst="rect">
+                  <a:avLst/>
+                </a:prstGeom>
+                <a:noFill/>
+              </p:spPr>
+              <p:txBody>
+                <a:bodyPr wrap="square" rtlCol="0">
+                  <a:spAutoFit/>
+                </a:bodyPr>
+                <a:lstStyle/>
+                <a:p>
+                  <a:r>
+                    <a:rPr lang="en-US" sz="2000" dirty="0">
+                      <a:solidFill>
+                        <a:schemeClr val="bg1"/>
+                      </a:solidFill>
+                    </a:rPr>
+                    <a:t>0.74</a:t>
+                  </a:r>
+                </a:p>
+              </p:txBody>
+            </p:sp>
+            <p:sp>
+              <p:nvSpPr>
+                <p:cNvPr id="104" name="TextBox 103">
+                  <a:extLst>
+                    <a:ext uri="{FF2B5EF4-FFF2-40B4-BE49-F238E27FC236}">
+                      <a16:creationId xmlns:a16="http://schemas.microsoft.com/office/drawing/2014/main" id="{33022823-229C-4CC9-ACA8-35B59678E618}"/>
+                    </a:ext>
+                  </a:extLst>
+                </p:cNvPr>
+                <p:cNvSpPr txBox="1"/>
+                <p:nvPr/>
+              </p:nvSpPr>
+              <p:spPr>
+                <a:xfrm>
+                  <a:off x="15260454" y="13070431"/>
+                  <a:ext cx="687067" cy="400110"/>
+                </a:xfrm>
+                <a:prstGeom prst="rect">
+                  <a:avLst/>
+                </a:prstGeom>
+                <a:noFill/>
+              </p:spPr>
+              <p:txBody>
+                <a:bodyPr wrap="square" rtlCol="0">
+                  <a:spAutoFit/>
+                </a:bodyPr>
+                <a:lstStyle/>
+                <a:p>
+                  <a:r>
+                    <a:rPr lang="en-US" sz="2000" dirty="0">
+                      <a:solidFill>
+                        <a:schemeClr val="bg1"/>
+                      </a:solidFill>
+                    </a:rPr>
+                    <a:t>0.96</a:t>
+                  </a:r>
+                </a:p>
+              </p:txBody>
+            </p:sp>
+          </p:grpSp>
           <p:sp>
             <p:nvSpPr>
-              <p:cNvPr id="95" name="TextBox 94">
+              <p:cNvPr id="100" name="TextBox 99">
                 <a:extLst>
                   <a:ext uri="{FF2B5EF4-FFF2-40B4-BE49-F238E27FC236}">
-                    <a16:creationId xmlns:a16="http://schemas.microsoft.com/office/drawing/2014/main" id="{FCCA71E2-4D1B-4FB1-808F-6FE257830005}"/>
+                    <a16:creationId xmlns:a16="http://schemas.microsoft.com/office/drawing/2014/main" id="{EA6E8B8F-7D3D-4A02-BD7D-6D178A61D614}"/>
                   </a:ext>
                 </a:extLst>
               </p:cNvPr>
@@ -6619,8 +6628,8 @@
             </p:nvSpPr>
             <p:spPr>
               <a:xfrm>
-                <a:off x="15253753" y="13007160"/>
-                <a:ext cx="703529" cy="400110"/>
+                <a:off x="14963788" y="12905802"/>
+                <a:ext cx="689610" cy="400110"/>
               </a:xfrm>
               <a:prstGeom prst="rect">
                 <a:avLst/>
@@ -6639,78 +6648,18 @@
                       <a:schemeClr val="bg1"/>
                     </a:solidFill>
                   </a:rPr>
-                  <a:t>0.93</a:t>
+                  <a:t>0.98</a:t>
                 </a:r>
               </a:p>
             </p:txBody>
           </p:sp>
         </p:grpSp>
-        <p:sp>
-          <p:nvSpPr>
-            <p:cNvPr id="93" name="TextBox 92">
+        <p:grpSp>
+          <p:nvGrpSpPr>
+            <p:cNvPr id="108" name="Group 107">
               <a:extLst>
                 <a:ext uri="{FF2B5EF4-FFF2-40B4-BE49-F238E27FC236}">
-                  <a16:creationId xmlns:a16="http://schemas.microsoft.com/office/drawing/2014/main" id="{7A0B4347-6F04-4893-A15D-6E2A19606671}"/>
-                </a:ext>
-              </a:extLst>
-            </p:cNvPr>
-            <p:cNvSpPr txBox="1"/>
-            <p:nvPr/>
-          </p:nvSpPr>
-          <p:spPr>
-            <a:xfrm>
-              <a:off x="14922425" y="12848936"/>
-              <a:ext cx="833276" cy="400110"/>
-            </a:xfrm>
-            <a:prstGeom prst="rect">
-              <a:avLst/>
-            </a:prstGeom>
-            <a:noFill/>
-          </p:spPr>
-          <p:txBody>
-            <a:bodyPr wrap="square" rtlCol="0">
-              <a:spAutoFit/>
-            </a:bodyPr>
-            <a:lstStyle/>
-            <a:p>
-              <a:r>
-                <a:rPr lang="en-US" sz="2000" dirty="0">
-                  <a:solidFill>
-                    <a:schemeClr val="bg1"/>
-                  </a:solidFill>
-                </a:rPr>
-                <a:t>0.97</a:t>
-              </a:r>
-            </a:p>
-          </p:txBody>
-        </p:sp>
-      </p:grpSp>
-      <p:grpSp>
-        <p:nvGrpSpPr>
-          <p:cNvPr id="98" name="Group 97">
-            <a:extLst>
-              <a:ext uri="{FF2B5EF4-FFF2-40B4-BE49-F238E27FC236}">
-                <a16:creationId xmlns:a16="http://schemas.microsoft.com/office/drawing/2014/main" id="{8927DF22-DB44-4991-8EAD-ACF5A75FD60C}"/>
-              </a:ext>
-            </a:extLst>
-          </p:cNvPr>
-          <p:cNvGrpSpPr/>
-          <p:nvPr/>
-        </p:nvGrpSpPr>
-        <p:grpSpPr>
-          <a:xfrm>
-            <a:off x="18506709" y="14430408"/>
-            <a:ext cx="2078437" cy="2390381"/>
-            <a:chOff x="14755842" y="11985877"/>
-            <a:chExt cx="2078437" cy="2390381"/>
-          </a:xfrm>
-        </p:grpSpPr>
-        <p:grpSp>
-          <p:nvGrpSpPr>
-            <p:cNvPr id="99" name="Group 98">
-              <a:extLst>
-                <a:ext uri="{FF2B5EF4-FFF2-40B4-BE49-F238E27FC236}">
-                  <a16:creationId xmlns:a16="http://schemas.microsoft.com/office/drawing/2014/main" id="{3D38597B-05E5-4B6E-9D0A-E7248B68C63D}"/>
+                  <a16:creationId xmlns:a16="http://schemas.microsoft.com/office/drawing/2014/main" id="{7FA7498C-6875-4231-AFFC-35514D3D9FF2}"/>
                 </a:ext>
               </a:extLst>
             </p:cNvPr>
@@ -6719,18 +6668,18 @@
           </p:nvGrpSpPr>
           <p:grpSpPr>
             <a:xfrm>
-              <a:off x="14755842" y="11985877"/>
-              <a:ext cx="2078437" cy="2390381"/>
-              <a:chOff x="14576746" y="11376515"/>
-              <a:chExt cx="2078437" cy="2390381"/>
+              <a:off x="20131648" y="11563849"/>
+              <a:ext cx="2102952" cy="2381652"/>
+              <a:chOff x="14755842" y="11994606"/>
+              <a:chExt cx="2102952" cy="2381652"/>
             </a:xfrm>
           </p:grpSpPr>
           <p:grpSp>
             <p:nvGrpSpPr>
-              <p:cNvPr id="101" name="Group 100">
+              <p:cNvPr id="109" name="Group 108">
                 <a:extLst>
                   <a:ext uri="{FF2B5EF4-FFF2-40B4-BE49-F238E27FC236}">
-                    <a16:creationId xmlns:a16="http://schemas.microsoft.com/office/drawing/2014/main" id="{D6EC3473-8294-4862-B98B-BAD20A9D350B}"/>
+                    <a16:creationId xmlns:a16="http://schemas.microsoft.com/office/drawing/2014/main" id="{384B1133-36CA-49C2-BF4D-7D7E802C63CC}"/>
                   </a:ext>
                 </a:extLst>
               </p:cNvPr>
@@ -6739,181 +6688,315 @@
             </p:nvGrpSpPr>
             <p:grpSpPr>
               <a:xfrm>
-                <a:off x="14576746" y="11699067"/>
-                <a:ext cx="2078437" cy="2067829"/>
-                <a:chOff x="14208807" y="13699743"/>
-                <a:chExt cx="2799254" cy="2779979"/>
+                <a:off x="14755842" y="11994606"/>
+                <a:ext cx="2102952" cy="2381652"/>
+                <a:chOff x="14576746" y="11385244"/>
+                <a:chExt cx="2102952" cy="2381652"/>
               </a:xfrm>
             </p:grpSpPr>
-            <p:sp>
-              <p:nvSpPr>
-                <p:cNvPr id="105" name="Partial Circle 104">
+            <p:grpSp>
+              <p:nvGrpSpPr>
+                <p:cNvPr id="111" name="Group 110">
                   <a:extLst>
                     <a:ext uri="{FF2B5EF4-FFF2-40B4-BE49-F238E27FC236}">
-                      <a16:creationId xmlns:a16="http://schemas.microsoft.com/office/drawing/2014/main" id="{7C37422E-47CF-4B2F-B8FC-FE58EFD80063}"/>
+                      <a16:creationId xmlns:a16="http://schemas.microsoft.com/office/drawing/2014/main" id="{5D5EAEEF-AA83-4F80-AA84-C3B169E39295}"/>
                     </a:ext>
                   </a:extLst>
                 </p:cNvPr>
-                <p:cNvSpPr/>
+                <p:cNvGrpSpPr/>
+                <p:nvPr/>
+              </p:nvGrpSpPr>
+              <p:grpSpPr>
+                <a:xfrm>
+                  <a:off x="14576746" y="11699067"/>
+                  <a:ext cx="2078437" cy="2067829"/>
+                  <a:chOff x="14208807" y="13699743"/>
+                  <a:chExt cx="2799254" cy="2779979"/>
+                </a:xfrm>
+              </p:grpSpPr>
+              <p:sp>
+                <p:nvSpPr>
+                  <p:cNvPr id="115" name="Partial Circle 114">
+                    <a:extLst>
+                      <a:ext uri="{FF2B5EF4-FFF2-40B4-BE49-F238E27FC236}">
+                        <a16:creationId xmlns:a16="http://schemas.microsoft.com/office/drawing/2014/main" id="{1581C818-81C9-4706-BF68-10D4EE894773}"/>
+                      </a:ext>
+                    </a:extLst>
+                  </p:cNvPr>
+                  <p:cNvSpPr/>
+                  <p:nvPr/>
+                </p:nvSpPr>
+                <p:spPr>
+                  <a:xfrm>
+                    <a:off x="14208807" y="13748023"/>
+                    <a:ext cx="2779979" cy="2677011"/>
+                  </a:xfrm>
+                  <a:prstGeom prst="pie">
+                    <a:avLst>
+                      <a:gd name="adj1" fmla="val 8875730"/>
+                      <a:gd name="adj2" fmla="val 16200000"/>
+                    </a:avLst>
+                  </a:prstGeom>
+                  <a:solidFill>
+                    <a:srgbClr val="1B46A5"/>
+                  </a:solidFill>
+                </p:spPr>
+                <p:style>
+                  <a:lnRef idx="1">
+                    <a:schemeClr val="accent2"/>
+                  </a:lnRef>
+                  <a:fillRef idx="2">
+                    <a:schemeClr val="accent2"/>
+                  </a:fillRef>
+                  <a:effectRef idx="1">
+                    <a:schemeClr val="accent2"/>
+                  </a:effectRef>
+                  <a:fontRef idx="minor">
+                    <a:schemeClr val="dk1"/>
+                  </a:fontRef>
+                </p:style>
+                <p:txBody>
+                  <a:bodyPr rtlCol="0" anchor="ctr"/>
+                  <a:lstStyle/>
+                  <a:p>
+                    <a:pPr algn="ctr"/>
+                    <a:endParaRPr lang="en-US" sz="2400" dirty="0">
+                      <a:solidFill>
+                        <a:schemeClr val="tx1"/>
+                      </a:solidFill>
+                    </a:endParaRPr>
+                  </a:p>
+                </p:txBody>
+              </p:sp>
+              <p:sp>
+                <p:nvSpPr>
+                  <p:cNvPr id="116" name="Partial Circle 115">
+                    <a:extLst>
+                      <a:ext uri="{FF2B5EF4-FFF2-40B4-BE49-F238E27FC236}">
+                        <a16:creationId xmlns:a16="http://schemas.microsoft.com/office/drawing/2014/main" id="{F12C40A6-6B98-46D7-985A-75ACDFA8C728}"/>
+                      </a:ext>
+                    </a:extLst>
+                  </p:cNvPr>
+                  <p:cNvSpPr/>
+                  <p:nvPr/>
+                </p:nvSpPr>
+                <p:spPr>
+                  <a:xfrm rot="8579192">
+                    <a:off x="14228082" y="13760892"/>
+                    <a:ext cx="2779979" cy="2677011"/>
+                  </a:xfrm>
+                  <a:prstGeom prst="pie">
+                    <a:avLst>
+                      <a:gd name="adj1" fmla="val 7520100"/>
+                      <a:gd name="adj2" fmla="val 14986375"/>
+                    </a:avLst>
+                  </a:prstGeom>
+                  <a:solidFill>
+                    <a:srgbClr val="FF0000"/>
+                  </a:solidFill>
+                </p:spPr>
+                <p:style>
+                  <a:lnRef idx="1">
+                    <a:schemeClr val="accent5"/>
+                  </a:lnRef>
+                  <a:fillRef idx="2">
+                    <a:schemeClr val="accent5"/>
+                  </a:fillRef>
+                  <a:effectRef idx="1">
+                    <a:schemeClr val="accent5"/>
+                  </a:effectRef>
+                  <a:fontRef idx="minor">
+                    <a:schemeClr val="dk1"/>
+                  </a:fontRef>
+                </p:style>
+                <p:txBody>
+                  <a:bodyPr rtlCol="0" anchor="ctr"/>
+                  <a:lstStyle/>
+                  <a:p>
+                    <a:pPr algn="ctr"/>
+                    <a:endParaRPr lang="en-US" dirty="0">
+                      <a:solidFill>
+                        <a:schemeClr val="tx1"/>
+                      </a:solidFill>
+                    </a:endParaRPr>
+                  </a:p>
+                </p:txBody>
+              </p:sp>
+              <p:sp>
+                <p:nvSpPr>
+                  <p:cNvPr id="117" name="Partial Circle 116">
+                    <a:extLst>
+                      <a:ext uri="{FF2B5EF4-FFF2-40B4-BE49-F238E27FC236}">
+                        <a16:creationId xmlns:a16="http://schemas.microsoft.com/office/drawing/2014/main" id="{BF708AF0-C812-4A69-B3E5-E6364EEB6ECA}"/>
+                      </a:ext>
+                    </a:extLst>
+                  </p:cNvPr>
+                  <p:cNvSpPr/>
+                  <p:nvPr/>
+                </p:nvSpPr>
+                <p:spPr>
+                  <a:xfrm rot="15746399">
+                    <a:off x="14211545" y="13751227"/>
+                    <a:ext cx="2779979" cy="2677011"/>
+                  </a:xfrm>
+                  <a:prstGeom prst="pie">
+                    <a:avLst>
+                      <a:gd name="adj1" fmla="val 7740183"/>
+                      <a:gd name="adj2" fmla="val 14786473"/>
+                    </a:avLst>
+                  </a:prstGeom>
+                  <a:solidFill>
+                    <a:srgbClr val="0D7517"/>
+                  </a:solidFill>
+                </p:spPr>
+                <p:style>
+                  <a:lnRef idx="1">
+                    <a:schemeClr val="dk1"/>
+                  </a:lnRef>
+                  <a:fillRef idx="2">
+                    <a:schemeClr val="dk1"/>
+                  </a:fillRef>
+                  <a:effectRef idx="1">
+                    <a:schemeClr val="dk1"/>
+                  </a:effectRef>
+                  <a:fontRef idx="minor">
+                    <a:schemeClr val="dk1"/>
+                  </a:fontRef>
+                </p:style>
+                <p:txBody>
+                  <a:bodyPr rtlCol="0" anchor="ctr"/>
+                  <a:lstStyle/>
+                  <a:p>
+                    <a:pPr algn="ctr"/>
+                    <a:endParaRPr lang="en-US" dirty="0">
+                      <a:solidFill>
+                        <a:schemeClr val="tx1"/>
+                      </a:solidFill>
+                    </a:endParaRPr>
+                  </a:p>
+                </p:txBody>
+              </p:sp>
+            </p:grpSp>
+            <p:sp>
+              <p:nvSpPr>
+                <p:cNvPr id="112" name="TextBox 111">
+                  <a:extLst>
+                    <a:ext uri="{FF2B5EF4-FFF2-40B4-BE49-F238E27FC236}">
+                      <a16:creationId xmlns:a16="http://schemas.microsoft.com/office/drawing/2014/main" id="{54496D2F-23C6-4C7B-AF04-0C0AAEFA1E6E}"/>
+                    </a:ext>
+                  </a:extLst>
+                </p:cNvPr>
+                <p:cNvSpPr txBox="1"/>
                 <p:nvPr/>
               </p:nvSpPr>
               <p:spPr>
                 <a:xfrm>
-                  <a:off x="14208807" y="13748023"/>
-                  <a:ext cx="2779979" cy="2677011"/>
+                  <a:off x="14765369" y="11385244"/>
+                  <a:ext cx="1794708" cy="338554"/>
                 </a:xfrm>
-                <a:prstGeom prst="pie">
-                  <a:avLst>
-                    <a:gd name="adj1" fmla="val 8875730"/>
-                    <a:gd name="adj2" fmla="val 16200000"/>
-                  </a:avLst>
+                <a:prstGeom prst="rect">
+                  <a:avLst/>
                 </a:prstGeom>
-                <a:solidFill>
-                  <a:srgbClr val="1B46A5"/>
-                </a:solidFill>
+                <a:noFill/>
               </p:spPr>
-              <p:style>
-                <a:lnRef idx="1">
-                  <a:schemeClr val="accent2"/>
-                </a:lnRef>
-                <a:fillRef idx="2">
-                  <a:schemeClr val="accent2"/>
-                </a:fillRef>
-                <a:effectRef idx="1">
-                  <a:schemeClr val="accent2"/>
-                </a:effectRef>
-                <a:fontRef idx="minor">
-                  <a:schemeClr val="dk1"/>
-                </a:fontRef>
-              </p:style>
               <p:txBody>
-                <a:bodyPr rtlCol="0" anchor="ctr"/>
+                <a:bodyPr wrap="square" rtlCol="0">
+                  <a:spAutoFit/>
+                </a:bodyPr>
                 <a:lstStyle/>
                 <a:p>
-                  <a:pPr algn="ctr"/>
-                  <a:endParaRPr lang="en-US" sz="2400" dirty="0">
-                    <a:solidFill>
-                      <a:schemeClr val="tx1"/>
-                    </a:solidFill>
-                  </a:endParaRPr>
+                  <a:r>
+                    <a:rPr lang="en-US" sz="1600" b="1" dirty="0"/>
+                    <a:t>False Elliptical</a:t>
+                  </a:r>
                 </a:p>
               </p:txBody>
             </p:sp>
             <p:sp>
               <p:nvSpPr>
-                <p:cNvPr id="106" name="Partial Circle 105">
+                <p:cNvPr id="113" name="TextBox 112">
                   <a:extLst>
                     <a:ext uri="{FF2B5EF4-FFF2-40B4-BE49-F238E27FC236}">
-                      <a16:creationId xmlns:a16="http://schemas.microsoft.com/office/drawing/2014/main" id="{EF16E5B6-C4F9-48C9-A525-0480CEF7A52C}"/>
+                      <a16:creationId xmlns:a16="http://schemas.microsoft.com/office/drawing/2014/main" id="{0945ACA0-1B54-4E25-8693-D24EF58F4A65}"/>
                     </a:ext>
                   </a:extLst>
                 </p:cNvPr>
-                <p:cNvSpPr/>
+                <p:cNvSpPr txBox="1"/>
                 <p:nvPr/>
               </p:nvSpPr>
               <p:spPr>
-                <a:xfrm rot="8579192">
-                  <a:off x="14228082" y="13760892"/>
-                  <a:ext cx="2779979" cy="2677011"/>
+                <a:xfrm>
+                  <a:off x="15735107" y="12332981"/>
+                  <a:ext cx="944591" cy="400110"/>
                 </a:xfrm>
-                <a:prstGeom prst="pie">
-                  <a:avLst>
-                    <a:gd name="adj1" fmla="val 7520100"/>
-                    <a:gd name="adj2" fmla="val 14986375"/>
-                  </a:avLst>
+                <a:prstGeom prst="rect">
+                  <a:avLst/>
                 </a:prstGeom>
-                <a:solidFill>
-                  <a:srgbClr val="FF0000"/>
-                </a:solidFill>
+                <a:noFill/>
               </p:spPr>
-              <p:style>
-                <a:lnRef idx="1">
-                  <a:schemeClr val="accent5"/>
-                </a:lnRef>
-                <a:fillRef idx="2">
-                  <a:schemeClr val="accent5"/>
-                </a:fillRef>
-                <a:effectRef idx="1">
-                  <a:schemeClr val="accent5"/>
-                </a:effectRef>
-                <a:fontRef idx="minor">
-                  <a:schemeClr val="dk1"/>
-                </a:fontRef>
-              </p:style>
               <p:txBody>
-                <a:bodyPr rtlCol="0" anchor="ctr"/>
+                <a:bodyPr wrap="square" rtlCol="0">
+                  <a:spAutoFit/>
+                </a:bodyPr>
                 <a:lstStyle/>
                 <a:p>
-                  <a:pPr algn="ctr"/>
-                  <a:endParaRPr lang="en-US" dirty="0">
-                    <a:solidFill>
-                      <a:schemeClr val="tx1"/>
-                    </a:solidFill>
-                  </a:endParaRPr>
+                  <a:r>
+                    <a:rPr lang="en-US" sz="2000" dirty="0">
+                      <a:solidFill>
+                        <a:schemeClr val="bg1"/>
+                      </a:solidFill>
+                    </a:rPr>
+                    <a:t>0.11</a:t>
+                  </a:r>
                 </a:p>
               </p:txBody>
             </p:sp>
             <p:sp>
               <p:nvSpPr>
-                <p:cNvPr id="107" name="Partial Circle 106">
+                <p:cNvPr id="114" name="TextBox 113">
                   <a:extLst>
                     <a:ext uri="{FF2B5EF4-FFF2-40B4-BE49-F238E27FC236}">
-                      <a16:creationId xmlns:a16="http://schemas.microsoft.com/office/drawing/2014/main" id="{5FD3FD16-970F-4D6B-81F0-7E01AE3BC9A7}"/>
+                      <a16:creationId xmlns:a16="http://schemas.microsoft.com/office/drawing/2014/main" id="{08521E5A-4DCE-4993-8F26-554C9C58AA47}"/>
                     </a:ext>
                   </a:extLst>
                 </p:cNvPr>
-                <p:cNvSpPr/>
+                <p:cNvSpPr txBox="1"/>
                 <p:nvPr/>
               </p:nvSpPr>
               <p:spPr>
-                <a:xfrm rot="15746399">
-                  <a:off x="14211545" y="13751227"/>
-                  <a:ext cx="2779979" cy="2677011"/>
+                <a:xfrm>
+                  <a:off x="15151546" y="13064982"/>
+                  <a:ext cx="1054960" cy="400110"/>
                 </a:xfrm>
-                <a:prstGeom prst="pie">
-                  <a:avLst>
-                    <a:gd name="adj1" fmla="val 7740183"/>
-                    <a:gd name="adj2" fmla="val 14786473"/>
-                  </a:avLst>
+                <a:prstGeom prst="rect">
+                  <a:avLst/>
                 </a:prstGeom>
-                <a:solidFill>
-                  <a:srgbClr val="0D7517"/>
-                </a:solidFill>
+                <a:noFill/>
               </p:spPr>
-              <p:style>
-                <a:lnRef idx="1">
-                  <a:schemeClr val="dk1"/>
-                </a:lnRef>
-                <a:fillRef idx="2">
-                  <a:schemeClr val="dk1"/>
-                </a:fillRef>
-                <a:effectRef idx="1">
-                  <a:schemeClr val="dk1"/>
-                </a:effectRef>
-                <a:fontRef idx="minor">
-                  <a:schemeClr val="dk1"/>
-                </a:fontRef>
-              </p:style>
               <p:txBody>
-                <a:bodyPr rtlCol="0" anchor="ctr"/>
+                <a:bodyPr wrap="square" rtlCol="0">
+                  <a:spAutoFit/>
+                </a:bodyPr>
                 <a:lstStyle/>
                 <a:p>
-                  <a:pPr algn="ctr"/>
-                  <a:endParaRPr lang="en-US" dirty="0">
-                    <a:solidFill>
-                      <a:schemeClr val="tx1"/>
-                    </a:solidFill>
-                  </a:endParaRPr>
+                  <a:r>
+                    <a:rPr lang="en-US" sz="2000" dirty="0">
+                      <a:solidFill>
+                        <a:schemeClr val="bg1"/>
+                      </a:solidFill>
+                    </a:rPr>
+                    <a:t>0.074</a:t>
+                  </a:r>
                 </a:p>
               </p:txBody>
             </p:sp>
           </p:grpSp>
           <p:sp>
             <p:nvSpPr>
-              <p:cNvPr id="102" name="TextBox 101">
+              <p:cNvPr id="110" name="TextBox 109">
                 <a:extLst>
                   <a:ext uri="{FF2B5EF4-FFF2-40B4-BE49-F238E27FC236}">
-                    <a16:creationId xmlns:a16="http://schemas.microsoft.com/office/drawing/2014/main" id="{5C7F4206-8DFF-441E-98FF-9481FB7B3AA9}"/>
+                    <a16:creationId xmlns:a16="http://schemas.microsoft.com/office/drawing/2014/main" id="{F6874D3F-C4B6-4838-9030-A4CC71718BB5}"/>
                   </a:ext>
                 </a:extLst>
               </p:cNvPr>
@@ -6922,43 +7005,8 @@
             </p:nvSpPr>
             <p:spPr>
               <a:xfrm>
-                <a:off x="15011834" y="11376515"/>
-                <a:ext cx="1242333" cy="338554"/>
-              </a:xfrm>
-              <a:prstGeom prst="rect">
-                <a:avLst/>
-              </a:prstGeom>
-              <a:noFill/>
-            </p:spPr>
-            <p:txBody>
-              <a:bodyPr wrap="square" rtlCol="0">
-                <a:spAutoFit/>
-              </a:bodyPr>
-              <a:lstStyle/>
-              <a:p>
-                <a:r>
-                  <a:rPr lang="en-US" sz="1600" b="1" dirty="0"/>
-                  <a:t>True Spiral</a:t>
-                </a:r>
-              </a:p>
-            </p:txBody>
-          </p:sp>
-          <p:sp>
-            <p:nvSpPr>
-              <p:cNvPr id="103" name="TextBox 102">
-                <a:extLst>
-                  <a:ext uri="{FF2B5EF4-FFF2-40B4-BE49-F238E27FC236}">
-                    <a16:creationId xmlns:a16="http://schemas.microsoft.com/office/drawing/2014/main" id="{B9C0B572-DF16-47DE-910B-3A91EEBA0887}"/>
-                  </a:ext>
-                </a:extLst>
-              </p:cNvPr>
-              <p:cNvSpPr txBox="1"/>
-              <p:nvPr/>
-            </p:nvSpPr>
-            <p:spPr>
-              <a:xfrm>
-                <a:off x="15744532" y="12330469"/>
-                <a:ext cx="798151" cy="400110"/>
+                <a:off x="14997542" y="12929943"/>
+                <a:ext cx="1164057" cy="400110"/>
               </a:xfrm>
               <a:prstGeom prst="rect">
                 <a:avLst/>
@@ -6977,17 +7025,355 @@
                       <a:schemeClr val="bg1"/>
                     </a:solidFill>
                   </a:rPr>
-                  <a:t>0.74</a:t>
+                  <a:t>0.034</a:t>
                 </a:r>
               </a:p>
             </p:txBody>
           </p:sp>
+        </p:grpSp>
+        <p:grpSp>
+          <p:nvGrpSpPr>
+            <p:cNvPr id="118" name="Group 117">
+              <a:extLst>
+                <a:ext uri="{FF2B5EF4-FFF2-40B4-BE49-F238E27FC236}">
+                  <a16:creationId xmlns:a16="http://schemas.microsoft.com/office/drawing/2014/main" id="{754133C3-2C4B-4E5E-B713-F770158F2ABF}"/>
+                </a:ext>
+              </a:extLst>
+            </p:cNvPr>
+            <p:cNvGrpSpPr/>
+            <p:nvPr/>
+          </p:nvGrpSpPr>
+          <p:grpSpPr>
+            <a:xfrm>
+              <a:off x="17451415" y="14250029"/>
+              <a:ext cx="2098592" cy="2381652"/>
+              <a:chOff x="14755842" y="11994606"/>
+              <a:chExt cx="2098592" cy="2381652"/>
+            </a:xfrm>
+          </p:grpSpPr>
+          <p:grpSp>
+            <p:nvGrpSpPr>
+              <p:cNvPr id="119" name="Group 118">
+                <a:extLst>
+                  <a:ext uri="{FF2B5EF4-FFF2-40B4-BE49-F238E27FC236}">
+                    <a16:creationId xmlns:a16="http://schemas.microsoft.com/office/drawing/2014/main" id="{A6C37134-9DC2-4757-B460-F7B1A4733494}"/>
+                  </a:ext>
+                </a:extLst>
+              </p:cNvPr>
+              <p:cNvGrpSpPr/>
+              <p:nvPr/>
+            </p:nvGrpSpPr>
+            <p:grpSpPr>
+              <a:xfrm>
+                <a:off x="14755842" y="11994606"/>
+                <a:ext cx="2098592" cy="2381652"/>
+                <a:chOff x="14576746" y="11385244"/>
+                <a:chExt cx="2098592" cy="2381652"/>
+              </a:xfrm>
+            </p:grpSpPr>
+            <p:grpSp>
+              <p:nvGrpSpPr>
+                <p:cNvPr id="121" name="Group 120">
+                  <a:extLst>
+                    <a:ext uri="{FF2B5EF4-FFF2-40B4-BE49-F238E27FC236}">
+                      <a16:creationId xmlns:a16="http://schemas.microsoft.com/office/drawing/2014/main" id="{D2E1CC38-E183-47AB-89D4-046BDBE17222}"/>
+                    </a:ext>
+                  </a:extLst>
+                </p:cNvPr>
+                <p:cNvGrpSpPr/>
+                <p:nvPr/>
+              </p:nvGrpSpPr>
+              <p:grpSpPr>
+                <a:xfrm>
+                  <a:off x="14576746" y="11699067"/>
+                  <a:ext cx="2078437" cy="2067829"/>
+                  <a:chOff x="14208807" y="13699743"/>
+                  <a:chExt cx="2799254" cy="2779979"/>
+                </a:xfrm>
+              </p:grpSpPr>
+              <p:sp>
+                <p:nvSpPr>
+                  <p:cNvPr id="125" name="Partial Circle 124">
+                    <a:extLst>
+                      <a:ext uri="{FF2B5EF4-FFF2-40B4-BE49-F238E27FC236}">
+                        <a16:creationId xmlns:a16="http://schemas.microsoft.com/office/drawing/2014/main" id="{1E362F20-4136-494A-9E31-F9F5243B05B8}"/>
+                      </a:ext>
+                    </a:extLst>
+                  </p:cNvPr>
+                  <p:cNvSpPr/>
+                  <p:nvPr/>
+                </p:nvSpPr>
+                <p:spPr>
+                  <a:xfrm>
+                    <a:off x="14208807" y="13748023"/>
+                    <a:ext cx="2779979" cy="2677011"/>
+                  </a:xfrm>
+                  <a:prstGeom prst="pie">
+                    <a:avLst>
+                      <a:gd name="adj1" fmla="val 8875730"/>
+                      <a:gd name="adj2" fmla="val 16200000"/>
+                    </a:avLst>
+                  </a:prstGeom>
+                  <a:solidFill>
+                    <a:srgbClr val="1B46A5"/>
+                  </a:solidFill>
+                </p:spPr>
+                <p:style>
+                  <a:lnRef idx="1">
+                    <a:schemeClr val="accent2"/>
+                  </a:lnRef>
+                  <a:fillRef idx="2">
+                    <a:schemeClr val="accent2"/>
+                  </a:fillRef>
+                  <a:effectRef idx="1">
+                    <a:schemeClr val="accent2"/>
+                  </a:effectRef>
+                  <a:fontRef idx="minor">
+                    <a:schemeClr val="dk1"/>
+                  </a:fontRef>
+                </p:style>
+                <p:txBody>
+                  <a:bodyPr rtlCol="0" anchor="ctr"/>
+                  <a:lstStyle/>
+                  <a:p>
+                    <a:pPr algn="ctr"/>
+                    <a:endParaRPr lang="en-US" sz="2400" dirty="0">
+                      <a:solidFill>
+                        <a:schemeClr val="tx1"/>
+                      </a:solidFill>
+                    </a:endParaRPr>
+                  </a:p>
+                </p:txBody>
+              </p:sp>
+              <p:sp>
+                <p:nvSpPr>
+                  <p:cNvPr id="126" name="Partial Circle 125">
+                    <a:extLst>
+                      <a:ext uri="{FF2B5EF4-FFF2-40B4-BE49-F238E27FC236}">
+                        <a16:creationId xmlns:a16="http://schemas.microsoft.com/office/drawing/2014/main" id="{67958EAA-EE2B-464B-8295-E1B361F8ADFD}"/>
+                      </a:ext>
+                    </a:extLst>
+                  </p:cNvPr>
+                  <p:cNvSpPr/>
+                  <p:nvPr/>
+                </p:nvSpPr>
+                <p:spPr>
+                  <a:xfrm rot="8579192">
+                    <a:off x="14228082" y="13760892"/>
+                    <a:ext cx="2779979" cy="2677011"/>
+                  </a:xfrm>
+                  <a:prstGeom prst="pie">
+                    <a:avLst>
+                      <a:gd name="adj1" fmla="val 7520100"/>
+                      <a:gd name="adj2" fmla="val 14986375"/>
+                    </a:avLst>
+                  </a:prstGeom>
+                  <a:solidFill>
+                    <a:srgbClr val="FF0000"/>
+                  </a:solidFill>
+                </p:spPr>
+                <p:style>
+                  <a:lnRef idx="1">
+                    <a:schemeClr val="accent5"/>
+                  </a:lnRef>
+                  <a:fillRef idx="2">
+                    <a:schemeClr val="accent5"/>
+                  </a:fillRef>
+                  <a:effectRef idx="1">
+                    <a:schemeClr val="accent5"/>
+                  </a:effectRef>
+                  <a:fontRef idx="minor">
+                    <a:schemeClr val="dk1"/>
+                  </a:fontRef>
+                </p:style>
+                <p:txBody>
+                  <a:bodyPr rtlCol="0" anchor="ctr"/>
+                  <a:lstStyle/>
+                  <a:p>
+                    <a:pPr algn="ctr"/>
+                    <a:endParaRPr lang="en-US" dirty="0">
+                      <a:solidFill>
+                        <a:schemeClr val="tx1"/>
+                      </a:solidFill>
+                    </a:endParaRPr>
+                  </a:p>
+                </p:txBody>
+              </p:sp>
+              <p:sp>
+                <p:nvSpPr>
+                  <p:cNvPr id="127" name="Partial Circle 126">
+                    <a:extLst>
+                      <a:ext uri="{FF2B5EF4-FFF2-40B4-BE49-F238E27FC236}">
+                        <a16:creationId xmlns:a16="http://schemas.microsoft.com/office/drawing/2014/main" id="{5C982583-4AE7-4649-A577-2A44A5D82F7A}"/>
+                      </a:ext>
+                    </a:extLst>
+                  </p:cNvPr>
+                  <p:cNvSpPr/>
+                  <p:nvPr/>
+                </p:nvSpPr>
+                <p:spPr>
+                  <a:xfrm rot="15746399">
+                    <a:off x="14211545" y="13751227"/>
+                    <a:ext cx="2779979" cy="2677011"/>
+                  </a:xfrm>
+                  <a:prstGeom prst="pie">
+                    <a:avLst>
+                      <a:gd name="adj1" fmla="val 7740183"/>
+                      <a:gd name="adj2" fmla="val 14786473"/>
+                    </a:avLst>
+                  </a:prstGeom>
+                  <a:solidFill>
+                    <a:srgbClr val="0D7517"/>
+                  </a:solidFill>
+                </p:spPr>
+                <p:style>
+                  <a:lnRef idx="1">
+                    <a:schemeClr val="dk1"/>
+                  </a:lnRef>
+                  <a:fillRef idx="2">
+                    <a:schemeClr val="dk1"/>
+                  </a:fillRef>
+                  <a:effectRef idx="1">
+                    <a:schemeClr val="dk1"/>
+                  </a:effectRef>
+                  <a:fontRef idx="minor">
+                    <a:schemeClr val="dk1"/>
+                  </a:fontRef>
+                </p:style>
+                <p:txBody>
+                  <a:bodyPr rtlCol="0" anchor="ctr"/>
+                  <a:lstStyle/>
+                  <a:p>
+                    <a:pPr algn="ctr"/>
+                    <a:endParaRPr lang="en-US" dirty="0">
+                      <a:solidFill>
+                        <a:schemeClr val="tx1"/>
+                      </a:solidFill>
+                    </a:endParaRPr>
+                  </a:p>
+                </p:txBody>
+              </p:sp>
+            </p:grpSp>
+            <p:sp>
+              <p:nvSpPr>
+                <p:cNvPr id="122" name="TextBox 121">
+                  <a:extLst>
+                    <a:ext uri="{FF2B5EF4-FFF2-40B4-BE49-F238E27FC236}">
+                      <a16:creationId xmlns:a16="http://schemas.microsoft.com/office/drawing/2014/main" id="{117CE1F6-4120-4C1E-A76C-F9AE43C67460}"/>
+                    </a:ext>
+                  </a:extLst>
+                </p:cNvPr>
+                <p:cNvSpPr txBox="1"/>
+                <p:nvPr/>
+              </p:nvSpPr>
+              <p:spPr>
+                <a:xfrm>
+                  <a:off x="14880630" y="11385244"/>
+                  <a:ext cx="1794708" cy="338554"/>
+                </a:xfrm>
+                <a:prstGeom prst="rect">
+                  <a:avLst/>
+                </a:prstGeom>
+                <a:noFill/>
+              </p:spPr>
+              <p:txBody>
+                <a:bodyPr wrap="square" rtlCol="0">
+                  <a:spAutoFit/>
+                </a:bodyPr>
+                <a:lstStyle/>
+                <a:p>
+                  <a:r>
+                    <a:rPr lang="en-US" sz="1600" b="1" dirty="0"/>
+                    <a:t>False Elliptical</a:t>
+                  </a:r>
+                </a:p>
+              </p:txBody>
+            </p:sp>
+            <p:sp>
+              <p:nvSpPr>
+                <p:cNvPr id="123" name="TextBox 122">
+                  <a:extLst>
+                    <a:ext uri="{FF2B5EF4-FFF2-40B4-BE49-F238E27FC236}">
+                      <a16:creationId xmlns:a16="http://schemas.microsoft.com/office/drawing/2014/main" id="{CB37C392-2EF3-42FA-A901-C74A007223B4}"/>
+                    </a:ext>
+                  </a:extLst>
+                </p:cNvPr>
+                <p:cNvSpPr txBox="1"/>
+                <p:nvPr/>
+              </p:nvSpPr>
+              <p:spPr>
+                <a:xfrm>
+                  <a:off x="15753575" y="12268452"/>
+                  <a:ext cx="702042" cy="400110"/>
+                </a:xfrm>
+                <a:prstGeom prst="rect">
+                  <a:avLst/>
+                </a:prstGeom>
+                <a:noFill/>
+              </p:spPr>
+              <p:txBody>
+                <a:bodyPr wrap="square" rtlCol="0">
+                  <a:spAutoFit/>
+                </a:bodyPr>
+                <a:lstStyle/>
+                <a:p>
+                  <a:r>
+                    <a:rPr lang="en-US" sz="2000" dirty="0">
+                      <a:solidFill>
+                        <a:schemeClr val="bg1"/>
+                      </a:solidFill>
+                    </a:rPr>
+                    <a:t>0.26</a:t>
+                  </a:r>
+                </a:p>
+              </p:txBody>
+            </p:sp>
+            <p:sp>
+              <p:nvSpPr>
+                <p:cNvPr id="124" name="TextBox 123">
+                  <a:extLst>
+                    <a:ext uri="{FF2B5EF4-FFF2-40B4-BE49-F238E27FC236}">
+                      <a16:creationId xmlns:a16="http://schemas.microsoft.com/office/drawing/2014/main" id="{BFD04BC1-B943-43DC-AFF2-AC5C2DB9461E}"/>
+                    </a:ext>
+                  </a:extLst>
+                </p:cNvPr>
+                <p:cNvSpPr txBox="1"/>
+                <p:nvPr/>
+              </p:nvSpPr>
+              <p:spPr>
+                <a:xfrm>
+                  <a:off x="15211013" y="13003857"/>
+                  <a:ext cx="942317" cy="400110"/>
+                </a:xfrm>
+                <a:prstGeom prst="rect">
+                  <a:avLst/>
+                </a:prstGeom>
+                <a:noFill/>
+              </p:spPr>
+              <p:txBody>
+                <a:bodyPr wrap="square" rtlCol="0">
+                  <a:spAutoFit/>
+                </a:bodyPr>
+                <a:lstStyle/>
+                <a:p>
+                  <a:r>
+                    <a:rPr lang="en-US" sz="2000" dirty="0">
+                      <a:solidFill>
+                        <a:schemeClr val="bg1"/>
+                      </a:solidFill>
+                    </a:rPr>
+                    <a:t>0.044</a:t>
+                  </a:r>
+                </a:p>
+              </p:txBody>
+            </p:sp>
+          </p:grpSp>
           <p:sp>
             <p:nvSpPr>
-              <p:cNvPr id="104" name="TextBox 103">
+              <p:cNvPr id="120" name="TextBox 119">
                 <a:extLst>
                   <a:ext uri="{FF2B5EF4-FFF2-40B4-BE49-F238E27FC236}">
-                    <a16:creationId xmlns:a16="http://schemas.microsoft.com/office/drawing/2014/main" id="{33022823-229C-4CC9-ACA8-35B59678E618}"/>
+                    <a16:creationId xmlns:a16="http://schemas.microsoft.com/office/drawing/2014/main" id="{3073DD5B-A155-4512-8E9E-BAA7D52172FE}"/>
                   </a:ext>
                 </a:extLst>
               </p:cNvPr>
@@ -6996,8 +7382,8 @@
             </p:nvSpPr>
             <p:spPr>
               <a:xfrm>
-                <a:off x="15260454" y="13070431"/>
-                <a:ext cx="687067" cy="400110"/>
+                <a:off x="14888559" y="12877409"/>
+                <a:ext cx="1039477" cy="400110"/>
               </a:xfrm>
               <a:prstGeom prst="rect">
                 <a:avLst/>
@@ -7016,805 +7402,12 @@
                       <a:schemeClr val="bg1"/>
                     </a:solidFill>
                   </a:rPr>
-                  <a:t>0.96</a:t>
+                  <a:t>0.017</a:t>
                 </a:r>
               </a:p>
             </p:txBody>
           </p:sp>
         </p:grpSp>
-        <p:sp>
-          <p:nvSpPr>
-            <p:cNvPr id="100" name="TextBox 99">
-              <a:extLst>
-                <a:ext uri="{FF2B5EF4-FFF2-40B4-BE49-F238E27FC236}">
-                  <a16:creationId xmlns:a16="http://schemas.microsoft.com/office/drawing/2014/main" id="{EA6E8B8F-7D3D-4A02-BD7D-6D178A61D614}"/>
-                </a:ext>
-              </a:extLst>
-            </p:cNvPr>
-            <p:cNvSpPr txBox="1"/>
-            <p:nvPr/>
-          </p:nvSpPr>
-          <p:spPr>
-            <a:xfrm>
-              <a:off x="14963788" y="12905802"/>
-              <a:ext cx="689610" cy="400110"/>
-            </a:xfrm>
-            <a:prstGeom prst="rect">
-              <a:avLst/>
-            </a:prstGeom>
-            <a:noFill/>
-          </p:spPr>
-          <p:txBody>
-            <a:bodyPr wrap="square" rtlCol="0">
-              <a:spAutoFit/>
-            </a:bodyPr>
-            <a:lstStyle/>
-            <a:p>
-              <a:r>
-                <a:rPr lang="en-US" sz="2000" dirty="0">
-                  <a:solidFill>
-                    <a:schemeClr val="bg1"/>
-                  </a:solidFill>
-                </a:rPr>
-                <a:t>0.98</a:t>
-              </a:r>
-            </a:p>
-          </p:txBody>
-        </p:sp>
-      </p:grpSp>
-      <p:grpSp>
-        <p:nvGrpSpPr>
-          <p:cNvPr id="108" name="Group 107">
-            <a:extLst>
-              <a:ext uri="{FF2B5EF4-FFF2-40B4-BE49-F238E27FC236}">
-                <a16:creationId xmlns:a16="http://schemas.microsoft.com/office/drawing/2014/main" id="{7FA7498C-6875-4231-AFFC-35514D3D9FF2}"/>
-              </a:ext>
-            </a:extLst>
-          </p:cNvPr>
-          <p:cNvGrpSpPr/>
-          <p:nvPr/>
-        </p:nvGrpSpPr>
-        <p:grpSpPr>
-          <a:xfrm>
-            <a:off x="18526864" y="11759264"/>
-            <a:ext cx="2102952" cy="2381652"/>
-            <a:chOff x="14755842" y="11994606"/>
-            <a:chExt cx="2102952" cy="2381652"/>
-          </a:xfrm>
-        </p:grpSpPr>
-        <p:grpSp>
-          <p:nvGrpSpPr>
-            <p:cNvPr id="109" name="Group 108">
-              <a:extLst>
-                <a:ext uri="{FF2B5EF4-FFF2-40B4-BE49-F238E27FC236}">
-                  <a16:creationId xmlns:a16="http://schemas.microsoft.com/office/drawing/2014/main" id="{384B1133-36CA-49C2-BF4D-7D7E802C63CC}"/>
-                </a:ext>
-              </a:extLst>
-            </p:cNvPr>
-            <p:cNvGrpSpPr/>
-            <p:nvPr/>
-          </p:nvGrpSpPr>
-          <p:grpSpPr>
-            <a:xfrm>
-              <a:off x="14755842" y="11994606"/>
-              <a:ext cx="2102952" cy="2381652"/>
-              <a:chOff x="14576746" y="11385244"/>
-              <a:chExt cx="2102952" cy="2381652"/>
-            </a:xfrm>
-          </p:grpSpPr>
-          <p:grpSp>
-            <p:nvGrpSpPr>
-              <p:cNvPr id="111" name="Group 110">
-                <a:extLst>
-                  <a:ext uri="{FF2B5EF4-FFF2-40B4-BE49-F238E27FC236}">
-                    <a16:creationId xmlns:a16="http://schemas.microsoft.com/office/drawing/2014/main" id="{5D5EAEEF-AA83-4F80-AA84-C3B169E39295}"/>
-                  </a:ext>
-                </a:extLst>
-              </p:cNvPr>
-              <p:cNvGrpSpPr/>
-              <p:nvPr/>
-            </p:nvGrpSpPr>
-            <p:grpSpPr>
-              <a:xfrm>
-                <a:off x="14576746" y="11699067"/>
-                <a:ext cx="2078437" cy="2067829"/>
-                <a:chOff x="14208807" y="13699743"/>
-                <a:chExt cx="2799254" cy="2779979"/>
-              </a:xfrm>
-            </p:grpSpPr>
-            <p:sp>
-              <p:nvSpPr>
-                <p:cNvPr id="115" name="Partial Circle 114">
-                  <a:extLst>
-                    <a:ext uri="{FF2B5EF4-FFF2-40B4-BE49-F238E27FC236}">
-                      <a16:creationId xmlns:a16="http://schemas.microsoft.com/office/drawing/2014/main" id="{1581C818-81C9-4706-BF68-10D4EE894773}"/>
-                    </a:ext>
-                  </a:extLst>
-                </p:cNvPr>
-                <p:cNvSpPr/>
-                <p:nvPr/>
-              </p:nvSpPr>
-              <p:spPr>
-                <a:xfrm>
-                  <a:off x="14208807" y="13748023"/>
-                  <a:ext cx="2779979" cy="2677011"/>
-                </a:xfrm>
-                <a:prstGeom prst="pie">
-                  <a:avLst>
-                    <a:gd name="adj1" fmla="val 8875730"/>
-                    <a:gd name="adj2" fmla="val 16200000"/>
-                  </a:avLst>
-                </a:prstGeom>
-                <a:solidFill>
-                  <a:srgbClr val="1B46A5"/>
-                </a:solidFill>
-              </p:spPr>
-              <p:style>
-                <a:lnRef idx="1">
-                  <a:schemeClr val="accent2"/>
-                </a:lnRef>
-                <a:fillRef idx="2">
-                  <a:schemeClr val="accent2"/>
-                </a:fillRef>
-                <a:effectRef idx="1">
-                  <a:schemeClr val="accent2"/>
-                </a:effectRef>
-                <a:fontRef idx="minor">
-                  <a:schemeClr val="dk1"/>
-                </a:fontRef>
-              </p:style>
-              <p:txBody>
-                <a:bodyPr rtlCol="0" anchor="ctr"/>
-                <a:lstStyle/>
-                <a:p>
-                  <a:pPr algn="ctr"/>
-                  <a:endParaRPr lang="en-US" sz="2400" dirty="0">
-                    <a:solidFill>
-                      <a:schemeClr val="tx1"/>
-                    </a:solidFill>
-                  </a:endParaRPr>
-                </a:p>
-              </p:txBody>
-            </p:sp>
-            <p:sp>
-              <p:nvSpPr>
-                <p:cNvPr id="116" name="Partial Circle 115">
-                  <a:extLst>
-                    <a:ext uri="{FF2B5EF4-FFF2-40B4-BE49-F238E27FC236}">
-                      <a16:creationId xmlns:a16="http://schemas.microsoft.com/office/drawing/2014/main" id="{F12C40A6-6B98-46D7-985A-75ACDFA8C728}"/>
-                    </a:ext>
-                  </a:extLst>
-                </p:cNvPr>
-                <p:cNvSpPr/>
-                <p:nvPr/>
-              </p:nvSpPr>
-              <p:spPr>
-                <a:xfrm rot="8579192">
-                  <a:off x="14228082" y="13760892"/>
-                  <a:ext cx="2779979" cy="2677011"/>
-                </a:xfrm>
-                <a:prstGeom prst="pie">
-                  <a:avLst>
-                    <a:gd name="adj1" fmla="val 7520100"/>
-                    <a:gd name="adj2" fmla="val 14986375"/>
-                  </a:avLst>
-                </a:prstGeom>
-                <a:solidFill>
-                  <a:srgbClr val="FF0000"/>
-                </a:solidFill>
-              </p:spPr>
-              <p:style>
-                <a:lnRef idx="1">
-                  <a:schemeClr val="accent5"/>
-                </a:lnRef>
-                <a:fillRef idx="2">
-                  <a:schemeClr val="accent5"/>
-                </a:fillRef>
-                <a:effectRef idx="1">
-                  <a:schemeClr val="accent5"/>
-                </a:effectRef>
-                <a:fontRef idx="minor">
-                  <a:schemeClr val="dk1"/>
-                </a:fontRef>
-              </p:style>
-              <p:txBody>
-                <a:bodyPr rtlCol="0" anchor="ctr"/>
-                <a:lstStyle/>
-                <a:p>
-                  <a:pPr algn="ctr"/>
-                  <a:endParaRPr lang="en-US" dirty="0">
-                    <a:solidFill>
-                      <a:schemeClr val="tx1"/>
-                    </a:solidFill>
-                  </a:endParaRPr>
-                </a:p>
-              </p:txBody>
-            </p:sp>
-            <p:sp>
-              <p:nvSpPr>
-                <p:cNvPr id="117" name="Partial Circle 116">
-                  <a:extLst>
-                    <a:ext uri="{FF2B5EF4-FFF2-40B4-BE49-F238E27FC236}">
-                      <a16:creationId xmlns:a16="http://schemas.microsoft.com/office/drawing/2014/main" id="{BF708AF0-C812-4A69-B3E5-E6364EEB6ECA}"/>
-                    </a:ext>
-                  </a:extLst>
-                </p:cNvPr>
-                <p:cNvSpPr/>
-                <p:nvPr/>
-              </p:nvSpPr>
-              <p:spPr>
-                <a:xfrm rot="15746399">
-                  <a:off x="14211545" y="13751227"/>
-                  <a:ext cx="2779979" cy="2677011"/>
-                </a:xfrm>
-                <a:prstGeom prst="pie">
-                  <a:avLst>
-                    <a:gd name="adj1" fmla="val 7740183"/>
-                    <a:gd name="adj2" fmla="val 14786473"/>
-                  </a:avLst>
-                </a:prstGeom>
-                <a:solidFill>
-                  <a:srgbClr val="0D7517"/>
-                </a:solidFill>
-              </p:spPr>
-              <p:style>
-                <a:lnRef idx="1">
-                  <a:schemeClr val="dk1"/>
-                </a:lnRef>
-                <a:fillRef idx="2">
-                  <a:schemeClr val="dk1"/>
-                </a:fillRef>
-                <a:effectRef idx="1">
-                  <a:schemeClr val="dk1"/>
-                </a:effectRef>
-                <a:fontRef idx="minor">
-                  <a:schemeClr val="dk1"/>
-                </a:fontRef>
-              </p:style>
-              <p:txBody>
-                <a:bodyPr rtlCol="0" anchor="ctr"/>
-                <a:lstStyle/>
-                <a:p>
-                  <a:pPr algn="ctr"/>
-                  <a:endParaRPr lang="en-US" dirty="0">
-                    <a:solidFill>
-                      <a:schemeClr val="tx1"/>
-                    </a:solidFill>
-                  </a:endParaRPr>
-                </a:p>
-              </p:txBody>
-            </p:sp>
-          </p:grpSp>
-          <p:sp>
-            <p:nvSpPr>
-              <p:cNvPr id="112" name="TextBox 111">
-                <a:extLst>
-                  <a:ext uri="{FF2B5EF4-FFF2-40B4-BE49-F238E27FC236}">
-                    <a16:creationId xmlns:a16="http://schemas.microsoft.com/office/drawing/2014/main" id="{54496D2F-23C6-4C7B-AF04-0C0AAEFA1E6E}"/>
-                  </a:ext>
-                </a:extLst>
-              </p:cNvPr>
-              <p:cNvSpPr txBox="1"/>
-              <p:nvPr/>
-            </p:nvSpPr>
-            <p:spPr>
-              <a:xfrm>
-                <a:off x="14765369" y="11385244"/>
-                <a:ext cx="1794708" cy="338554"/>
-              </a:xfrm>
-              <a:prstGeom prst="rect">
-                <a:avLst/>
-              </a:prstGeom>
-              <a:noFill/>
-            </p:spPr>
-            <p:txBody>
-              <a:bodyPr wrap="square" rtlCol="0">
-                <a:spAutoFit/>
-              </a:bodyPr>
-              <a:lstStyle/>
-              <a:p>
-                <a:r>
-                  <a:rPr lang="en-US" sz="1600" b="1" dirty="0"/>
-                  <a:t>False Elliptical</a:t>
-                </a:r>
-              </a:p>
-            </p:txBody>
-          </p:sp>
-          <p:sp>
-            <p:nvSpPr>
-              <p:cNvPr id="113" name="TextBox 112">
-                <a:extLst>
-                  <a:ext uri="{FF2B5EF4-FFF2-40B4-BE49-F238E27FC236}">
-                    <a16:creationId xmlns:a16="http://schemas.microsoft.com/office/drawing/2014/main" id="{0945ACA0-1B54-4E25-8693-D24EF58F4A65}"/>
-                  </a:ext>
-                </a:extLst>
-              </p:cNvPr>
-              <p:cNvSpPr txBox="1"/>
-              <p:nvPr/>
-            </p:nvSpPr>
-            <p:spPr>
-              <a:xfrm>
-                <a:off x="15735107" y="12332981"/>
-                <a:ext cx="944591" cy="400110"/>
-              </a:xfrm>
-              <a:prstGeom prst="rect">
-                <a:avLst/>
-              </a:prstGeom>
-              <a:noFill/>
-            </p:spPr>
-            <p:txBody>
-              <a:bodyPr wrap="square" rtlCol="0">
-                <a:spAutoFit/>
-              </a:bodyPr>
-              <a:lstStyle/>
-              <a:p>
-                <a:r>
-                  <a:rPr lang="en-US" sz="2000" dirty="0">
-                    <a:solidFill>
-                      <a:schemeClr val="bg1"/>
-                    </a:solidFill>
-                  </a:rPr>
-                  <a:t>0.11</a:t>
-                </a:r>
-              </a:p>
-            </p:txBody>
-          </p:sp>
-          <p:sp>
-            <p:nvSpPr>
-              <p:cNvPr id="114" name="TextBox 113">
-                <a:extLst>
-                  <a:ext uri="{FF2B5EF4-FFF2-40B4-BE49-F238E27FC236}">
-                    <a16:creationId xmlns:a16="http://schemas.microsoft.com/office/drawing/2014/main" id="{08521E5A-4DCE-4993-8F26-554C9C58AA47}"/>
-                  </a:ext>
-                </a:extLst>
-              </p:cNvPr>
-              <p:cNvSpPr txBox="1"/>
-              <p:nvPr/>
-            </p:nvSpPr>
-            <p:spPr>
-              <a:xfrm>
-                <a:off x="15151546" y="13064982"/>
-                <a:ext cx="1054960" cy="400110"/>
-              </a:xfrm>
-              <a:prstGeom prst="rect">
-                <a:avLst/>
-              </a:prstGeom>
-              <a:noFill/>
-            </p:spPr>
-            <p:txBody>
-              <a:bodyPr wrap="square" rtlCol="0">
-                <a:spAutoFit/>
-              </a:bodyPr>
-              <a:lstStyle/>
-              <a:p>
-                <a:r>
-                  <a:rPr lang="en-US" sz="2000" dirty="0">
-                    <a:solidFill>
-                      <a:schemeClr val="bg1"/>
-                    </a:solidFill>
-                  </a:rPr>
-                  <a:t>0.074</a:t>
-                </a:r>
-              </a:p>
-            </p:txBody>
-          </p:sp>
-        </p:grpSp>
-        <p:sp>
-          <p:nvSpPr>
-            <p:cNvPr id="110" name="TextBox 109">
-              <a:extLst>
-                <a:ext uri="{FF2B5EF4-FFF2-40B4-BE49-F238E27FC236}">
-                  <a16:creationId xmlns:a16="http://schemas.microsoft.com/office/drawing/2014/main" id="{F6874D3F-C4B6-4838-9030-A4CC71718BB5}"/>
-                </a:ext>
-              </a:extLst>
-            </p:cNvPr>
-            <p:cNvSpPr txBox="1"/>
-            <p:nvPr/>
-          </p:nvSpPr>
-          <p:spPr>
-            <a:xfrm>
-              <a:off x="14997542" y="12929943"/>
-              <a:ext cx="1164057" cy="400110"/>
-            </a:xfrm>
-            <a:prstGeom prst="rect">
-              <a:avLst/>
-            </a:prstGeom>
-            <a:noFill/>
-          </p:spPr>
-          <p:txBody>
-            <a:bodyPr wrap="square" rtlCol="0">
-              <a:spAutoFit/>
-            </a:bodyPr>
-            <a:lstStyle/>
-            <a:p>
-              <a:r>
-                <a:rPr lang="en-US" sz="2000" dirty="0">
-                  <a:solidFill>
-                    <a:schemeClr val="bg1"/>
-                  </a:solidFill>
-                </a:rPr>
-                <a:t>0.034</a:t>
-              </a:r>
-            </a:p>
-          </p:txBody>
-        </p:sp>
-      </p:grpSp>
-      <p:grpSp>
-        <p:nvGrpSpPr>
-          <p:cNvPr id="118" name="Group 117">
-            <a:extLst>
-              <a:ext uri="{FF2B5EF4-FFF2-40B4-BE49-F238E27FC236}">
-                <a16:creationId xmlns:a16="http://schemas.microsoft.com/office/drawing/2014/main" id="{754133C3-2C4B-4E5E-B713-F770158F2ABF}"/>
-              </a:ext>
-            </a:extLst>
-          </p:cNvPr>
-          <p:cNvGrpSpPr/>
-          <p:nvPr/>
-        </p:nvGrpSpPr>
-        <p:grpSpPr>
-          <a:xfrm>
-            <a:off x="15846631" y="14445444"/>
-            <a:ext cx="2098592" cy="2381652"/>
-            <a:chOff x="14755842" y="11994606"/>
-            <a:chExt cx="2098592" cy="2381652"/>
-          </a:xfrm>
-        </p:grpSpPr>
-        <p:grpSp>
-          <p:nvGrpSpPr>
-            <p:cNvPr id="119" name="Group 118">
-              <a:extLst>
-                <a:ext uri="{FF2B5EF4-FFF2-40B4-BE49-F238E27FC236}">
-                  <a16:creationId xmlns:a16="http://schemas.microsoft.com/office/drawing/2014/main" id="{A6C37134-9DC2-4757-B460-F7B1A4733494}"/>
-                </a:ext>
-              </a:extLst>
-            </p:cNvPr>
-            <p:cNvGrpSpPr/>
-            <p:nvPr/>
-          </p:nvGrpSpPr>
-          <p:grpSpPr>
-            <a:xfrm>
-              <a:off x="14755842" y="11994606"/>
-              <a:ext cx="2098592" cy="2381652"/>
-              <a:chOff x="14576746" y="11385244"/>
-              <a:chExt cx="2098592" cy="2381652"/>
-            </a:xfrm>
-          </p:grpSpPr>
-          <p:grpSp>
-            <p:nvGrpSpPr>
-              <p:cNvPr id="121" name="Group 120">
-                <a:extLst>
-                  <a:ext uri="{FF2B5EF4-FFF2-40B4-BE49-F238E27FC236}">
-                    <a16:creationId xmlns:a16="http://schemas.microsoft.com/office/drawing/2014/main" id="{D2E1CC38-E183-47AB-89D4-046BDBE17222}"/>
-                  </a:ext>
-                </a:extLst>
-              </p:cNvPr>
-              <p:cNvGrpSpPr/>
-              <p:nvPr/>
-            </p:nvGrpSpPr>
-            <p:grpSpPr>
-              <a:xfrm>
-                <a:off x="14576746" y="11699067"/>
-                <a:ext cx="2078437" cy="2067829"/>
-                <a:chOff x="14208807" y="13699743"/>
-                <a:chExt cx="2799254" cy="2779979"/>
-              </a:xfrm>
-            </p:grpSpPr>
-            <p:sp>
-              <p:nvSpPr>
-                <p:cNvPr id="125" name="Partial Circle 124">
-                  <a:extLst>
-                    <a:ext uri="{FF2B5EF4-FFF2-40B4-BE49-F238E27FC236}">
-                      <a16:creationId xmlns:a16="http://schemas.microsoft.com/office/drawing/2014/main" id="{1E362F20-4136-494A-9E31-F9F5243B05B8}"/>
-                    </a:ext>
-                  </a:extLst>
-                </p:cNvPr>
-                <p:cNvSpPr/>
-                <p:nvPr/>
-              </p:nvSpPr>
-              <p:spPr>
-                <a:xfrm>
-                  <a:off x="14208807" y="13748023"/>
-                  <a:ext cx="2779979" cy="2677011"/>
-                </a:xfrm>
-                <a:prstGeom prst="pie">
-                  <a:avLst>
-                    <a:gd name="adj1" fmla="val 8875730"/>
-                    <a:gd name="adj2" fmla="val 16200000"/>
-                  </a:avLst>
-                </a:prstGeom>
-                <a:solidFill>
-                  <a:srgbClr val="1B46A5"/>
-                </a:solidFill>
-              </p:spPr>
-              <p:style>
-                <a:lnRef idx="1">
-                  <a:schemeClr val="accent2"/>
-                </a:lnRef>
-                <a:fillRef idx="2">
-                  <a:schemeClr val="accent2"/>
-                </a:fillRef>
-                <a:effectRef idx="1">
-                  <a:schemeClr val="accent2"/>
-                </a:effectRef>
-                <a:fontRef idx="minor">
-                  <a:schemeClr val="dk1"/>
-                </a:fontRef>
-              </p:style>
-              <p:txBody>
-                <a:bodyPr rtlCol="0" anchor="ctr"/>
-                <a:lstStyle/>
-                <a:p>
-                  <a:pPr algn="ctr"/>
-                  <a:endParaRPr lang="en-US" sz="2400" dirty="0">
-                    <a:solidFill>
-                      <a:schemeClr val="tx1"/>
-                    </a:solidFill>
-                  </a:endParaRPr>
-                </a:p>
-              </p:txBody>
-            </p:sp>
-            <p:sp>
-              <p:nvSpPr>
-                <p:cNvPr id="126" name="Partial Circle 125">
-                  <a:extLst>
-                    <a:ext uri="{FF2B5EF4-FFF2-40B4-BE49-F238E27FC236}">
-                      <a16:creationId xmlns:a16="http://schemas.microsoft.com/office/drawing/2014/main" id="{67958EAA-EE2B-464B-8295-E1B361F8ADFD}"/>
-                    </a:ext>
-                  </a:extLst>
-                </p:cNvPr>
-                <p:cNvSpPr/>
-                <p:nvPr/>
-              </p:nvSpPr>
-              <p:spPr>
-                <a:xfrm rot="8579192">
-                  <a:off x="14228082" y="13760892"/>
-                  <a:ext cx="2779979" cy="2677011"/>
-                </a:xfrm>
-                <a:prstGeom prst="pie">
-                  <a:avLst>
-                    <a:gd name="adj1" fmla="val 7520100"/>
-                    <a:gd name="adj2" fmla="val 14986375"/>
-                  </a:avLst>
-                </a:prstGeom>
-                <a:solidFill>
-                  <a:srgbClr val="FF0000"/>
-                </a:solidFill>
-              </p:spPr>
-              <p:style>
-                <a:lnRef idx="1">
-                  <a:schemeClr val="accent5"/>
-                </a:lnRef>
-                <a:fillRef idx="2">
-                  <a:schemeClr val="accent5"/>
-                </a:fillRef>
-                <a:effectRef idx="1">
-                  <a:schemeClr val="accent5"/>
-                </a:effectRef>
-                <a:fontRef idx="minor">
-                  <a:schemeClr val="dk1"/>
-                </a:fontRef>
-              </p:style>
-              <p:txBody>
-                <a:bodyPr rtlCol="0" anchor="ctr"/>
-                <a:lstStyle/>
-                <a:p>
-                  <a:pPr algn="ctr"/>
-                  <a:endParaRPr lang="en-US" dirty="0">
-                    <a:solidFill>
-                      <a:schemeClr val="tx1"/>
-                    </a:solidFill>
-                  </a:endParaRPr>
-                </a:p>
-              </p:txBody>
-            </p:sp>
-            <p:sp>
-              <p:nvSpPr>
-                <p:cNvPr id="127" name="Partial Circle 126">
-                  <a:extLst>
-                    <a:ext uri="{FF2B5EF4-FFF2-40B4-BE49-F238E27FC236}">
-                      <a16:creationId xmlns:a16="http://schemas.microsoft.com/office/drawing/2014/main" id="{5C982583-4AE7-4649-A577-2A44A5D82F7A}"/>
-                    </a:ext>
-                  </a:extLst>
-                </p:cNvPr>
-                <p:cNvSpPr/>
-                <p:nvPr/>
-              </p:nvSpPr>
-              <p:spPr>
-                <a:xfrm rot="15746399">
-                  <a:off x="14211545" y="13751227"/>
-                  <a:ext cx="2779979" cy="2677011"/>
-                </a:xfrm>
-                <a:prstGeom prst="pie">
-                  <a:avLst>
-                    <a:gd name="adj1" fmla="val 7740183"/>
-                    <a:gd name="adj2" fmla="val 14786473"/>
-                  </a:avLst>
-                </a:prstGeom>
-                <a:solidFill>
-                  <a:srgbClr val="0D7517"/>
-                </a:solidFill>
-              </p:spPr>
-              <p:style>
-                <a:lnRef idx="1">
-                  <a:schemeClr val="dk1"/>
-                </a:lnRef>
-                <a:fillRef idx="2">
-                  <a:schemeClr val="dk1"/>
-                </a:fillRef>
-                <a:effectRef idx="1">
-                  <a:schemeClr val="dk1"/>
-                </a:effectRef>
-                <a:fontRef idx="minor">
-                  <a:schemeClr val="dk1"/>
-                </a:fontRef>
-              </p:style>
-              <p:txBody>
-                <a:bodyPr rtlCol="0" anchor="ctr"/>
-                <a:lstStyle/>
-                <a:p>
-                  <a:pPr algn="ctr"/>
-                  <a:endParaRPr lang="en-US" dirty="0">
-                    <a:solidFill>
-                      <a:schemeClr val="tx1"/>
-                    </a:solidFill>
-                  </a:endParaRPr>
-                </a:p>
-              </p:txBody>
-            </p:sp>
-          </p:grpSp>
-          <p:sp>
-            <p:nvSpPr>
-              <p:cNvPr id="122" name="TextBox 121">
-                <a:extLst>
-                  <a:ext uri="{FF2B5EF4-FFF2-40B4-BE49-F238E27FC236}">
-                    <a16:creationId xmlns:a16="http://schemas.microsoft.com/office/drawing/2014/main" id="{117CE1F6-4120-4C1E-A76C-F9AE43C67460}"/>
-                  </a:ext>
-                </a:extLst>
-              </p:cNvPr>
-              <p:cNvSpPr txBox="1"/>
-              <p:nvPr/>
-            </p:nvSpPr>
-            <p:spPr>
-              <a:xfrm>
-                <a:off x="14880630" y="11385244"/>
-                <a:ext cx="1794708" cy="338554"/>
-              </a:xfrm>
-              <a:prstGeom prst="rect">
-                <a:avLst/>
-              </a:prstGeom>
-              <a:noFill/>
-            </p:spPr>
-            <p:txBody>
-              <a:bodyPr wrap="square" rtlCol="0">
-                <a:spAutoFit/>
-              </a:bodyPr>
-              <a:lstStyle/>
-              <a:p>
-                <a:r>
-                  <a:rPr lang="en-US" sz="1600" b="1" dirty="0"/>
-                  <a:t>False Elliptical</a:t>
-                </a:r>
-              </a:p>
-            </p:txBody>
-          </p:sp>
-          <p:sp>
-            <p:nvSpPr>
-              <p:cNvPr id="123" name="TextBox 122">
-                <a:extLst>
-                  <a:ext uri="{FF2B5EF4-FFF2-40B4-BE49-F238E27FC236}">
-                    <a16:creationId xmlns:a16="http://schemas.microsoft.com/office/drawing/2014/main" id="{CB37C392-2EF3-42FA-A901-C74A007223B4}"/>
-                  </a:ext>
-                </a:extLst>
-              </p:cNvPr>
-              <p:cNvSpPr txBox="1"/>
-              <p:nvPr/>
-            </p:nvSpPr>
-            <p:spPr>
-              <a:xfrm>
-                <a:off x="15753575" y="12268452"/>
-                <a:ext cx="702042" cy="400110"/>
-              </a:xfrm>
-              <a:prstGeom prst="rect">
-                <a:avLst/>
-              </a:prstGeom>
-              <a:noFill/>
-            </p:spPr>
-            <p:txBody>
-              <a:bodyPr wrap="square" rtlCol="0">
-                <a:spAutoFit/>
-              </a:bodyPr>
-              <a:lstStyle/>
-              <a:p>
-                <a:r>
-                  <a:rPr lang="en-US" sz="2000" dirty="0">
-                    <a:solidFill>
-                      <a:schemeClr val="bg1"/>
-                    </a:solidFill>
-                  </a:rPr>
-                  <a:t>0.26</a:t>
-                </a:r>
-              </a:p>
-            </p:txBody>
-          </p:sp>
-          <p:sp>
-            <p:nvSpPr>
-              <p:cNvPr id="124" name="TextBox 123">
-                <a:extLst>
-                  <a:ext uri="{FF2B5EF4-FFF2-40B4-BE49-F238E27FC236}">
-                    <a16:creationId xmlns:a16="http://schemas.microsoft.com/office/drawing/2014/main" id="{BFD04BC1-B943-43DC-AFF2-AC5C2DB9461E}"/>
-                  </a:ext>
-                </a:extLst>
-              </p:cNvPr>
-              <p:cNvSpPr txBox="1"/>
-              <p:nvPr/>
-            </p:nvSpPr>
-            <p:spPr>
-              <a:xfrm>
-                <a:off x="15211013" y="13003857"/>
-                <a:ext cx="942317" cy="400110"/>
-              </a:xfrm>
-              <a:prstGeom prst="rect">
-                <a:avLst/>
-              </a:prstGeom>
-              <a:noFill/>
-            </p:spPr>
-            <p:txBody>
-              <a:bodyPr wrap="square" rtlCol="0">
-                <a:spAutoFit/>
-              </a:bodyPr>
-              <a:lstStyle/>
-              <a:p>
-                <a:r>
-                  <a:rPr lang="en-US" sz="2000" dirty="0">
-                    <a:solidFill>
-                      <a:schemeClr val="bg1"/>
-                    </a:solidFill>
-                  </a:rPr>
-                  <a:t>0.044</a:t>
-                </a:r>
-              </a:p>
-            </p:txBody>
-          </p:sp>
-        </p:grpSp>
-        <p:sp>
-          <p:nvSpPr>
-            <p:cNvPr id="120" name="TextBox 119">
-              <a:extLst>
-                <a:ext uri="{FF2B5EF4-FFF2-40B4-BE49-F238E27FC236}">
-                  <a16:creationId xmlns:a16="http://schemas.microsoft.com/office/drawing/2014/main" id="{3073DD5B-A155-4512-8E9E-BAA7D52172FE}"/>
-                </a:ext>
-              </a:extLst>
-            </p:cNvPr>
-            <p:cNvSpPr txBox="1"/>
-            <p:nvPr/>
-          </p:nvSpPr>
-          <p:spPr>
-            <a:xfrm>
-              <a:off x="14888559" y="12877409"/>
-              <a:ext cx="1039477" cy="400110"/>
-            </a:xfrm>
-            <a:prstGeom prst="rect">
-              <a:avLst/>
-            </a:prstGeom>
-            <a:noFill/>
-          </p:spPr>
-          <p:txBody>
-            <a:bodyPr wrap="square" rtlCol="0">
-              <a:spAutoFit/>
-            </a:bodyPr>
-            <a:lstStyle/>
-            <a:p>
-              <a:r>
-                <a:rPr lang="en-US" sz="2000" dirty="0">
-                  <a:solidFill>
-                    <a:schemeClr val="bg1"/>
-                  </a:solidFill>
-                </a:rPr>
-                <a:t>0.017</a:t>
-              </a:r>
-            </a:p>
-          </p:txBody>
-        </p:sp>
       </p:grpSp>
       <p:pic>
         <p:nvPicPr>
@@ -7831,110 +7424,21 @@
           <p:nvPr/>
         </p:nvPicPr>
         <p:blipFill>
-          <a:blip r:embed="rId9"/>
+          <a:blip r:embed="rId8"/>
           <a:stretch>
             <a:fillRect/>
           </a:stretch>
         </p:blipFill>
         <p:spPr>
           <a:xfrm>
-            <a:off x="14213051" y="16988684"/>
-            <a:ext cx="6394023" cy="4610012"/>
+            <a:off x="15729853" y="17336624"/>
+            <a:ext cx="7088442" cy="5110679"/>
           </a:xfrm>
           <a:prstGeom prst="rect">
             <a:avLst/>
           </a:prstGeom>
         </p:spPr>
       </p:pic>
-      <p:sp>
-        <p:nvSpPr>
-          <p:cNvPr id="66" name="TextBox 65">
-            <a:extLst>
-              <a:ext uri="{FF2B5EF4-FFF2-40B4-BE49-F238E27FC236}">
-                <a16:creationId xmlns:a16="http://schemas.microsoft.com/office/drawing/2014/main" id="{A9B4DC44-BA6E-49DC-AC5A-62E40A5B64BC}"/>
-              </a:ext>
-            </a:extLst>
-          </p:cNvPr>
-          <p:cNvSpPr txBox="1"/>
-          <p:nvPr/>
-        </p:nvSpPr>
-        <p:spPr>
-          <a:xfrm>
-            <a:off x="8492047" y="9754720"/>
-            <a:ext cx="6159749" cy="6986528"/>
-          </a:xfrm>
-          <a:prstGeom prst="rect">
-            <a:avLst/>
-          </a:prstGeom>
-          <a:noFill/>
-        </p:spPr>
-        <p:txBody>
-          <a:bodyPr wrap="square" rtlCol="0">
-            <a:spAutoFit/>
-          </a:bodyPr>
-          <a:lstStyle/>
-          <a:p>
-            <a:pPr marL="457200" indent="-457200">
-              <a:buFont typeface="Arial" panose="020B0604020202020204" pitchFamily="34" charset="0"/>
-              <a:buChar char="•"/>
-            </a:pPr>
-            <a:r>
-              <a:rPr lang="en-US" sz="2800" dirty="0">
-                <a:latin typeface="+mn-lt"/>
-              </a:rPr>
-              <a:t>Multi-messenger and transient-event astrophysics rely on accurate catalogues of galaxy depths to identify hosts</a:t>
-            </a:r>
-          </a:p>
-          <a:p>
-            <a:pPr marL="457200" indent="-457200">
-              <a:buFont typeface="Arial" panose="020B0604020202020204" pitchFamily="34" charset="0"/>
-              <a:buChar char="•"/>
-            </a:pPr>
-            <a:r>
-              <a:rPr lang="en-US" sz="2800" dirty="0">
-                <a:latin typeface="+mn-lt"/>
-              </a:rPr>
-              <a:t>Spectroscopy is expensive and therefore galaxy catalogues are incomplete, (see left, [5])</a:t>
-            </a:r>
-          </a:p>
-          <a:p>
-            <a:pPr marL="457200" indent="-457200">
-              <a:buFont typeface="Arial" panose="020B0604020202020204" pitchFamily="34" charset="0"/>
-              <a:buChar char="•"/>
-            </a:pPr>
-            <a:r>
-              <a:rPr lang="en-US" sz="2800" dirty="0">
-                <a:latin typeface="+mn-lt"/>
-              </a:rPr>
-              <a:t>Therefore, photometric redshifts are used to match the time scale and field of view of modern surveys</a:t>
-            </a:r>
-          </a:p>
-          <a:p>
-            <a:pPr marL="457200" indent="-457200">
-              <a:buFont typeface="Arial" panose="020B0604020202020204" pitchFamily="34" charset="0"/>
-              <a:buChar char="•"/>
-            </a:pPr>
-            <a:r>
-              <a:rPr lang="en-US" sz="2800" dirty="0">
-                <a:latin typeface="+mn-lt"/>
-              </a:rPr>
-              <a:t>However, photometric redshifts are biased by morphological effects like edge-on-disk reddening</a:t>
-            </a:r>
-          </a:p>
-          <a:p>
-            <a:pPr marL="457200" indent="-457200">
-              <a:buFont typeface="Arial" panose="020B0604020202020204" pitchFamily="34" charset="0"/>
-              <a:buChar char="•"/>
-            </a:pPr>
-            <a:r>
-              <a:rPr lang="en-US" sz="2800" dirty="0">
-                <a:latin typeface="+mn-lt"/>
-              </a:rPr>
-              <a:t>We start with a simpler problem of galaxy classification</a:t>
-            </a:r>
-          </a:p>
-        </p:txBody>
-      </p:sp>
       <p:pic>
         <p:nvPicPr>
           <p:cNvPr id="2" name="Picture 1"/>
@@ -7944,7 +7448,7 @@
           <p:nvPr/>
         </p:nvPicPr>
         <p:blipFill>
-          <a:blip r:embed="rId10">
+          <a:blip r:embed="rId9">
             <a:extLst>
               <a:ext uri="{28A0092B-C50C-407E-A947-70E740481C1C}">
                 <a14:useLocalDpi xmlns:a14="http://schemas.microsoft.com/office/drawing/2010/main" val="0"/>
@@ -7957,7 +7461,7 @@
         </p:blipFill>
         <p:spPr>
           <a:xfrm>
-            <a:off x="41105437" y="30756072"/>
+            <a:off x="40146921" y="30654203"/>
             <a:ext cx="1905000" cy="1905000"/>
           </a:xfrm>
           <a:prstGeom prst="rect">
@@ -7974,7 +7478,7 @@
           <p:nvPr/>
         </p:nvPicPr>
         <p:blipFill rotWithShape="1">
-          <a:blip r:embed="rId11">
+          <a:blip r:embed="rId10">
             <a:extLst>
               <a:ext uri="{28A0092B-C50C-407E-A947-70E740481C1C}">
                 <a14:useLocalDpi xmlns:a14="http://schemas.microsoft.com/office/drawing/2010/main" val="0"/>
@@ -7986,7 +7490,7 @@
         </p:blipFill>
         <p:spPr>
           <a:xfrm>
-            <a:off x="39954262" y="2225618"/>
+            <a:off x="38717003" y="312754"/>
             <a:ext cx="3238500" cy="2815880"/>
           </a:xfrm>
           <a:prstGeom prst="rect">
@@ -8038,13 +7542,13 @@
           <p:nvPr>
             <p:extLst>
               <p:ext uri="{D42A27DB-BD31-4B8C-83A1-F6EECF244321}">
-                <p14:modId xmlns:p14="http://schemas.microsoft.com/office/powerpoint/2010/main" val="2182121684"/>
+                <p14:modId xmlns:p14="http://schemas.microsoft.com/office/powerpoint/2010/main" val="3464689979"/>
               </p:ext>
             </p:extLst>
           </p:nvPr>
         </p:nvGraphicFramePr>
         <p:xfrm>
-          <a:off x="14973165" y="13473722"/>
+          <a:off x="22834306" y="13811589"/>
           <a:ext cx="802277" cy="2110695"/>
         </p:xfrm>
         <a:graphic>
@@ -8146,35 +7650,6 @@
           </a:graphicData>
         </a:graphic>
       </p:graphicFrame>
-      <p:pic>
-        <p:nvPicPr>
-          <p:cNvPr id="13" name="Picture 12"/>
-          <p:cNvPicPr>
-            <a:picLocks noChangeAspect="1"/>
-          </p:cNvPicPr>
-          <p:nvPr/>
-        </p:nvPicPr>
-        <p:blipFill rotWithShape="1">
-          <a:blip r:embed="rId12">
-            <a:extLst>
-              <a:ext uri="{28A0092B-C50C-407E-A947-70E740481C1C}">
-                <a14:useLocalDpi xmlns:a14="http://schemas.microsoft.com/office/drawing/2010/main" val="0"/>
-              </a:ext>
-            </a:extLst>
-          </a:blip>
-          <a:srcRect t="52012"/>
-          <a:stretch/>
-        </p:blipFill>
-        <p:spPr>
-          <a:xfrm>
-            <a:off x="2073295" y="28803600"/>
-            <a:ext cx="8069322" cy="3729862"/>
-          </a:xfrm>
-          <a:prstGeom prst="rect">
-            <a:avLst/>
-          </a:prstGeom>
-        </p:spPr>
-      </p:pic>
       <p:sp>
         <p:nvSpPr>
           <p:cNvPr id="82" name="Rectangle 81">
@@ -8189,7 +7664,7 @@
         </p:nvSpPr>
         <p:spPr>
           <a:xfrm rot="10800000" flipV="1">
-            <a:off x="3151389" y="26619135"/>
+            <a:off x="3151389" y="25708380"/>
             <a:ext cx="6022384" cy="423856"/>
           </a:xfrm>
           <a:prstGeom prst="rect">
@@ -8231,6 +7706,885 @@
           </a:p>
         </p:txBody>
       </p:sp>
+      <p:pic>
+        <p:nvPicPr>
+          <p:cNvPr id="21" name="Picture 20"/>
+          <p:cNvPicPr>
+            <a:picLocks noChangeAspect="1"/>
+          </p:cNvPicPr>
+          <p:nvPr/>
+        </p:nvPicPr>
+        <p:blipFill>
+          <a:blip r:embed="rId11">
+            <a:extLst>
+              <a:ext uri="{28A0092B-C50C-407E-A947-70E740481C1C}">
+                <a14:useLocalDpi xmlns:a14="http://schemas.microsoft.com/office/drawing/2010/main" val="0"/>
+              </a:ext>
+            </a:extLst>
+          </a:blip>
+          <a:stretch>
+            <a:fillRect/>
+          </a:stretch>
+        </p:blipFill>
+        <p:spPr>
+          <a:xfrm>
+            <a:off x="30673170" y="10298938"/>
+            <a:ext cx="6931579" cy="4621051"/>
+          </a:xfrm>
+          <a:prstGeom prst="rect">
+            <a:avLst/>
+          </a:prstGeom>
+        </p:spPr>
+      </p:pic>
+      <p:pic>
+        <p:nvPicPr>
+          <p:cNvPr id="24" name="Picture 23"/>
+          <p:cNvPicPr>
+            <a:picLocks noChangeAspect="1"/>
+          </p:cNvPicPr>
+          <p:nvPr/>
+        </p:nvPicPr>
+        <p:blipFill>
+          <a:blip r:embed="rId12">
+            <a:extLst>
+              <a:ext uri="{28A0092B-C50C-407E-A947-70E740481C1C}">
+                <a14:useLocalDpi xmlns:a14="http://schemas.microsoft.com/office/drawing/2010/main" val="0"/>
+              </a:ext>
+            </a:extLst>
+          </a:blip>
+          <a:stretch>
+            <a:fillRect/>
+          </a:stretch>
+        </p:blipFill>
+        <p:spPr>
+          <a:xfrm>
+            <a:off x="2619704" y="15576050"/>
+            <a:ext cx="11405088" cy="5617250"/>
+          </a:xfrm>
+          <a:prstGeom prst="rect">
+            <a:avLst/>
+          </a:prstGeom>
+        </p:spPr>
+      </p:pic>
+      <p:sp>
+        <p:nvSpPr>
+          <p:cNvPr id="76" name="TextBox 75">
+            <a:extLst>
+              <a:ext uri="{FF2B5EF4-FFF2-40B4-BE49-F238E27FC236}">
+                <a16:creationId xmlns:a16="http://schemas.microsoft.com/office/drawing/2014/main" id="{90D9F4C2-4109-4AAF-A659-4E8166452EE6}"/>
+              </a:ext>
+            </a:extLst>
+          </p:cNvPr>
+          <p:cNvSpPr txBox="1"/>
+          <p:nvPr/>
+        </p:nvSpPr>
+        <p:spPr>
+          <a:xfrm>
+            <a:off x="2111833" y="21325911"/>
+            <a:ext cx="6159749" cy="3785652"/>
+          </a:xfrm>
+          <a:prstGeom prst="rect">
+            <a:avLst/>
+          </a:prstGeom>
+          <a:noFill/>
+        </p:spPr>
+        <p:txBody>
+          <a:bodyPr wrap="square" rtlCol="0">
+            <a:spAutoFit/>
+          </a:bodyPr>
+          <a:lstStyle/>
+          <a:p>
+            <a:pPr marL="457200" indent="-457200">
+              <a:buFont typeface="Arial" panose="020B0604020202020204" pitchFamily="34" charset="0"/>
+              <a:buChar char="•"/>
+            </a:pPr>
+            <a:r>
+              <a:rPr lang="en-US" sz="2400" dirty="0">
+                <a:latin typeface="+mn-lt"/>
+              </a:rPr>
+              <a:t>Deep learning is one of many empirical methods for estimating redshift</a:t>
+            </a:r>
+          </a:p>
+          <a:p>
+            <a:pPr marL="457200" indent="-457200">
+              <a:buFont typeface="Arial" panose="020B0604020202020204" pitchFamily="34" charset="0"/>
+              <a:buChar char="•"/>
+            </a:pPr>
+            <a:r>
+              <a:rPr lang="en-US" sz="2400" dirty="0">
+                <a:latin typeface="+mn-lt"/>
+              </a:rPr>
+              <a:t>NN are scalable, versatile, and benefit from advancements in GPUs</a:t>
+            </a:r>
+          </a:p>
+          <a:p>
+            <a:pPr marL="457200" indent="-457200">
+              <a:buFont typeface="Arial" panose="020B0604020202020204" pitchFamily="34" charset="0"/>
+              <a:buChar char="•"/>
+            </a:pPr>
+            <a:r>
+              <a:rPr lang="en-US" sz="2400" dirty="0">
+                <a:latin typeface="+mn-lt"/>
+              </a:rPr>
+              <a:t>Convolutional Neural Networks (CNN) are known for success in machine vision problems</a:t>
+            </a:r>
+          </a:p>
+          <a:p>
+            <a:pPr marL="457200" indent="-457200">
+              <a:buFont typeface="Arial" panose="020B0604020202020204" pitchFamily="34" charset="0"/>
+              <a:buChar char="•"/>
+            </a:pPr>
+            <a:r>
+              <a:rPr lang="en-US" sz="2400" dirty="0">
+                <a:latin typeface="+mn-lt"/>
+              </a:rPr>
+              <a:t>NN also have been used for similar galaxy morphology classification tasks [1][2]</a:t>
+            </a:r>
+          </a:p>
+        </p:txBody>
+      </p:sp>
+      <p:sp>
+        <p:nvSpPr>
+          <p:cNvPr id="80" name="TextBox 79">
+            <a:extLst>
+              <a:ext uri="{FF2B5EF4-FFF2-40B4-BE49-F238E27FC236}">
+                <a16:creationId xmlns:a16="http://schemas.microsoft.com/office/drawing/2014/main" id="{0019DC68-CC52-4F49-A843-2588F94FC4A2}"/>
+              </a:ext>
+            </a:extLst>
+          </p:cNvPr>
+          <p:cNvSpPr txBox="1"/>
+          <p:nvPr/>
+        </p:nvSpPr>
+        <p:spPr>
+          <a:xfrm>
+            <a:off x="8755540" y="21528785"/>
+            <a:ext cx="6550349" cy="3477875"/>
+          </a:xfrm>
+          <a:prstGeom prst="rect">
+            <a:avLst/>
+          </a:prstGeom>
+          <a:noFill/>
+        </p:spPr>
+        <p:txBody>
+          <a:bodyPr wrap="square" rtlCol="0">
+            <a:spAutoFit/>
+          </a:bodyPr>
+          <a:lstStyle/>
+          <a:p>
+            <a:pPr marL="457200" indent="-457200">
+              <a:buFont typeface="Arial" panose="020B0604020202020204" pitchFamily="34" charset="0"/>
+              <a:buChar char="•"/>
+            </a:pPr>
+            <a:r>
+              <a:rPr lang="en-US" sz="2400" dirty="0">
+                <a:latin typeface="+mn-lt"/>
+              </a:rPr>
+              <a:t>A CNN is utilized, broadly inspired by [1]</a:t>
+            </a:r>
+          </a:p>
+          <a:p>
+            <a:pPr marL="457200" indent="-457200">
+              <a:buFont typeface="Arial" panose="020B0604020202020204" pitchFamily="34" charset="0"/>
+              <a:buChar char="•"/>
+            </a:pPr>
+            <a:r>
+              <a:rPr lang="en-US" sz="2400" dirty="0">
+                <a:latin typeface="+mn-lt"/>
+              </a:rPr>
+              <a:t>Augmentation is done on the fly to reduce overfitting by adding random rotations, flips, and translations</a:t>
+            </a:r>
+          </a:p>
+          <a:p>
+            <a:pPr marL="457200" indent="-457200">
+              <a:buFont typeface="Arial" panose="020B0604020202020204" pitchFamily="34" charset="0"/>
+              <a:buChar char="•"/>
+            </a:pPr>
+            <a:r>
+              <a:rPr lang="en-US" sz="2400" dirty="0">
+                <a:latin typeface="+mn-lt"/>
+              </a:rPr>
+              <a:t>Trained for 25 epochs on a Quadro K620 GPU, ~18 hours.</a:t>
+            </a:r>
+          </a:p>
+          <a:p>
+            <a:pPr marL="457200" indent="-457200">
+              <a:buFont typeface="Arial" panose="020B0604020202020204" pitchFamily="34" charset="0"/>
+              <a:buChar char="•"/>
+            </a:pPr>
+            <a:r>
+              <a:rPr lang="en-US" sz="2400" dirty="0">
+                <a:latin typeface="+mn-lt"/>
+              </a:rPr>
+              <a:t>Based on results of [2] only trained on </a:t>
+            </a:r>
+            <a:r>
+              <a:rPr lang="en-US" sz="2400" dirty="0">
+                <a:solidFill>
+                  <a:srgbClr val="1B46A5"/>
+                </a:solidFill>
+                <a:latin typeface="+mn-lt"/>
+              </a:rPr>
+              <a:t>HP</a:t>
+            </a:r>
+            <a:r>
+              <a:rPr lang="en-US" sz="2400" dirty="0">
+                <a:latin typeface="+mn-lt"/>
+              </a:rPr>
+              <a:t> dataset</a:t>
+            </a:r>
+          </a:p>
+          <a:p>
+            <a:pPr marL="457200" indent="-457200">
+              <a:buFont typeface="Arial" panose="020B0604020202020204" pitchFamily="34" charset="0"/>
+              <a:buChar char="•"/>
+            </a:pPr>
+            <a:endParaRPr lang="en-US" sz="2800" dirty="0">
+              <a:latin typeface="+mn-lt"/>
+            </a:endParaRPr>
+          </a:p>
+        </p:txBody>
+      </p:sp>
+      <p:sp>
+        <p:nvSpPr>
+          <p:cNvPr id="79" name="TextBox 78">
+            <a:extLst>
+              <a:ext uri="{FF2B5EF4-FFF2-40B4-BE49-F238E27FC236}">
+                <a16:creationId xmlns:a16="http://schemas.microsoft.com/office/drawing/2014/main" id="{560C1FDC-E347-4BC9-AFAF-BBC1C665D065}"/>
+              </a:ext>
+            </a:extLst>
+          </p:cNvPr>
+          <p:cNvSpPr txBox="1"/>
+          <p:nvPr/>
+        </p:nvSpPr>
+        <p:spPr>
+          <a:xfrm>
+            <a:off x="10808919" y="24593550"/>
+            <a:ext cx="4391751" cy="7478970"/>
+          </a:xfrm>
+          <a:prstGeom prst="rect">
+            <a:avLst/>
+          </a:prstGeom>
+          <a:noFill/>
+        </p:spPr>
+        <p:txBody>
+          <a:bodyPr wrap="square" rtlCol="0">
+            <a:spAutoFit/>
+          </a:bodyPr>
+          <a:lstStyle/>
+          <a:p>
+            <a:pPr marL="457200" indent="-457200">
+              <a:buFont typeface="Arial" panose="020B0604020202020204" pitchFamily="34" charset="0"/>
+              <a:buChar char="•"/>
+            </a:pPr>
+            <a:r>
+              <a:rPr lang="en-US" sz="2400" dirty="0">
+                <a:latin typeface="+mn-lt"/>
+              </a:rPr>
+              <a:t>Training data taken from the Sloan Digital Sky Survey [3] matched with the Galaxy Zoo 1 Catalogue (GZ) [4]</a:t>
+            </a:r>
+          </a:p>
+          <a:p>
+            <a:pPr marL="457200" indent="-457200">
+              <a:buFont typeface="Arial" panose="020B0604020202020204" pitchFamily="34" charset="0"/>
+              <a:buChar char="•"/>
+            </a:pPr>
+            <a:r>
+              <a:rPr lang="en-US" sz="2400" dirty="0">
+                <a:latin typeface="+mn-lt"/>
+              </a:rPr>
+              <a:t>GZ was a citizen-science project that used volunteers to sort galaxies into spiral or elliptical classes</a:t>
+            </a:r>
+          </a:p>
+          <a:p>
+            <a:pPr marL="457200" indent="-457200">
+              <a:buFont typeface="Arial" panose="020B0604020202020204" pitchFamily="34" charset="0"/>
+              <a:buChar char="•"/>
+            </a:pPr>
+            <a:r>
+              <a:rPr lang="en-US" sz="2400" dirty="0">
+                <a:latin typeface="+mn-lt"/>
+              </a:rPr>
+              <a:t>Split data into three sets: High Probability, Mid Probability and Low Probability (</a:t>
+            </a:r>
+            <a:r>
+              <a:rPr lang="en-US" sz="2400" dirty="0">
+                <a:solidFill>
+                  <a:srgbClr val="1B46A5"/>
+                </a:solidFill>
+                <a:latin typeface="+mn-lt"/>
+              </a:rPr>
+              <a:t>HP</a:t>
+            </a:r>
+            <a:r>
+              <a:rPr lang="en-US" sz="2400" dirty="0">
+                <a:latin typeface="+mn-lt"/>
+              </a:rPr>
+              <a:t>,</a:t>
+            </a:r>
+            <a:r>
+              <a:rPr lang="en-US" sz="2400" dirty="0">
+                <a:solidFill>
+                  <a:srgbClr val="0D7517"/>
+                </a:solidFill>
+                <a:latin typeface="+mn-lt"/>
+              </a:rPr>
+              <a:t>MP</a:t>
+            </a:r>
+            <a:r>
+              <a:rPr lang="en-US" sz="2400" dirty="0">
+                <a:latin typeface="+mn-lt"/>
+              </a:rPr>
+              <a:t>,</a:t>
+            </a:r>
+            <a:r>
+              <a:rPr lang="en-US" sz="2400" dirty="0">
+                <a:solidFill>
+                  <a:srgbClr val="FF0000"/>
+                </a:solidFill>
+                <a:latin typeface="+mn-lt"/>
+              </a:rPr>
+              <a:t>LP</a:t>
+            </a:r>
+            <a:r>
+              <a:rPr lang="en-US" sz="2400" dirty="0">
+                <a:latin typeface="+mn-lt"/>
+              </a:rPr>
+              <a:t>), along GZ debiased class confidence scores (C) for ease of exploration</a:t>
+            </a:r>
+          </a:p>
+          <a:p>
+            <a:pPr marL="457200" indent="-457200">
+              <a:buFont typeface="Arial" panose="020B0604020202020204" pitchFamily="34" charset="0"/>
+              <a:buChar char="•"/>
+            </a:pPr>
+            <a:r>
+              <a:rPr lang="en-US" sz="2400" dirty="0">
+                <a:latin typeface="+mn-lt"/>
+              </a:rPr>
+              <a:t>Later, added sixth channel of magnitudes, </a:t>
+            </a:r>
+            <a:r>
+              <a:rPr lang="en-US" sz="2400" dirty="0" err="1">
+                <a:latin typeface="+mn-lt"/>
+              </a:rPr>
+              <a:t>petrosian</a:t>
+            </a:r>
+            <a:r>
+              <a:rPr lang="en-US" sz="2400" dirty="0">
+                <a:latin typeface="+mn-lt"/>
+              </a:rPr>
+              <a:t> magnitudes, and angular size, boosting performance</a:t>
+            </a:r>
+          </a:p>
+        </p:txBody>
+      </p:sp>
+      <p:sp>
+        <p:nvSpPr>
+          <p:cNvPr id="6" name="TextBox 5"/>
+          <p:cNvSpPr txBox="1"/>
+          <p:nvPr/>
+        </p:nvSpPr>
+        <p:spPr>
+          <a:xfrm>
+            <a:off x="32947038" y="20092142"/>
+            <a:ext cx="2499237" cy="369332"/>
+          </a:xfrm>
+          <a:prstGeom prst="rect">
+            <a:avLst/>
+          </a:prstGeom>
+          <a:noFill/>
+        </p:spPr>
+        <p:txBody>
+          <a:bodyPr wrap="square" rtlCol="0">
+            <a:spAutoFit/>
+          </a:bodyPr>
+          <a:lstStyle/>
+          <a:p>
+            <a:r>
+              <a:rPr lang="en-US" sz="1800" dirty="0"/>
+              <a:t>Eisenstein, et al, 2011</a:t>
+            </a:r>
+          </a:p>
+        </p:txBody>
+      </p:sp>
+      <p:grpSp>
+        <p:nvGrpSpPr>
+          <p:cNvPr id="10" name="Group 9">
+            <a:extLst>
+              <a:ext uri="{FF2B5EF4-FFF2-40B4-BE49-F238E27FC236}">
+                <a16:creationId xmlns:a16="http://schemas.microsoft.com/office/drawing/2014/main" id="{6E63AEF3-BB1C-4427-BCE8-0C25F2B1D5EB}"/>
+              </a:ext>
+            </a:extLst>
+          </p:cNvPr>
+          <p:cNvGrpSpPr/>
+          <p:nvPr/>
+        </p:nvGrpSpPr>
+        <p:grpSpPr>
+          <a:xfrm>
+            <a:off x="30671617" y="15320170"/>
+            <a:ext cx="6931580" cy="4836218"/>
+            <a:chOff x="28643399" y="16065058"/>
+            <a:chExt cx="6912171" cy="4608113"/>
+          </a:xfrm>
+        </p:grpSpPr>
+        <p:pic>
+          <p:nvPicPr>
+            <p:cNvPr id="20" name="Picture 19"/>
+            <p:cNvPicPr>
+              <a:picLocks noChangeAspect="1"/>
+            </p:cNvPicPr>
+            <p:nvPr/>
+          </p:nvPicPr>
+          <p:blipFill>
+            <a:blip r:embed="rId13">
+              <a:extLst>
+                <a:ext uri="{28A0092B-C50C-407E-A947-70E740481C1C}">
+                  <a14:useLocalDpi xmlns:a14="http://schemas.microsoft.com/office/drawing/2010/main" val="0"/>
+                </a:ext>
+              </a:extLst>
+            </a:blip>
+            <a:stretch>
+              <a:fillRect/>
+            </a:stretch>
+          </p:blipFill>
+          <p:spPr>
+            <a:xfrm>
+              <a:off x="28643399" y="16065058"/>
+              <a:ext cx="6912171" cy="4608113"/>
+            </a:xfrm>
+            <a:prstGeom prst="rect">
+              <a:avLst/>
+            </a:prstGeom>
+          </p:spPr>
+        </p:pic>
+        <p:sp>
+          <p:nvSpPr>
+            <p:cNvPr id="9" name="Rectangle 8"/>
+            <p:cNvSpPr/>
+            <p:nvPr/>
+          </p:nvSpPr>
+          <p:spPr>
+            <a:xfrm>
+              <a:off x="29419006" y="16295803"/>
+              <a:ext cx="5718754" cy="310215"/>
+            </a:xfrm>
+            <a:prstGeom prst="rect">
+              <a:avLst/>
+            </a:prstGeom>
+            <a:ln>
+              <a:solidFill>
+                <a:schemeClr val="bg1"/>
+              </a:solidFill>
+            </a:ln>
+          </p:spPr>
+          <p:style>
+            <a:lnRef idx="2">
+              <a:schemeClr val="dk1"/>
+            </a:lnRef>
+            <a:fillRef idx="1">
+              <a:schemeClr val="lt1"/>
+            </a:fillRef>
+            <a:effectRef idx="0">
+              <a:schemeClr val="dk1"/>
+            </a:effectRef>
+            <a:fontRef idx="minor">
+              <a:schemeClr val="dk1"/>
+            </a:fontRef>
+          </p:style>
+          <p:txBody>
+            <a:bodyPr rtlCol="0" anchor="ctr"/>
+            <a:lstStyle/>
+            <a:p>
+              <a:pPr algn="ctr"/>
+              <a:r>
+                <a:rPr lang="fr-FR" sz="1800" dirty="0" err="1"/>
+                <a:t>Literature</a:t>
+              </a:r>
+              <a:r>
+                <a:rPr lang="fr-FR" sz="1800" dirty="0"/>
+                <a:t> Performance: SDSS </a:t>
+              </a:r>
+              <a:r>
+                <a:rPr lang="fr-FR" sz="1800" dirty="0" err="1"/>
+                <a:t>PhotoZ</a:t>
+              </a:r>
+              <a:r>
+                <a:rPr lang="fr-FR" sz="1800" dirty="0"/>
+                <a:t> vs </a:t>
+              </a:r>
+              <a:r>
+                <a:rPr lang="fr-FR" sz="1800" dirty="0" err="1"/>
+                <a:t>SpectroZ</a:t>
+              </a:r>
+              <a:endParaRPr lang="fr-FR" sz="1800" dirty="0"/>
+            </a:p>
+          </p:txBody>
+        </p:sp>
+      </p:grpSp>
+      <p:sp>
+        <p:nvSpPr>
+          <p:cNvPr id="135" name="TextBox 134">
+            <a:extLst>
+              <a:ext uri="{FF2B5EF4-FFF2-40B4-BE49-F238E27FC236}">
+                <a16:creationId xmlns:a16="http://schemas.microsoft.com/office/drawing/2014/main" id="{E8A8AD80-1860-43FD-B5A4-0CD2C563205F}"/>
+              </a:ext>
+            </a:extLst>
+          </p:cNvPr>
+          <p:cNvSpPr txBox="1"/>
+          <p:nvPr/>
+        </p:nvSpPr>
+        <p:spPr>
+          <a:xfrm>
+            <a:off x="2412771" y="14582245"/>
+            <a:ext cx="5512270" cy="400110"/>
+          </a:xfrm>
+          <a:prstGeom prst="rect">
+            <a:avLst/>
+          </a:prstGeom>
+          <a:noFill/>
+        </p:spPr>
+        <p:txBody>
+          <a:bodyPr wrap="square" rtlCol="0">
+            <a:spAutoFit/>
+          </a:bodyPr>
+          <a:lstStyle/>
+          <a:p>
+            <a:pPr algn="ctr"/>
+            <a:r>
+              <a:rPr lang="en-US" sz="2000" dirty="0"/>
+              <a:t>G. </a:t>
+            </a:r>
+            <a:r>
+              <a:rPr lang="en-US" sz="2000" dirty="0" err="1"/>
+              <a:t>Dálya</a:t>
+            </a:r>
+            <a:r>
+              <a:rPr lang="en-US" sz="2000" dirty="0"/>
+              <a:t>, G. </a:t>
+            </a:r>
+            <a:r>
+              <a:rPr lang="en-US" sz="2000" dirty="0" err="1"/>
+              <a:t>Galgóczi</a:t>
+            </a:r>
+            <a:r>
+              <a:rPr lang="en-US" sz="2000" dirty="0"/>
+              <a:t>, </a:t>
+            </a:r>
+            <a:r>
+              <a:rPr lang="en-US" sz="2000" i="1" dirty="0"/>
+              <a:t>et </a:t>
+            </a:r>
+            <a:r>
+              <a:rPr lang="en-US" sz="2000" dirty="0"/>
+              <a:t>al, (2018)</a:t>
+            </a:r>
+            <a:endParaRPr lang="en-US" sz="2000" b="1" dirty="0">
+              <a:solidFill>
+                <a:schemeClr val="tx2"/>
+              </a:solidFill>
+              <a:latin typeface="+mn-lt"/>
+            </a:endParaRPr>
+          </a:p>
+        </p:txBody>
+      </p:sp>
+      <p:sp>
+        <p:nvSpPr>
+          <p:cNvPr id="14364" name="TextBox 14363">
+            <a:extLst>
+              <a:ext uri="{FF2B5EF4-FFF2-40B4-BE49-F238E27FC236}">
+                <a16:creationId xmlns:a16="http://schemas.microsoft.com/office/drawing/2014/main" id="{DCD60D2D-4C8D-4C59-8295-9B96AC94D625}"/>
+              </a:ext>
+            </a:extLst>
+          </p:cNvPr>
+          <p:cNvSpPr txBox="1"/>
+          <p:nvPr/>
+        </p:nvSpPr>
+        <p:spPr>
+          <a:xfrm>
+            <a:off x="31223073" y="9011023"/>
+            <a:ext cx="10350439" cy="1323439"/>
+          </a:xfrm>
+          <a:prstGeom prst="rect">
+            <a:avLst/>
+          </a:prstGeom>
+          <a:noFill/>
+        </p:spPr>
+        <p:txBody>
+          <a:bodyPr wrap="square" rtlCol="0">
+            <a:spAutoFit/>
+          </a:bodyPr>
+          <a:lstStyle/>
+          <a:p>
+            <a:pPr algn="ctr"/>
+            <a:r>
+              <a:rPr lang="en-US" sz="4000" b="1" dirty="0">
+                <a:solidFill>
+                  <a:srgbClr val="D74520"/>
+                </a:solidFill>
+                <a:latin typeface="+mn-lt"/>
+              </a:rPr>
+              <a:t>Preliminary Results for Photometric Redshift Estimation</a:t>
+            </a:r>
+          </a:p>
+        </p:txBody>
+      </p:sp>
+      <p:sp>
+        <p:nvSpPr>
+          <p:cNvPr id="66" name="TextBox 65">
+            <a:extLst>
+              <a:ext uri="{FF2B5EF4-FFF2-40B4-BE49-F238E27FC236}">
+                <a16:creationId xmlns:a16="http://schemas.microsoft.com/office/drawing/2014/main" id="{A9B4DC44-BA6E-49DC-AC5A-62E40A5B64BC}"/>
+              </a:ext>
+            </a:extLst>
+          </p:cNvPr>
+          <p:cNvSpPr txBox="1"/>
+          <p:nvPr/>
+        </p:nvSpPr>
+        <p:spPr>
+          <a:xfrm>
+            <a:off x="8328137" y="9811761"/>
+            <a:ext cx="6929020" cy="5262979"/>
+          </a:xfrm>
+          <a:prstGeom prst="rect">
+            <a:avLst/>
+          </a:prstGeom>
+          <a:noFill/>
+        </p:spPr>
+        <p:txBody>
+          <a:bodyPr wrap="square" rtlCol="0">
+            <a:spAutoFit/>
+          </a:bodyPr>
+          <a:lstStyle/>
+          <a:p>
+            <a:pPr marL="457200" indent="-457200">
+              <a:buFont typeface="Arial" panose="020B0604020202020204" pitchFamily="34" charset="0"/>
+              <a:buChar char="•"/>
+            </a:pPr>
+            <a:r>
+              <a:rPr lang="en-US" sz="2400" dirty="0">
+                <a:latin typeface="+mn-lt"/>
+              </a:rPr>
+              <a:t>Multi-messenger and transient-event astrophysics rely on accurate catalogues of galaxy depths to identify hosts</a:t>
+            </a:r>
+          </a:p>
+          <a:p>
+            <a:pPr marL="457200" indent="-457200">
+              <a:buFont typeface="Arial" panose="020B0604020202020204" pitchFamily="34" charset="0"/>
+              <a:buChar char="•"/>
+            </a:pPr>
+            <a:r>
+              <a:rPr lang="en-US" sz="2400" dirty="0">
+                <a:latin typeface="+mn-lt"/>
+              </a:rPr>
+              <a:t>Spectroscopy is expensive and therefore galaxy catalogues are incomplete, (see left, [5])</a:t>
+            </a:r>
+          </a:p>
+          <a:p>
+            <a:pPr marL="457200" indent="-457200">
+              <a:buFont typeface="Arial" panose="020B0604020202020204" pitchFamily="34" charset="0"/>
+              <a:buChar char="•"/>
+            </a:pPr>
+            <a:r>
+              <a:rPr lang="en-US" sz="2400" dirty="0">
+                <a:latin typeface="+mn-lt"/>
+              </a:rPr>
+              <a:t>Therefore, photometric redshifts are used to match the time scale and field of view of modern surveys</a:t>
+            </a:r>
+          </a:p>
+          <a:p>
+            <a:pPr marL="457200" indent="-457200">
+              <a:buFont typeface="Arial" panose="020B0604020202020204" pitchFamily="34" charset="0"/>
+              <a:buChar char="•"/>
+            </a:pPr>
+            <a:r>
+              <a:rPr lang="en-US" sz="2400" dirty="0">
+                <a:latin typeface="+mn-lt"/>
+              </a:rPr>
+              <a:t>However, photometric redshifts are biased by morphological effects like edge-on-disk reddening</a:t>
+            </a:r>
+          </a:p>
+          <a:p>
+            <a:pPr marL="457200" indent="-457200">
+              <a:buFont typeface="Arial" panose="020B0604020202020204" pitchFamily="34" charset="0"/>
+              <a:buChar char="•"/>
+            </a:pPr>
+            <a:r>
+              <a:rPr lang="en-US" sz="2400" dirty="0">
+                <a:latin typeface="+mn-lt"/>
+              </a:rPr>
+              <a:t>We start with a simpler problem of galaxy classification</a:t>
+            </a:r>
+          </a:p>
+        </p:txBody>
+      </p:sp>
+      <p:grpSp>
+        <p:nvGrpSpPr>
+          <p:cNvPr id="26" name="Group 25">
+            <a:extLst>
+              <a:ext uri="{FF2B5EF4-FFF2-40B4-BE49-F238E27FC236}">
+                <a16:creationId xmlns:a16="http://schemas.microsoft.com/office/drawing/2014/main" id="{8A84BC5F-D58D-462F-9287-DEC67C045FFB}"/>
+              </a:ext>
+            </a:extLst>
+          </p:cNvPr>
+          <p:cNvGrpSpPr/>
+          <p:nvPr/>
+        </p:nvGrpSpPr>
+        <p:grpSpPr>
+          <a:xfrm>
+            <a:off x="15778585" y="22286136"/>
+            <a:ext cx="6916647" cy="5130014"/>
+            <a:chOff x="18007322" y="15776546"/>
+            <a:chExt cx="6972272" cy="5064511"/>
+          </a:xfrm>
+        </p:grpSpPr>
+        <p:pic>
+          <p:nvPicPr>
+            <p:cNvPr id="4" name="Picture 3" descr="A close up of text on a white background&#10;&#10;Description automatically generated">
+              <a:extLst>
+                <a:ext uri="{FF2B5EF4-FFF2-40B4-BE49-F238E27FC236}">
+                  <a16:creationId xmlns:a16="http://schemas.microsoft.com/office/drawing/2014/main" id="{7C11170B-C840-423C-84B0-05486F942D9C}"/>
+                </a:ext>
+              </a:extLst>
+            </p:cNvPr>
+            <p:cNvPicPr>
+              <a:picLocks noChangeAspect="1"/>
+            </p:cNvPicPr>
+            <p:nvPr/>
+          </p:nvPicPr>
+          <p:blipFill>
+            <a:blip r:embed="rId14"/>
+            <a:stretch>
+              <a:fillRect/>
+            </a:stretch>
+          </p:blipFill>
+          <p:spPr>
+            <a:xfrm>
+              <a:off x="18007322" y="15776546"/>
+              <a:ext cx="6972272" cy="4648181"/>
+            </a:xfrm>
+            <a:prstGeom prst="rect">
+              <a:avLst/>
+            </a:prstGeom>
+          </p:spPr>
+        </p:pic>
+        <p:sp>
+          <p:nvSpPr>
+            <p:cNvPr id="7" name="Rectangle 6">
+              <a:extLst>
+                <a:ext uri="{FF2B5EF4-FFF2-40B4-BE49-F238E27FC236}">
+                  <a16:creationId xmlns:a16="http://schemas.microsoft.com/office/drawing/2014/main" id="{185CA34C-8C22-4094-B33B-B97E7852A9E0}"/>
+                </a:ext>
+              </a:extLst>
+            </p:cNvPr>
+            <p:cNvSpPr/>
+            <p:nvPr/>
+          </p:nvSpPr>
+          <p:spPr>
+            <a:xfrm>
+              <a:off x="19068196" y="20191100"/>
+              <a:ext cx="5091641" cy="649957"/>
+            </a:xfrm>
+            <a:prstGeom prst="rect">
+              <a:avLst/>
+            </a:prstGeom>
+            <a:solidFill>
+              <a:schemeClr val="bg1"/>
+            </a:solidFill>
+            <a:ln>
+              <a:solidFill>
+                <a:schemeClr val="bg1"/>
+              </a:solidFill>
+            </a:ln>
+          </p:spPr>
+          <p:style>
+            <a:lnRef idx="2">
+              <a:schemeClr val="dk1"/>
+            </a:lnRef>
+            <a:fillRef idx="1">
+              <a:schemeClr val="lt1"/>
+            </a:fillRef>
+            <a:effectRef idx="0">
+              <a:schemeClr val="dk1"/>
+            </a:effectRef>
+            <a:fontRef idx="minor">
+              <a:schemeClr val="dk1"/>
+            </a:fontRef>
+          </p:style>
+          <p:txBody>
+            <a:bodyPr rtlCol="0" anchor="ctr"/>
+            <a:lstStyle/>
+            <a:p>
+              <a:pPr algn="ctr"/>
+              <a:r>
+                <a:rPr lang="en-US" sz="2000" dirty="0">
+                  <a:solidFill>
+                    <a:schemeClr val="tx1"/>
+                  </a:solidFill>
+                </a:rPr>
+                <a:t>Galaxy zoo debiased class confidence</a:t>
+              </a:r>
+            </a:p>
+          </p:txBody>
+        </p:sp>
+      </p:grpSp>
+      <p:pic>
+        <p:nvPicPr>
+          <p:cNvPr id="13" name="Picture 12"/>
+          <p:cNvPicPr>
+            <a:picLocks noChangeAspect="1"/>
+          </p:cNvPicPr>
+          <p:nvPr/>
+        </p:nvPicPr>
+        <p:blipFill rotWithShape="1">
+          <a:blip r:embed="rId15">
+            <a:extLst>
+              <a:ext uri="{28A0092B-C50C-407E-A947-70E740481C1C}">
+                <a14:useLocalDpi xmlns:a14="http://schemas.microsoft.com/office/drawing/2010/main" val="0"/>
+              </a:ext>
+            </a:extLst>
+          </a:blip>
+          <a:srcRect t="52012"/>
+          <a:stretch/>
+        </p:blipFill>
+        <p:spPr>
+          <a:xfrm>
+            <a:off x="2073295" y="27736787"/>
+            <a:ext cx="8069322" cy="3729862"/>
+          </a:xfrm>
+          <a:prstGeom prst="rect">
+            <a:avLst/>
+          </a:prstGeom>
+        </p:spPr>
+      </p:pic>
+      <p:pic>
+        <p:nvPicPr>
+          <p:cNvPr id="11" name="Picture 10"/>
+          <p:cNvPicPr>
+            <a:picLocks noChangeAspect="1"/>
+          </p:cNvPicPr>
+          <p:nvPr/>
+        </p:nvPicPr>
+        <p:blipFill rotWithShape="1">
+          <a:blip r:embed="rId16">
+            <a:extLst>
+              <a:ext uri="{28A0092B-C50C-407E-A947-70E740481C1C}">
+                <a14:useLocalDpi xmlns:a14="http://schemas.microsoft.com/office/drawing/2010/main" val="0"/>
+              </a:ext>
+            </a:extLst>
+          </a:blip>
+          <a:srcRect l="773" t="5693" r="18016" b="8580"/>
+          <a:stretch/>
+        </p:blipFill>
+        <p:spPr>
+          <a:xfrm>
+            <a:off x="2154538" y="26134468"/>
+            <a:ext cx="7817556" cy="1669950"/>
+          </a:xfrm>
+          <a:prstGeom prst="rect">
+            <a:avLst/>
+          </a:prstGeom>
+        </p:spPr>
+      </p:pic>
       <p:graphicFrame>
         <p:nvGraphicFramePr>
           <p:cNvPr id="16" name="Table 24">
@@ -8246,13 +8600,13 @@
           <p:nvPr>
             <p:extLst>
               <p:ext uri="{D42A27DB-BD31-4B8C-83A1-F6EECF244321}">
-                <p14:modId xmlns:p14="http://schemas.microsoft.com/office/powerpoint/2010/main" val="1409911153"/>
+                <p14:modId xmlns:p14="http://schemas.microsoft.com/office/powerpoint/2010/main" val="3966292148"/>
               </p:ext>
             </p:extLst>
           </p:nvPr>
         </p:nvGraphicFramePr>
         <p:xfrm>
-          <a:off x="9698591" y="28716366"/>
+          <a:off x="9327513" y="27480014"/>
           <a:ext cx="1496225" cy="2694618"/>
         </p:xfrm>
         <a:graphic>
@@ -8380,190 +8734,379 @@
           </a:graphicData>
         </a:graphic>
       </p:graphicFrame>
-      <p:pic>
-        <p:nvPicPr>
-          <p:cNvPr id="17" name="Picture 16"/>
-          <p:cNvPicPr>
-            <a:picLocks noChangeAspect="1"/>
-          </p:cNvPicPr>
-          <p:nvPr/>
-        </p:nvPicPr>
-        <p:blipFill rotWithShape="1">
-          <a:blip r:embed="rId13">
+      <p:grpSp>
+        <p:nvGrpSpPr>
+          <p:cNvPr id="31" name="Group 30">
             <a:extLst>
-              <a:ext uri="{28A0092B-C50C-407E-A947-70E740481C1C}">
-                <a14:useLocalDpi xmlns:a14="http://schemas.microsoft.com/office/drawing/2010/main" val="0"/>
+              <a:ext uri="{FF2B5EF4-FFF2-40B4-BE49-F238E27FC236}">
+                <a16:creationId xmlns:a16="http://schemas.microsoft.com/office/drawing/2014/main" id="{F59A33DE-20CE-476A-B767-BB9CCB9CBB09}"/>
               </a:ext>
             </a:extLst>
-          </a:blip>
-          <a:srcRect l="9756" t="63206" r="62417" b="8433"/>
-          <a:stretch/>
-        </p:blipFill>
-        <p:spPr>
+          </p:cNvPr>
+          <p:cNvGrpSpPr/>
+          <p:nvPr/>
+        </p:nvGrpSpPr>
+        <p:grpSpPr>
           <a:xfrm>
-            <a:off x="22536718" y="24000602"/>
-            <a:ext cx="2917082" cy="2973110"/>
-          </a:xfrm>
-          <a:prstGeom prst="rect">
-            <a:avLst/>
-          </a:prstGeom>
-        </p:spPr>
-      </p:pic>
-      <p:pic>
-        <p:nvPicPr>
-          <p:cNvPr id="128" name="Picture 127"/>
-          <p:cNvPicPr>
-            <a:picLocks noChangeAspect="1"/>
-          </p:cNvPicPr>
-          <p:nvPr/>
-        </p:nvPicPr>
-        <p:blipFill rotWithShape="1">
-          <a:blip r:embed="rId13">
+            <a:off x="21977628" y="23623209"/>
+            <a:ext cx="8161557" cy="8784038"/>
+            <a:chOff x="22492584" y="23523674"/>
+            <a:chExt cx="8161557" cy="8784038"/>
+          </a:xfrm>
+        </p:grpSpPr>
+        <p:sp>
+          <p:nvSpPr>
+            <p:cNvPr id="133" name="TextBox 132"/>
+            <p:cNvSpPr txBox="1"/>
+            <p:nvPr/>
+          </p:nvSpPr>
+          <p:spPr>
+            <a:xfrm>
+              <a:off x="26226055" y="23547022"/>
+              <a:ext cx="1123216" cy="646331"/>
+            </a:xfrm>
+            <a:prstGeom prst="rect">
+              <a:avLst/>
+            </a:prstGeom>
+            <a:noFill/>
+          </p:spPr>
+          <p:txBody>
+            <a:bodyPr wrap="square" rtlCol="0">
+              <a:spAutoFit/>
+            </a:bodyPr>
+            <a:lstStyle/>
+            <a:p>
+              <a:r>
+                <a:rPr lang="en-US" sz="3600" dirty="0">
+                  <a:solidFill>
+                    <a:srgbClr val="0D7517"/>
+                  </a:solidFill>
+                </a:rPr>
+                <a:t>MP</a:t>
+              </a:r>
+            </a:p>
+          </p:txBody>
+        </p:sp>
+        <p:grpSp>
+          <p:nvGrpSpPr>
+            <p:cNvPr id="30" name="Group 29">
+              <a:extLst>
+                <a:ext uri="{FF2B5EF4-FFF2-40B4-BE49-F238E27FC236}">
+                  <a16:creationId xmlns:a16="http://schemas.microsoft.com/office/drawing/2014/main" id="{0A9917FF-EF79-484B-965A-1529B8FD058E}"/>
+                </a:ext>
+              </a:extLst>
+            </p:cNvPr>
+            <p:cNvGrpSpPr/>
+            <p:nvPr/>
+          </p:nvGrpSpPr>
+          <p:grpSpPr>
+            <a:xfrm>
+              <a:off x="22492584" y="23523674"/>
+              <a:ext cx="8161557" cy="8784038"/>
+              <a:chOff x="22492584" y="23523674"/>
+              <a:chExt cx="8161557" cy="8784038"/>
+            </a:xfrm>
+          </p:grpSpPr>
+          <p:sp>
+            <p:nvSpPr>
+              <p:cNvPr id="18" name="TextBox 17"/>
+              <p:cNvSpPr txBox="1"/>
+              <p:nvPr/>
+            </p:nvSpPr>
+            <p:spPr>
+              <a:xfrm>
+                <a:off x="23631501" y="23523674"/>
+                <a:ext cx="1123216" cy="646331"/>
+              </a:xfrm>
+              <a:prstGeom prst="rect">
+                <a:avLst/>
+              </a:prstGeom>
+              <a:noFill/>
+            </p:spPr>
+            <p:txBody>
+              <a:bodyPr wrap="square" rtlCol="0">
+                <a:spAutoFit/>
+              </a:bodyPr>
+              <a:lstStyle/>
+              <a:p>
+                <a:r>
+                  <a:rPr lang="en-US" sz="3600" dirty="0">
+                    <a:solidFill>
+                      <a:srgbClr val="1B46A5"/>
+                    </a:solidFill>
+                  </a:rPr>
+                  <a:t>HP</a:t>
+                </a:r>
+              </a:p>
+            </p:txBody>
+          </p:sp>
+          <p:grpSp>
+            <p:nvGrpSpPr>
+              <p:cNvPr id="25" name="Group 24">
+                <a:extLst>
+                  <a:ext uri="{FF2B5EF4-FFF2-40B4-BE49-F238E27FC236}">
+                    <a16:creationId xmlns:a16="http://schemas.microsoft.com/office/drawing/2014/main" id="{97379332-654A-49FA-ABC6-F5E3B53FE374}"/>
+                  </a:ext>
+                </a:extLst>
+              </p:cNvPr>
+              <p:cNvGrpSpPr/>
+              <p:nvPr/>
+            </p:nvGrpSpPr>
+            <p:grpSpPr>
+              <a:xfrm>
+                <a:off x="22492584" y="23567378"/>
+                <a:ext cx="8161557" cy="8740334"/>
+                <a:chOff x="22492584" y="23567378"/>
+                <a:chExt cx="8161557" cy="8740334"/>
+              </a:xfrm>
+            </p:grpSpPr>
+            <p:grpSp>
+              <p:nvGrpSpPr>
+                <p:cNvPr id="19" name="Group 18">
+                  <a:extLst>
+                    <a:ext uri="{FF2B5EF4-FFF2-40B4-BE49-F238E27FC236}">
+                      <a16:creationId xmlns:a16="http://schemas.microsoft.com/office/drawing/2014/main" id="{E091EDEB-3DB5-4CC9-A931-6337B0354C77}"/>
+                    </a:ext>
+                  </a:extLst>
+                </p:cNvPr>
+                <p:cNvGrpSpPr/>
+                <p:nvPr/>
+              </p:nvGrpSpPr>
+              <p:grpSpPr>
+                <a:xfrm>
+                  <a:off x="22492584" y="24000602"/>
+                  <a:ext cx="8161557" cy="8307110"/>
+                  <a:chOff x="22492584" y="24000602"/>
+                  <a:chExt cx="8161557" cy="8307110"/>
+                </a:xfrm>
+              </p:grpSpPr>
+              <p:pic>
+                <p:nvPicPr>
+                  <p:cNvPr id="17" name="Picture 16"/>
+                  <p:cNvPicPr>
+                    <a:picLocks noChangeAspect="1"/>
+                  </p:cNvPicPr>
+                  <p:nvPr/>
+                </p:nvPicPr>
+                <p:blipFill rotWithShape="1">
+                  <a:blip r:embed="rId17">
+                    <a:extLst>
+                      <a:ext uri="{28A0092B-C50C-407E-A947-70E740481C1C}">
+                        <a14:useLocalDpi xmlns:a14="http://schemas.microsoft.com/office/drawing/2010/main" val="0"/>
+                      </a:ext>
+                    </a:extLst>
+                  </a:blip>
+                  <a:srcRect l="9756" t="63206" r="62417" b="8433"/>
+                  <a:stretch/>
+                </p:blipFill>
+                <p:spPr>
+                  <a:xfrm>
+                    <a:off x="22536718" y="24000602"/>
+                    <a:ext cx="2917082" cy="2973110"/>
+                  </a:xfrm>
+                  <a:prstGeom prst="rect">
+                    <a:avLst/>
+                  </a:prstGeom>
+                </p:spPr>
+              </p:pic>
+              <p:pic>
+                <p:nvPicPr>
+                  <p:cNvPr id="128" name="Picture 127"/>
+                  <p:cNvPicPr>
+                    <a:picLocks noChangeAspect="1"/>
+                  </p:cNvPicPr>
+                  <p:nvPr/>
+                </p:nvPicPr>
+                <p:blipFill rotWithShape="1">
+                  <a:blip r:embed="rId17">
+                    <a:extLst>
+                      <a:ext uri="{28A0092B-C50C-407E-A947-70E740481C1C}">
+                        <a14:useLocalDpi xmlns:a14="http://schemas.microsoft.com/office/drawing/2010/main" val="0"/>
+                      </a:ext>
+                    </a:extLst>
+                  </a:blip>
+                  <a:srcRect l="64693" t="37799" r="8773" b="38940"/>
+                  <a:stretch/>
+                </p:blipFill>
+                <p:spPr>
+                  <a:xfrm>
+                    <a:off x="27821967" y="24170005"/>
+                    <a:ext cx="2781564" cy="2438400"/>
+                  </a:xfrm>
+                  <a:prstGeom prst="rect">
+                    <a:avLst/>
+                  </a:prstGeom>
+                </p:spPr>
+              </p:pic>
+              <p:pic>
+                <p:nvPicPr>
+                  <p:cNvPr id="129" name="Picture 128"/>
+                  <p:cNvPicPr>
+                    <a:picLocks noChangeAspect="1"/>
+                  </p:cNvPicPr>
+                  <p:nvPr/>
+                </p:nvPicPr>
+                <p:blipFill rotWithShape="1">
+                  <a:blip r:embed="rId17">
+                    <a:extLst>
+                      <a:ext uri="{28A0092B-C50C-407E-A947-70E740481C1C}">
+                        <a14:useLocalDpi xmlns:a14="http://schemas.microsoft.com/office/drawing/2010/main" val="0"/>
+                      </a:ext>
+                    </a:extLst>
+                  </a:blip>
+                  <a:srcRect l="39218" t="11761" r="35340" b="11067"/>
+                  <a:stretch/>
+                </p:blipFill>
+                <p:spPr>
+                  <a:xfrm>
+                    <a:off x="25365531" y="24193877"/>
+                    <a:ext cx="2667000" cy="8089963"/>
+                  </a:xfrm>
+                  <a:prstGeom prst="rect">
+                    <a:avLst/>
+                  </a:prstGeom>
+                </p:spPr>
+              </p:pic>
+              <p:pic>
+                <p:nvPicPr>
+                  <p:cNvPr id="130" name="Picture 129"/>
+                  <p:cNvPicPr>
+                    <a:picLocks noChangeAspect="1"/>
+                  </p:cNvPicPr>
+                  <p:nvPr/>
+                </p:nvPicPr>
+                <p:blipFill rotWithShape="1">
+                  <a:blip r:embed="rId17">
+                    <a:extLst>
+                      <a:ext uri="{28A0092B-C50C-407E-A947-70E740481C1C}">
+                        <a14:useLocalDpi xmlns:a14="http://schemas.microsoft.com/office/drawing/2010/main" val="0"/>
+                      </a:ext>
+                    </a:extLst>
+                  </a:blip>
+                  <a:srcRect l="9756" t="11985" r="62417" b="37132"/>
+                  <a:stretch/>
+                </p:blipFill>
+                <p:spPr>
+                  <a:xfrm>
+                    <a:off x="22492584" y="26973712"/>
+                    <a:ext cx="2917082" cy="5334000"/>
+                  </a:xfrm>
+                  <a:prstGeom prst="rect">
+                    <a:avLst/>
+                  </a:prstGeom>
+                </p:spPr>
+              </p:pic>
+              <p:pic>
+                <p:nvPicPr>
+                  <p:cNvPr id="131" name="Picture 130"/>
+                  <p:cNvPicPr>
+                    <a:picLocks noChangeAspect="1"/>
+                  </p:cNvPicPr>
+                  <p:nvPr/>
+                </p:nvPicPr>
+                <p:blipFill rotWithShape="1">
+                  <a:blip r:embed="rId17">
+                    <a:extLst>
+                      <a:ext uri="{28A0092B-C50C-407E-A947-70E740481C1C}">
+                        <a14:useLocalDpi xmlns:a14="http://schemas.microsoft.com/office/drawing/2010/main" val="0"/>
+                      </a:ext>
+                    </a:extLst>
+                  </a:blip>
+                  <a:srcRect l="65361" t="11710" r="8105" b="64302"/>
+                  <a:stretch/>
+                </p:blipFill>
+                <p:spPr>
+                  <a:xfrm>
+                    <a:off x="27872577" y="27012043"/>
+                    <a:ext cx="2781564" cy="2514600"/>
+                  </a:xfrm>
+                  <a:prstGeom prst="rect">
+                    <a:avLst/>
+                  </a:prstGeom>
+                </p:spPr>
+              </p:pic>
+              <p:pic>
+                <p:nvPicPr>
+                  <p:cNvPr id="132" name="Picture 131"/>
+                  <p:cNvPicPr>
+                    <a:picLocks noChangeAspect="1"/>
+                  </p:cNvPicPr>
+                  <p:nvPr/>
+                </p:nvPicPr>
+                <p:blipFill rotWithShape="1">
+                  <a:blip r:embed="rId17">
+                    <a:extLst>
+                      <a:ext uri="{28A0092B-C50C-407E-A947-70E740481C1C}">
+                        <a14:useLocalDpi xmlns:a14="http://schemas.microsoft.com/office/drawing/2010/main" val="0"/>
+                      </a:ext>
+                    </a:extLst>
+                  </a:blip>
+                  <a:srcRect l="67344" t="64302" r="9396" b="10983"/>
+                  <a:stretch/>
+                </p:blipFill>
+                <p:spPr>
+                  <a:xfrm>
+                    <a:off x="28113624" y="29697050"/>
+                    <a:ext cx="2438400" cy="2590801"/>
+                  </a:xfrm>
+                  <a:prstGeom prst="rect">
+                    <a:avLst/>
+                  </a:prstGeom>
+                </p:spPr>
+              </p:pic>
+            </p:grpSp>
+            <p:sp>
+              <p:nvSpPr>
+                <p:cNvPr id="134" name="TextBox 133"/>
+                <p:cNvSpPr txBox="1"/>
+                <p:nvPr/>
+              </p:nvSpPr>
+              <p:spPr>
+                <a:xfrm>
+                  <a:off x="28913627" y="23567378"/>
+                  <a:ext cx="1123216" cy="646331"/>
+                </a:xfrm>
+                <a:prstGeom prst="rect">
+                  <a:avLst/>
+                </a:prstGeom>
+                <a:noFill/>
+              </p:spPr>
+              <p:txBody>
+                <a:bodyPr wrap="square" rtlCol="0">
+                  <a:spAutoFit/>
+                </a:bodyPr>
+                <a:lstStyle/>
+                <a:p>
+                  <a:r>
+                    <a:rPr lang="en-US" sz="3600" dirty="0">
+                      <a:solidFill>
+                        <a:srgbClr val="FF0000"/>
+                      </a:solidFill>
+                    </a:rPr>
+                    <a:t>LP</a:t>
+                  </a:r>
+                </a:p>
+              </p:txBody>
+            </p:sp>
+          </p:grpSp>
+        </p:grpSp>
+      </p:grpSp>
+      <p:sp>
+        <p:nvSpPr>
+          <p:cNvPr id="15" name="TextBox 14">
             <a:extLst>
-              <a:ext uri="{28A0092B-C50C-407E-A947-70E740481C1C}">
-                <a14:useLocalDpi xmlns:a14="http://schemas.microsoft.com/office/drawing/2010/main" val="0"/>
+              <a:ext uri="{FF2B5EF4-FFF2-40B4-BE49-F238E27FC236}">
+                <a16:creationId xmlns:a16="http://schemas.microsoft.com/office/drawing/2014/main" id="{C347EF07-AED6-45F5-BC43-21B7DFA22D89}"/>
               </a:ext>
             </a:extLst>
-          </a:blip>
-          <a:srcRect l="64693" t="37799" r="8773" b="38940"/>
-          <a:stretch/>
-        </p:blipFill>
-        <p:spPr>
-          <a:xfrm>
-            <a:off x="27821967" y="24170005"/>
-            <a:ext cx="2781564" cy="2438400"/>
-          </a:xfrm>
-          <a:prstGeom prst="rect">
-            <a:avLst/>
-          </a:prstGeom>
-        </p:spPr>
-      </p:pic>
-      <p:pic>
-        <p:nvPicPr>
-          <p:cNvPr id="129" name="Picture 128"/>
-          <p:cNvPicPr>
-            <a:picLocks noChangeAspect="1"/>
-          </p:cNvPicPr>
-          <p:nvPr/>
-        </p:nvPicPr>
-        <p:blipFill rotWithShape="1">
-          <a:blip r:embed="rId13">
-            <a:extLst>
-              <a:ext uri="{28A0092B-C50C-407E-A947-70E740481C1C}">
-                <a14:useLocalDpi xmlns:a14="http://schemas.microsoft.com/office/drawing/2010/main" val="0"/>
-              </a:ext>
-            </a:extLst>
-          </a:blip>
-          <a:srcRect l="39218" t="11761" r="35340" b="11067"/>
-          <a:stretch/>
-        </p:blipFill>
-        <p:spPr>
-          <a:xfrm>
-            <a:off x="25365531" y="24193877"/>
-            <a:ext cx="2667000" cy="8089963"/>
-          </a:xfrm>
-          <a:prstGeom prst="rect">
-            <a:avLst/>
-          </a:prstGeom>
-        </p:spPr>
-      </p:pic>
-      <p:pic>
-        <p:nvPicPr>
-          <p:cNvPr id="130" name="Picture 129"/>
-          <p:cNvPicPr>
-            <a:picLocks noChangeAspect="1"/>
-          </p:cNvPicPr>
-          <p:nvPr/>
-        </p:nvPicPr>
-        <p:blipFill rotWithShape="1">
-          <a:blip r:embed="rId13">
-            <a:extLst>
-              <a:ext uri="{28A0092B-C50C-407E-A947-70E740481C1C}">
-                <a14:useLocalDpi xmlns:a14="http://schemas.microsoft.com/office/drawing/2010/main" val="0"/>
-              </a:ext>
-            </a:extLst>
-          </a:blip>
-          <a:srcRect l="9756" t="11985" r="62417" b="37132"/>
-          <a:stretch/>
-        </p:blipFill>
-        <p:spPr>
-          <a:xfrm>
-            <a:off x="22492584" y="26973712"/>
-            <a:ext cx="2917082" cy="5334000"/>
-          </a:xfrm>
-          <a:prstGeom prst="rect">
-            <a:avLst/>
-          </a:prstGeom>
-        </p:spPr>
-      </p:pic>
-      <p:pic>
-        <p:nvPicPr>
-          <p:cNvPr id="131" name="Picture 130"/>
-          <p:cNvPicPr>
-            <a:picLocks noChangeAspect="1"/>
-          </p:cNvPicPr>
-          <p:nvPr/>
-        </p:nvPicPr>
-        <p:blipFill rotWithShape="1">
-          <a:blip r:embed="rId13">
-            <a:extLst>
-              <a:ext uri="{28A0092B-C50C-407E-A947-70E740481C1C}">
-                <a14:useLocalDpi xmlns:a14="http://schemas.microsoft.com/office/drawing/2010/main" val="0"/>
-              </a:ext>
-            </a:extLst>
-          </a:blip>
-          <a:srcRect l="65361" t="11710" r="8105" b="64302"/>
-          <a:stretch/>
-        </p:blipFill>
-        <p:spPr>
-          <a:xfrm>
-            <a:off x="27872577" y="27012043"/>
-            <a:ext cx="2781564" cy="2514600"/>
-          </a:xfrm>
-          <a:prstGeom prst="rect">
-            <a:avLst/>
-          </a:prstGeom>
-        </p:spPr>
-      </p:pic>
-      <p:pic>
-        <p:nvPicPr>
-          <p:cNvPr id="132" name="Picture 131"/>
-          <p:cNvPicPr>
-            <a:picLocks noChangeAspect="1"/>
-          </p:cNvPicPr>
-          <p:nvPr/>
-        </p:nvPicPr>
-        <p:blipFill rotWithShape="1">
-          <a:blip r:embed="rId13">
-            <a:extLst>
-              <a:ext uri="{28A0092B-C50C-407E-A947-70E740481C1C}">
-                <a14:useLocalDpi xmlns:a14="http://schemas.microsoft.com/office/drawing/2010/main" val="0"/>
-              </a:ext>
-            </a:extLst>
-          </a:blip>
-          <a:srcRect l="67344" t="64302" r="9396" b="10983"/>
-          <a:stretch/>
-        </p:blipFill>
-        <p:spPr>
-          <a:xfrm>
-            <a:off x="28113624" y="29697050"/>
-            <a:ext cx="2438400" cy="2590801"/>
-          </a:xfrm>
-          <a:prstGeom prst="rect">
-            <a:avLst/>
-          </a:prstGeom>
-        </p:spPr>
-      </p:pic>
-      <p:sp>
-        <p:nvSpPr>
-          <p:cNvPr id="18" name="TextBox 17"/>
+          </p:cNvPr>
           <p:cNvSpPr txBox="1"/>
           <p:nvPr/>
         </p:nvSpPr>
         <p:spPr>
           <a:xfrm>
-            <a:off x="23631501" y="23523674"/>
-            <a:ext cx="1123216" cy="646331"/>
+            <a:off x="16196313" y="28493740"/>
+            <a:ext cx="5950255" cy="2308324"/>
           </a:xfrm>
           <a:prstGeom prst="rect">
             <a:avLst/>
@@ -8577,26 +9120,32 @@
           <a:lstStyle/>
           <a:p>
             <a:r>
-              <a:rPr lang="en-US" sz="3600" dirty="0">
-                <a:solidFill>
-                  <a:srgbClr val="1B46A5"/>
-                </a:solidFill>
-              </a:rPr>
-              <a:t>HP</a:t>
+              <a:rPr lang="en-US" sz="2400" b="1" dirty="0"/>
+              <a:t>Right</a:t>
+            </a:r>
+            <a:r>
+              <a:rPr lang="en-US" sz="2400" dirty="0"/>
+              <a:t>: Representative outputs of our model, with cases of both spiral (‘s’) and elliptical (‘e’). Our model continues to have trouble classifying spiral galaxies with low disk visibility, despite significant improvements. </a:t>
             </a:r>
           </a:p>
         </p:txBody>
       </p:sp>
       <p:sp>
         <p:nvSpPr>
-          <p:cNvPr id="133" name="TextBox 132"/>
+          <p:cNvPr id="33" name="TextBox 32">
+            <a:extLst>
+              <a:ext uri="{FF2B5EF4-FFF2-40B4-BE49-F238E27FC236}">
+                <a16:creationId xmlns:a16="http://schemas.microsoft.com/office/drawing/2014/main" id="{E403062F-6ED7-4F19-8980-6E7CBA7BBEC0}"/>
+              </a:ext>
+            </a:extLst>
+          </p:cNvPr>
           <p:cNvSpPr txBox="1"/>
           <p:nvPr/>
         </p:nvSpPr>
         <p:spPr>
           <a:xfrm>
-            <a:off x="26226055" y="23547022"/>
-            <a:ext cx="1123216" cy="646331"/>
+            <a:off x="36981649" y="11234018"/>
+            <a:ext cx="4991941" cy="8710077"/>
           </a:xfrm>
           <a:prstGeom prst="rect">
             <a:avLst/>
@@ -8609,27 +9158,80 @@
           </a:bodyPr>
           <a:lstStyle/>
           <a:p>
-            <a:r>
-              <a:rPr lang="en-US" sz="3600" dirty="0">
-                <a:solidFill>
-                  <a:srgbClr val="0D7517"/>
-                </a:solidFill>
+            <a:pPr marL="457200" indent="-457200">
+              <a:buFont typeface="Arial" panose="020B0604020202020204" pitchFamily="34" charset="0"/>
+              <a:buChar char="•"/>
+            </a:pPr>
+            <a:r>
+              <a:rPr lang="en-US" sz="2400" dirty="0">
+                <a:latin typeface="+mn-lt"/>
               </a:rPr>
-              <a:t>MP</a:t>
-            </a:r>
+              <a:t>With a morphological classifier, we can utilize our output to inform a photometric Z estimator</a:t>
+            </a:r>
+          </a:p>
+          <a:p>
+            <a:pPr marL="457200" indent="-457200">
+              <a:buFont typeface="Arial" panose="020B0604020202020204" pitchFamily="34" charset="0"/>
+              <a:buChar char="•"/>
+            </a:pPr>
+            <a:r>
+              <a:rPr lang="en-US" sz="2400" dirty="0">
+                <a:latin typeface="+mn-lt"/>
+              </a:rPr>
+              <a:t>New sixth channel will be implemented with angular size of galaxies, extinction coefficients, and morphological class from classification model</a:t>
+            </a:r>
+          </a:p>
+          <a:p>
+            <a:pPr marL="457200" indent="-457200">
+              <a:buFont typeface="Arial" panose="020B0604020202020204" pitchFamily="34" charset="0"/>
+              <a:buChar char="•"/>
+            </a:pPr>
+            <a:r>
+              <a:rPr lang="en-US" sz="2400" dirty="0">
+                <a:latin typeface="+mn-lt"/>
+              </a:rPr>
+              <a:t>Shown left, top is the output of a model trained on dereddened magnitudes, colors, angular size. Shown left, bottom, is the performance of SDSS DR7 Photo-Z algorithm on the same dataset.</a:t>
+            </a:r>
+          </a:p>
+          <a:p>
+            <a:pPr marL="457200" indent="-457200">
+              <a:buFont typeface="Arial" panose="020B0604020202020204" pitchFamily="34" charset="0"/>
+              <a:buChar char="•"/>
+            </a:pPr>
+            <a:r>
+              <a:rPr lang="en-US" sz="2400" dirty="0">
+                <a:latin typeface="+mn-lt"/>
+              </a:rPr>
+              <a:t>With a proof of concept complete, in the future we will see how performance changes with a morphological input, and upgrade to a full CNN with galactic images as inputs.</a:t>
+            </a:r>
+          </a:p>
+          <a:p>
+            <a:pPr marL="457200" indent="-457200">
+              <a:buFont typeface="Arial" panose="020B0604020202020204" pitchFamily="34" charset="0"/>
+              <a:buChar char="•"/>
+            </a:pPr>
+            <a:endParaRPr lang="en-US" sz="3200" dirty="0">
+              <a:latin typeface="+mn-lt"/>
+            </a:endParaRPr>
           </a:p>
         </p:txBody>
       </p:sp>
       <p:sp>
         <p:nvSpPr>
-          <p:cNvPr id="134" name="TextBox 133"/>
+          <p:cNvPr id="77" name="TextBox 76">
+            <a:extLst>
+              <a:ext uri="{FF2B5EF4-FFF2-40B4-BE49-F238E27FC236}">
+                <a16:creationId xmlns:a16="http://schemas.microsoft.com/office/drawing/2014/main" id="{E9350B83-1067-415B-858A-8A7740FB95AD}"/>
+              </a:ext>
+            </a:extLst>
+          </p:cNvPr>
           <p:cNvSpPr txBox="1"/>
           <p:nvPr/>
         </p:nvSpPr>
         <p:spPr>
           <a:xfrm>
-            <a:off x="28913627" y="23567378"/>
-            <a:ext cx="1123216" cy="646331"/>
+            <a:off x="5332646" y="15509107"/>
+            <a:ext cx="5512270" cy="707886"/>
           </a:xfrm>
           <a:prstGeom prst="rect">
             <a:avLst/>
@@ -8642,113 +9244,25 @@
           </a:bodyPr>
           <a:lstStyle/>
           <a:p>
-            <a:r>
-              <a:rPr lang="en-US" sz="3600" dirty="0">
+            <a:pPr algn="ctr"/>
+            <a:r>
+              <a:rPr lang="en-US" sz="4000" b="1" dirty="0">
                 <a:solidFill>
-                  <a:srgbClr val="FF0000"/>
+                  <a:schemeClr val="tx2"/>
                 </a:solidFill>
+                <a:latin typeface="+mn-lt"/>
               </a:rPr>
-              <a:t>LP</a:t>
+              <a:t>APPROACH</a:t>
             </a:r>
           </a:p>
         </p:txBody>
       </p:sp>
-      <p:pic>
-        <p:nvPicPr>
-          <p:cNvPr id="20" name="Picture 19"/>
-          <p:cNvPicPr>
-            <a:picLocks noChangeAspect="1"/>
-          </p:cNvPicPr>
-          <p:nvPr/>
-        </p:nvPicPr>
-        <p:blipFill>
-          <a:blip r:embed="rId14">
-            <a:extLst>
-              <a:ext uri="{28A0092B-C50C-407E-A947-70E740481C1C}">
-                <a14:useLocalDpi xmlns:a14="http://schemas.microsoft.com/office/drawing/2010/main" val="0"/>
-              </a:ext>
-            </a:extLst>
-          </a:blip>
-          <a:stretch>
-            <a:fillRect/>
-          </a:stretch>
-        </p:blipFill>
-        <p:spPr>
-          <a:xfrm>
-            <a:off x="28255031" y="15298549"/>
-            <a:ext cx="6912171" cy="4608113"/>
-          </a:xfrm>
-          <a:prstGeom prst="rect">
-            <a:avLst/>
-          </a:prstGeom>
-        </p:spPr>
-      </p:pic>
-      <p:pic>
-        <p:nvPicPr>
-          <p:cNvPr id="21" name="Picture 20"/>
-          <p:cNvPicPr>
-            <a:picLocks noChangeAspect="1"/>
-          </p:cNvPicPr>
-          <p:nvPr/>
-        </p:nvPicPr>
-        <p:blipFill>
-          <a:blip r:embed="rId15">
-            <a:extLst>
-              <a:ext uri="{28A0092B-C50C-407E-A947-70E740481C1C}">
-                <a14:useLocalDpi xmlns:a14="http://schemas.microsoft.com/office/drawing/2010/main" val="0"/>
-              </a:ext>
-            </a:extLst>
-          </a:blip>
-          <a:stretch>
-            <a:fillRect/>
-          </a:stretch>
-        </p:blipFill>
-        <p:spPr>
-          <a:xfrm>
-            <a:off x="28384032" y="10766851"/>
-            <a:ext cx="6615113" cy="4410074"/>
-          </a:xfrm>
-          <a:prstGeom prst="rect">
-            <a:avLst/>
-          </a:prstGeom>
-        </p:spPr>
-      </p:pic>
-      <p:pic>
-        <p:nvPicPr>
-          <p:cNvPr id="24" name="Picture 23"/>
-          <p:cNvPicPr>
-            <a:picLocks noChangeAspect="1"/>
-          </p:cNvPicPr>
-          <p:nvPr/>
-        </p:nvPicPr>
-        <p:blipFill>
-          <a:blip r:embed="rId16">
-            <a:extLst>
-              <a:ext uri="{28A0092B-C50C-407E-A947-70E740481C1C}">
-                <a14:useLocalDpi xmlns:a14="http://schemas.microsoft.com/office/drawing/2010/main" val="0"/>
-              </a:ext>
-            </a:extLst>
-          </a:blip>
-          <a:stretch>
-            <a:fillRect/>
-          </a:stretch>
-        </p:blipFill>
-        <p:spPr>
-          <a:xfrm>
-            <a:off x="3080423" y="17137063"/>
-            <a:ext cx="8916644" cy="4391638"/>
-          </a:xfrm>
-          <a:prstGeom prst="rect">
-            <a:avLst/>
-          </a:prstGeom>
-        </p:spPr>
-      </p:pic>
       <p:sp>
         <p:nvSpPr>
-          <p:cNvPr id="76" name="TextBox 75">
+          <p:cNvPr id="154" name="TextBox 153">
             <a:extLst>
               <a:ext uri="{FF2B5EF4-FFF2-40B4-BE49-F238E27FC236}">
-                <a16:creationId xmlns:a16="http://schemas.microsoft.com/office/drawing/2014/main" id="{90D9F4C2-4109-4AAF-A659-4E8166452EE6}"/>
+                <a16:creationId xmlns:a16="http://schemas.microsoft.com/office/drawing/2014/main" id="{32E21050-A46E-49DD-B8DC-DD4B169CE11F}"/>
               </a:ext>
             </a:extLst>
           </p:cNvPr>
@@ -8757,8 +9271,8 @@
         </p:nvSpPr>
         <p:spPr>
           <a:xfrm>
-            <a:off x="2253117" y="21238697"/>
-            <a:ext cx="6159749" cy="5262979"/>
+            <a:off x="20313487" y="8823630"/>
+            <a:ext cx="5512270" cy="707886"/>
           </a:xfrm>
           <a:prstGeom prst="rect">
             <a:avLst/>
@@ -8771,474 +9285,16 @@
           </a:bodyPr>
           <a:lstStyle/>
           <a:p>
-            <a:pPr marL="457200" indent="-457200">
-              <a:buFont typeface="Arial" panose="020B0604020202020204" pitchFamily="34" charset="0"/>
-              <a:buChar char="•"/>
-            </a:pPr>
-            <a:r>
-              <a:rPr lang="en-US" sz="2800" dirty="0">
-                <a:latin typeface="+mn-lt"/>
-              </a:rPr>
-              <a:t>Deep learning is one of many empirical methods for estimating redshift</a:t>
-            </a:r>
-          </a:p>
-          <a:p>
-            <a:pPr marL="457200" indent="-457200">
-              <a:buFont typeface="Arial" panose="020B0604020202020204" pitchFamily="34" charset="0"/>
-              <a:buChar char="•"/>
-            </a:pPr>
-            <a:r>
-              <a:rPr lang="en-US" sz="2800" dirty="0">
-                <a:latin typeface="+mn-lt"/>
-              </a:rPr>
-              <a:t>NN are scalable, versatile, and benefit from advancements in GPUs</a:t>
-            </a:r>
-          </a:p>
-          <a:p>
-            <a:pPr marL="457200" indent="-457200">
-              <a:buFont typeface="Arial" panose="020B0604020202020204" pitchFamily="34" charset="0"/>
-              <a:buChar char="•"/>
-            </a:pPr>
-            <a:r>
-              <a:rPr lang="en-US" sz="2800" dirty="0">
-                <a:latin typeface="+mn-lt"/>
-              </a:rPr>
-              <a:t>Convolutional Neural Networks (CNN) are known for success in machine vision problems</a:t>
-            </a:r>
-          </a:p>
-          <a:p>
-            <a:pPr marL="457200" indent="-457200">
-              <a:buFont typeface="Arial" panose="020B0604020202020204" pitchFamily="34" charset="0"/>
-              <a:buChar char="•"/>
-            </a:pPr>
-            <a:r>
-              <a:rPr lang="en-US" sz="2800" dirty="0">
-                <a:latin typeface="+mn-lt"/>
-              </a:rPr>
-              <a:t>NN also have been used for similar galaxy morphology classification tasks [1][2]</a:t>
-            </a:r>
-          </a:p>
-        </p:txBody>
-      </p:sp>
-      <p:sp>
-        <p:nvSpPr>
-          <p:cNvPr id="80" name="TextBox 79">
-            <a:extLst>
-              <a:ext uri="{FF2B5EF4-FFF2-40B4-BE49-F238E27FC236}">
-                <a16:creationId xmlns:a16="http://schemas.microsoft.com/office/drawing/2014/main" id="{0019DC68-CC52-4F49-A843-2588F94FC4A2}"/>
-              </a:ext>
-            </a:extLst>
-          </p:cNvPr>
-          <p:cNvSpPr txBox="1"/>
-          <p:nvPr/>
-        </p:nvSpPr>
-        <p:spPr>
-          <a:xfrm>
-            <a:off x="8999629" y="20923252"/>
-            <a:ext cx="4156626" cy="6124754"/>
-          </a:xfrm>
-          <a:prstGeom prst="rect">
-            <a:avLst/>
-          </a:prstGeom>
-          <a:noFill/>
-        </p:spPr>
-        <p:txBody>
-          <a:bodyPr wrap="square" rtlCol="0">
-            <a:spAutoFit/>
-          </a:bodyPr>
-          <a:lstStyle/>
-          <a:p>
-            <a:pPr marL="457200" indent="-457200">
-              <a:buFont typeface="Arial" panose="020B0604020202020204" pitchFamily="34" charset="0"/>
-              <a:buChar char="•"/>
-            </a:pPr>
-            <a:r>
-              <a:rPr lang="en-US" sz="2800" dirty="0">
-                <a:latin typeface="+mn-lt"/>
-              </a:rPr>
-              <a:t>A CNN is utilized, broadly inspired by [1]</a:t>
-            </a:r>
-          </a:p>
-          <a:p>
-            <a:pPr marL="457200" indent="-457200">
-              <a:buFont typeface="Arial" panose="020B0604020202020204" pitchFamily="34" charset="0"/>
-              <a:buChar char="•"/>
-            </a:pPr>
-            <a:r>
-              <a:rPr lang="en-US" sz="2800" dirty="0">
-                <a:latin typeface="+mn-lt"/>
-              </a:rPr>
-              <a:t>Augmentation is done on the fly to reduce overfitting by adding random rotations, flips, and translations</a:t>
-            </a:r>
-          </a:p>
-          <a:p>
-            <a:pPr marL="457200" indent="-457200">
-              <a:buFont typeface="Arial" panose="020B0604020202020204" pitchFamily="34" charset="0"/>
-              <a:buChar char="•"/>
-            </a:pPr>
-            <a:r>
-              <a:rPr lang="en-US" sz="2800" dirty="0">
-                <a:latin typeface="+mn-lt"/>
-              </a:rPr>
-              <a:t>Trained for 25 epochs on a Quadro K620 GPU, ~18 hours.</a:t>
-            </a:r>
-          </a:p>
-          <a:p>
-            <a:pPr marL="457200" indent="-457200">
-              <a:buFont typeface="Arial" panose="020B0604020202020204" pitchFamily="34" charset="0"/>
-              <a:buChar char="•"/>
-            </a:pPr>
-            <a:r>
-              <a:rPr lang="en-US" sz="2800" dirty="0">
-                <a:latin typeface="+mn-lt"/>
-              </a:rPr>
-              <a:t>Based on results of [2] only trained on </a:t>
-            </a:r>
-            <a:r>
-              <a:rPr lang="en-US" sz="2800" dirty="0">
+            <a:pPr algn="ctr"/>
+            <a:r>
+              <a:rPr lang="en-US" sz="4000" b="1" dirty="0">
                 <a:solidFill>
-                  <a:srgbClr val="1B46A5"/>
+                  <a:schemeClr val="tx2"/>
                 </a:solidFill>
                 <a:latin typeface="+mn-lt"/>
               </a:rPr>
-              <a:t>HP</a:t>
-            </a:r>
-            <a:r>
-              <a:rPr lang="en-US" sz="2800" dirty="0">
-                <a:latin typeface="+mn-lt"/>
-              </a:rPr>
-              <a:t> dataset</a:t>
-            </a:r>
-          </a:p>
-          <a:p>
-            <a:pPr marL="457200" indent="-457200">
-              <a:buFont typeface="Arial" panose="020B0604020202020204" pitchFamily="34" charset="0"/>
-              <a:buChar char="•"/>
-            </a:pPr>
-            <a:endParaRPr lang="en-US" sz="2800" dirty="0">
-              <a:latin typeface="+mn-lt"/>
-            </a:endParaRPr>
-          </a:p>
-        </p:txBody>
-      </p:sp>
-      <p:sp>
-        <p:nvSpPr>
-          <p:cNvPr id="79" name="TextBox 78">
-            <a:extLst>
-              <a:ext uri="{FF2B5EF4-FFF2-40B4-BE49-F238E27FC236}">
-                <a16:creationId xmlns:a16="http://schemas.microsoft.com/office/drawing/2014/main" id="{560C1FDC-E347-4BC9-AFAF-BBC1C665D065}"/>
-              </a:ext>
-            </a:extLst>
-          </p:cNvPr>
-          <p:cNvSpPr txBox="1"/>
-          <p:nvPr/>
-        </p:nvSpPr>
-        <p:spPr>
-          <a:xfrm>
-            <a:off x="11486595" y="26608405"/>
-            <a:ext cx="7982271" cy="5693866"/>
-          </a:xfrm>
-          <a:prstGeom prst="rect">
-            <a:avLst/>
-          </a:prstGeom>
-          <a:noFill/>
-        </p:spPr>
-        <p:txBody>
-          <a:bodyPr wrap="square" rtlCol="0">
-            <a:spAutoFit/>
-          </a:bodyPr>
-          <a:lstStyle/>
-          <a:p>
-            <a:pPr marL="457200" indent="-457200">
-              <a:buFont typeface="Arial" panose="020B0604020202020204" pitchFamily="34" charset="0"/>
-              <a:buChar char="•"/>
-            </a:pPr>
-            <a:r>
-              <a:rPr lang="en-US" sz="2800" dirty="0">
-                <a:latin typeface="+mn-lt"/>
-              </a:rPr>
-              <a:t>Training data taken from the Sloan Digital Sky Survey [3] matched with the Galaxy Zoo 1 Catalogue (GZ) [4]</a:t>
-            </a:r>
-          </a:p>
-          <a:p>
-            <a:pPr marL="457200" indent="-457200">
-              <a:buFont typeface="Arial" panose="020B0604020202020204" pitchFamily="34" charset="0"/>
-              <a:buChar char="•"/>
-            </a:pPr>
-            <a:r>
-              <a:rPr lang="en-US" sz="2800" dirty="0">
-                <a:latin typeface="+mn-lt"/>
-              </a:rPr>
-              <a:t>GZ was a citizen-science project that used volunteers to sort galaxies into spiral or elliptical classes</a:t>
-            </a:r>
-          </a:p>
-          <a:p>
-            <a:pPr marL="457200" indent="-457200">
-              <a:buFont typeface="Arial" panose="020B0604020202020204" pitchFamily="34" charset="0"/>
-              <a:buChar char="•"/>
-            </a:pPr>
-            <a:r>
-              <a:rPr lang="en-US" sz="2800" dirty="0">
-                <a:latin typeface="+mn-lt"/>
-              </a:rPr>
-              <a:t>Split data into three sets: High Probability, Mid Probability and Low Probability (</a:t>
-            </a:r>
-            <a:r>
-              <a:rPr lang="en-US" sz="2800" dirty="0">
-                <a:solidFill>
-                  <a:srgbClr val="1B46A5"/>
-                </a:solidFill>
-                <a:latin typeface="+mn-lt"/>
-              </a:rPr>
-              <a:t>HP</a:t>
-            </a:r>
-            <a:r>
-              <a:rPr lang="en-US" sz="2800" dirty="0">
-                <a:latin typeface="+mn-lt"/>
-              </a:rPr>
-              <a:t>,</a:t>
-            </a:r>
-            <a:r>
-              <a:rPr lang="en-US" sz="2800" dirty="0">
-                <a:solidFill>
-                  <a:srgbClr val="0D7517"/>
-                </a:solidFill>
-                <a:latin typeface="+mn-lt"/>
-              </a:rPr>
-              <a:t>MP</a:t>
-            </a:r>
-            <a:r>
-              <a:rPr lang="en-US" sz="2800" dirty="0">
-                <a:latin typeface="+mn-lt"/>
-              </a:rPr>
-              <a:t>,</a:t>
-            </a:r>
-            <a:r>
-              <a:rPr lang="en-US" sz="2800" dirty="0">
-                <a:solidFill>
-                  <a:srgbClr val="FF0000"/>
-                </a:solidFill>
-                <a:latin typeface="+mn-lt"/>
-              </a:rPr>
-              <a:t>LP</a:t>
-            </a:r>
-            <a:r>
-              <a:rPr lang="en-US" sz="2800" dirty="0">
-                <a:latin typeface="+mn-lt"/>
-              </a:rPr>
-              <a:t>), along GZ debiased class confidence scores (C) for ease of exploration</a:t>
-            </a:r>
-          </a:p>
-          <a:p>
-            <a:pPr marL="457200" indent="-457200">
-              <a:buFont typeface="Arial" panose="020B0604020202020204" pitchFamily="34" charset="0"/>
-              <a:buChar char="•"/>
-            </a:pPr>
-            <a:r>
-              <a:rPr lang="en-US" sz="2800" dirty="0">
-                <a:latin typeface="+mn-lt"/>
-              </a:rPr>
-              <a:t>Later, added sixth channel of magnitudes, </a:t>
-            </a:r>
-            <a:r>
-              <a:rPr lang="en-US" sz="2800" dirty="0" err="1">
-                <a:latin typeface="+mn-lt"/>
-              </a:rPr>
-              <a:t>petrosian</a:t>
-            </a:r>
-            <a:r>
-              <a:rPr lang="en-US" sz="2800" dirty="0">
-                <a:latin typeface="+mn-lt"/>
-              </a:rPr>
-              <a:t> magnitudes, and angular size, boosting performance</a:t>
-            </a:r>
-          </a:p>
-        </p:txBody>
-      </p:sp>
-      <p:sp>
-        <p:nvSpPr>
-          <p:cNvPr id="6" name="TextBox 5"/>
-          <p:cNvSpPr txBox="1"/>
-          <p:nvPr/>
-        </p:nvSpPr>
-        <p:spPr>
-          <a:xfrm>
-            <a:off x="30629280" y="19807200"/>
-            <a:ext cx="2499237" cy="369332"/>
-          </a:xfrm>
-          <a:prstGeom prst="rect">
-            <a:avLst/>
-          </a:prstGeom>
-          <a:noFill/>
-        </p:spPr>
-        <p:txBody>
-          <a:bodyPr wrap="square" rtlCol="0">
-            <a:spAutoFit/>
-          </a:bodyPr>
-          <a:lstStyle/>
-          <a:p>
-            <a:r>
-              <a:rPr lang="en-US" sz="1800" dirty="0"/>
-              <a:t>Eisenstein, et al, 2011</a:t>
-            </a:r>
-          </a:p>
-        </p:txBody>
-      </p:sp>
-      <p:sp>
-        <p:nvSpPr>
-          <p:cNvPr id="9" name="Rectangle 8"/>
-          <p:cNvSpPr/>
-          <p:nvPr/>
-        </p:nvSpPr>
-        <p:spPr>
-          <a:xfrm>
-            <a:off x="29055401" y="15476660"/>
-            <a:ext cx="5718754" cy="310215"/>
-          </a:xfrm>
-          <a:prstGeom prst="rect">
-            <a:avLst/>
-          </a:prstGeom>
-          <a:ln>
-            <a:solidFill>
-              <a:schemeClr val="bg1"/>
-            </a:solidFill>
-          </a:ln>
-        </p:spPr>
-        <p:style>
-          <a:lnRef idx="2">
-            <a:schemeClr val="dk1"/>
-          </a:lnRef>
-          <a:fillRef idx="1">
-            <a:schemeClr val="lt1"/>
-          </a:fillRef>
-          <a:effectRef idx="0">
-            <a:schemeClr val="dk1"/>
-          </a:effectRef>
-          <a:fontRef idx="minor">
-            <a:schemeClr val="dk1"/>
-          </a:fontRef>
-        </p:style>
-        <p:txBody>
-          <a:bodyPr rtlCol="0" anchor="ctr"/>
-          <a:lstStyle/>
-          <a:p>
-            <a:pPr algn="ctr"/>
-            <a:r>
-              <a:rPr lang="fr-FR" sz="1800" dirty="0" err="1"/>
-              <a:t>Literature</a:t>
-            </a:r>
-            <a:r>
-              <a:rPr lang="fr-FR" sz="1800" dirty="0"/>
-              <a:t> Performance: SDSS </a:t>
-            </a:r>
-            <a:r>
-              <a:rPr lang="fr-FR" sz="1800" dirty="0" err="1"/>
-              <a:t>PhotoZ</a:t>
-            </a:r>
-            <a:r>
-              <a:rPr lang="fr-FR" sz="1800" dirty="0"/>
-              <a:t> vs </a:t>
-            </a:r>
-            <a:r>
-              <a:rPr lang="fr-FR" sz="1800" dirty="0" err="1"/>
-              <a:t>SpectroZ</a:t>
-            </a:r>
-            <a:endParaRPr lang="fr-FR" sz="1800" dirty="0"/>
-          </a:p>
-        </p:txBody>
-      </p:sp>
-      <p:pic>
-        <p:nvPicPr>
-          <p:cNvPr id="11" name="Picture 10"/>
-          <p:cNvPicPr>
-            <a:picLocks noChangeAspect="1"/>
-          </p:cNvPicPr>
-          <p:nvPr/>
-        </p:nvPicPr>
-        <p:blipFill rotWithShape="1">
-          <a:blip r:embed="rId17">
-            <a:extLst>
-              <a:ext uri="{28A0092B-C50C-407E-A947-70E740481C1C}">
-                <a14:useLocalDpi xmlns:a14="http://schemas.microsoft.com/office/drawing/2010/main" val="0"/>
-              </a:ext>
-            </a:extLst>
-          </a:blip>
-          <a:srcRect l="773" t="5693" r="18016" b="8580"/>
-          <a:stretch/>
-        </p:blipFill>
-        <p:spPr>
-          <a:xfrm>
-            <a:off x="2154538" y="27048006"/>
-            <a:ext cx="7817556" cy="1669950"/>
-          </a:xfrm>
-          <a:prstGeom prst="rect">
-            <a:avLst/>
-          </a:prstGeom>
-        </p:spPr>
-      </p:pic>
-      <p:sp>
-        <p:nvSpPr>
-          <p:cNvPr id="135" name="TextBox 134">
-            <a:extLst>
-              <a:ext uri="{FF2B5EF4-FFF2-40B4-BE49-F238E27FC236}">
-                <a16:creationId xmlns:a16="http://schemas.microsoft.com/office/drawing/2014/main" id="{E8A8AD80-1860-43FD-B5A4-0CD2C563205F}"/>
-              </a:ext>
-            </a:extLst>
-          </p:cNvPr>
-          <p:cNvSpPr txBox="1"/>
-          <p:nvPr/>
-        </p:nvSpPr>
-        <p:spPr>
-          <a:xfrm>
-            <a:off x="2412771" y="14582245"/>
-            <a:ext cx="5512270" cy="400110"/>
-          </a:xfrm>
-          <a:prstGeom prst="rect">
-            <a:avLst/>
-          </a:prstGeom>
-          <a:noFill/>
-        </p:spPr>
-        <p:txBody>
-          <a:bodyPr wrap="square" rtlCol="0">
-            <a:spAutoFit/>
-          </a:bodyPr>
-          <a:lstStyle/>
-          <a:p>
-            <a:pPr algn="ctr"/>
-            <a:r>
-              <a:rPr lang="en-US" sz="2000" dirty="0"/>
-              <a:t>G. </a:t>
-            </a:r>
-            <a:r>
-              <a:rPr lang="en-US" sz="2000" dirty="0" err="1"/>
-              <a:t>Dálya</a:t>
-            </a:r>
-            <a:r>
-              <a:rPr lang="en-US" sz="2000" dirty="0"/>
-              <a:t>, G. </a:t>
-            </a:r>
-            <a:r>
-              <a:rPr lang="en-US" sz="2000" dirty="0" err="1"/>
-              <a:t>Galgóczi</a:t>
-            </a:r>
-            <a:r>
-              <a:rPr lang="en-US" sz="2000" dirty="0"/>
-              <a:t>, </a:t>
-            </a:r>
-            <a:r>
-              <a:rPr lang="en-US" sz="2000" i="1" dirty="0"/>
-              <a:t>et </a:t>
-            </a:r>
-            <a:r>
-              <a:rPr lang="en-US" sz="2000" dirty="0"/>
-              <a:t>al, (2018)</a:t>
-            </a:r>
-            <a:endParaRPr lang="en-US" sz="2000" b="1" dirty="0">
-              <a:solidFill>
-                <a:schemeClr val="tx2"/>
-              </a:solidFill>
-              <a:latin typeface="+mn-lt"/>
-            </a:endParaRPr>
+              <a:t>Model Performance</a:t>
+            </a:r>
           </a:p>
         </p:txBody>
       </p:sp>
